--- a/schecmatic.pptx
+++ b/schecmatic.pptx
@@ -4,6 +4,9 @@
   <p:sldMasterIdLst>
     <p:sldMasterId id="2147483648" r:id="rId1"/>
   </p:sldMasterIdLst>
+  <p:notesMasterIdLst>
+    <p:notesMasterId r:id="rId5"/>
+  </p:notesMasterIdLst>
   <p:sldIdLst>
     <p:sldId id="256" r:id="rId2"/>
     <p:sldId id="257" r:id="rId3"/>
@@ -114,6 +117,415 @@
 </p:presentation>
 </file>
 
+<file path=ppt/notesMasters/notesMaster1.xml><?xml version="1.0" encoding="utf-8"?>
+<p:notesMaster xmlns:a="http://schemas.openxmlformats.org/drawingml/2006/main" xmlns:r="http://schemas.openxmlformats.org/officeDocument/2006/relationships" xmlns:p="http://schemas.openxmlformats.org/presentationml/2006/main">
+  <p:cSld>
+    <p:bg>
+      <p:bgRef idx="1001">
+        <a:schemeClr val="bg1"/>
+      </p:bgRef>
+    </p:bg>
+    <p:spTree>
+      <p:nvGrpSpPr>
+        <p:cNvPr id="1" name=""/>
+        <p:cNvGrpSpPr/>
+        <p:nvPr/>
+      </p:nvGrpSpPr>
+      <p:grpSpPr>
+        <a:xfrm>
+          <a:off x="0" y="0"/>
+          <a:ext cx="0" cy="0"/>
+          <a:chOff x="0" y="0"/>
+          <a:chExt cx="0" cy="0"/>
+        </a:xfrm>
+      </p:grpSpPr>
+      <p:sp>
+        <p:nvSpPr>
+          <p:cNvPr id="2" name="Espace réservé de l'en-tête 1"/>
+          <p:cNvSpPr>
+            <a:spLocks noGrp="1"/>
+          </p:cNvSpPr>
+          <p:nvPr>
+            <p:ph type="hdr" sz="quarter"/>
+          </p:nvPr>
+        </p:nvSpPr>
+        <p:spPr>
+          <a:xfrm>
+            <a:off x="0" y="0"/>
+            <a:ext cx="2971800" cy="458788"/>
+          </a:xfrm>
+          <a:prstGeom prst="rect">
+            <a:avLst/>
+          </a:prstGeom>
+        </p:spPr>
+        <p:txBody>
+          <a:bodyPr vert="horz" lIns="91440" tIns="45720" rIns="91440" bIns="45720" rtlCol="0"/>
+          <a:lstStyle>
+            <a:lvl1pPr algn="l">
+              <a:defRPr sz="1200"/>
+            </a:lvl1pPr>
+          </a:lstStyle>
+          <a:p>
+            <a:endParaRPr lang="en-US"/>
+          </a:p>
+        </p:txBody>
+      </p:sp>
+      <p:sp>
+        <p:nvSpPr>
+          <p:cNvPr id="3" name="Espace réservé de la date 2"/>
+          <p:cNvSpPr>
+            <a:spLocks noGrp="1"/>
+          </p:cNvSpPr>
+          <p:nvPr>
+            <p:ph type="dt" idx="1"/>
+          </p:nvPr>
+        </p:nvSpPr>
+        <p:spPr>
+          <a:xfrm>
+            <a:off x="3884613" y="0"/>
+            <a:ext cx="2971800" cy="458788"/>
+          </a:xfrm>
+          <a:prstGeom prst="rect">
+            <a:avLst/>
+          </a:prstGeom>
+        </p:spPr>
+        <p:txBody>
+          <a:bodyPr vert="horz" lIns="91440" tIns="45720" rIns="91440" bIns="45720" rtlCol="0"/>
+          <a:lstStyle>
+            <a:lvl1pPr algn="r">
+              <a:defRPr sz="1200"/>
+            </a:lvl1pPr>
+          </a:lstStyle>
+          <a:p>
+            <a:fld id="{68C35207-98BC-6A4C-9E1D-63AA3BF87D5D}" type="datetimeFigureOut">
+              <a:rPr lang="en-US" smtClean="0"/>
+              <a:t>8/3/18</a:t>
+            </a:fld>
+            <a:endParaRPr lang="en-US"/>
+          </a:p>
+        </p:txBody>
+      </p:sp>
+      <p:sp>
+        <p:nvSpPr>
+          <p:cNvPr id="4" name="Espace réservé de l'image des diapositives 3"/>
+          <p:cNvSpPr>
+            <a:spLocks noGrp="1" noRot="1" noChangeAspect="1"/>
+          </p:cNvSpPr>
+          <p:nvPr>
+            <p:ph type="sldImg" idx="2"/>
+          </p:nvPr>
+        </p:nvSpPr>
+        <p:spPr>
+          <a:xfrm>
+            <a:off x="685800" y="1143000"/>
+            <a:ext cx="5486400" cy="3086100"/>
+          </a:xfrm>
+          <a:prstGeom prst="rect">
+            <a:avLst/>
+          </a:prstGeom>
+          <a:noFill/>
+          <a:ln w="12700">
+            <a:solidFill>
+              <a:prstClr val="black"/>
+            </a:solidFill>
+          </a:ln>
+        </p:spPr>
+        <p:txBody>
+          <a:bodyPr vert="horz" lIns="91440" tIns="45720" rIns="91440" bIns="45720" rtlCol="0" anchor="ctr"/>
+          <a:lstStyle/>
+          <a:p>
+            <a:endParaRPr lang="en-US"/>
+          </a:p>
+        </p:txBody>
+      </p:sp>
+      <p:sp>
+        <p:nvSpPr>
+          <p:cNvPr id="5" name="Espace réservé des notes 4"/>
+          <p:cNvSpPr>
+            <a:spLocks noGrp="1"/>
+          </p:cNvSpPr>
+          <p:nvPr>
+            <p:ph type="body" sz="quarter" idx="3"/>
+          </p:nvPr>
+        </p:nvSpPr>
+        <p:spPr>
+          <a:xfrm>
+            <a:off x="685800" y="4400550"/>
+            <a:ext cx="5486400" cy="3600450"/>
+          </a:xfrm>
+          <a:prstGeom prst="rect">
+            <a:avLst/>
+          </a:prstGeom>
+        </p:spPr>
+        <p:txBody>
+          <a:bodyPr vert="horz" lIns="91440" tIns="45720" rIns="91440" bIns="45720" rtlCol="0"/>
+          <a:lstStyle/>
+          <a:p>
+            <a:r>
+              <a:rPr lang="fr-FR"/>
+              <a:t>Modifier les styles du texte du masque
+Deuxième niveau
+Troisième niveau
+Quatrième niveau
+Cinquième niveau</a:t>
+            </a:r>
+            <a:endParaRPr lang="en-US"/>
+          </a:p>
+        </p:txBody>
+      </p:sp>
+      <p:sp>
+        <p:nvSpPr>
+          <p:cNvPr id="6" name="Espace réservé du pied de page 5"/>
+          <p:cNvSpPr>
+            <a:spLocks noGrp="1"/>
+          </p:cNvSpPr>
+          <p:nvPr>
+            <p:ph type="ftr" sz="quarter" idx="4"/>
+          </p:nvPr>
+        </p:nvSpPr>
+        <p:spPr>
+          <a:xfrm>
+            <a:off x="0" y="8685213"/>
+            <a:ext cx="2971800" cy="458787"/>
+          </a:xfrm>
+          <a:prstGeom prst="rect">
+            <a:avLst/>
+          </a:prstGeom>
+        </p:spPr>
+        <p:txBody>
+          <a:bodyPr vert="horz" lIns="91440" tIns="45720" rIns="91440" bIns="45720" rtlCol="0" anchor="b"/>
+          <a:lstStyle>
+            <a:lvl1pPr algn="l">
+              <a:defRPr sz="1200"/>
+            </a:lvl1pPr>
+          </a:lstStyle>
+          <a:p>
+            <a:endParaRPr lang="en-US"/>
+          </a:p>
+        </p:txBody>
+      </p:sp>
+      <p:sp>
+        <p:nvSpPr>
+          <p:cNvPr id="7" name="Espace réservé du numéro de diapositive 6"/>
+          <p:cNvSpPr>
+            <a:spLocks noGrp="1"/>
+          </p:cNvSpPr>
+          <p:nvPr>
+            <p:ph type="sldNum" sz="quarter" idx="5"/>
+          </p:nvPr>
+        </p:nvSpPr>
+        <p:spPr>
+          <a:xfrm>
+            <a:off x="3884613" y="8685213"/>
+            <a:ext cx="2971800" cy="458787"/>
+          </a:xfrm>
+          <a:prstGeom prst="rect">
+            <a:avLst/>
+          </a:prstGeom>
+        </p:spPr>
+        <p:txBody>
+          <a:bodyPr vert="horz" lIns="91440" tIns="45720" rIns="91440" bIns="45720" rtlCol="0" anchor="b"/>
+          <a:lstStyle>
+            <a:lvl1pPr algn="r">
+              <a:defRPr sz="1200"/>
+            </a:lvl1pPr>
+          </a:lstStyle>
+          <a:p>
+            <a:fld id="{87255540-6992-1C49-A7FD-7145AF5D591F}" type="slidenum">
+              <a:rPr lang="en-US" smtClean="0"/>
+              <a:t>‹N°›</a:t>
+            </a:fld>
+            <a:endParaRPr lang="en-US"/>
+          </a:p>
+        </p:txBody>
+      </p:sp>
+    </p:spTree>
+    <p:extLst>
+      <p:ext uri="{BB962C8B-B14F-4D97-AF65-F5344CB8AC3E}">
+        <p14:creationId xmlns:p14="http://schemas.microsoft.com/office/powerpoint/2010/main" val="3471725285"/>
+      </p:ext>
+    </p:extLst>
+  </p:cSld>
+  <p:clrMap bg1="lt1" tx1="dk1" bg2="lt2" tx2="dk2" accent1="accent1" accent2="accent2" accent3="accent3" accent4="accent4" accent5="accent5" accent6="accent6" hlink="hlink" folHlink="folHlink"/>
+  <p:notesStyle>
+    <a:lvl1pPr marL="0" algn="l" defTabSz="914400" rtl="0" eaLnBrk="1" latinLnBrk="0" hangingPunct="1">
+      <a:defRPr sz="1200" kern="1200">
+        <a:solidFill>
+          <a:schemeClr val="tx1"/>
+        </a:solidFill>
+        <a:latin typeface="+mn-lt"/>
+        <a:ea typeface="+mn-ea"/>
+        <a:cs typeface="+mn-cs"/>
+      </a:defRPr>
+    </a:lvl1pPr>
+    <a:lvl2pPr marL="457200" algn="l" defTabSz="914400" rtl="0" eaLnBrk="1" latinLnBrk="0" hangingPunct="1">
+      <a:defRPr sz="1200" kern="1200">
+        <a:solidFill>
+          <a:schemeClr val="tx1"/>
+        </a:solidFill>
+        <a:latin typeface="+mn-lt"/>
+        <a:ea typeface="+mn-ea"/>
+        <a:cs typeface="+mn-cs"/>
+      </a:defRPr>
+    </a:lvl2pPr>
+    <a:lvl3pPr marL="914400" algn="l" defTabSz="914400" rtl="0" eaLnBrk="1" latinLnBrk="0" hangingPunct="1">
+      <a:defRPr sz="1200" kern="1200">
+        <a:solidFill>
+          <a:schemeClr val="tx1"/>
+        </a:solidFill>
+        <a:latin typeface="+mn-lt"/>
+        <a:ea typeface="+mn-ea"/>
+        <a:cs typeface="+mn-cs"/>
+      </a:defRPr>
+    </a:lvl3pPr>
+    <a:lvl4pPr marL="1371600" algn="l" defTabSz="914400" rtl="0" eaLnBrk="1" latinLnBrk="0" hangingPunct="1">
+      <a:defRPr sz="1200" kern="1200">
+        <a:solidFill>
+          <a:schemeClr val="tx1"/>
+        </a:solidFill>
+        <a:latin typeface="+mn-lt"/>
+        <a:ea typeface="+mn-ea"/>
+        <a:cs typeface="+mn-cs"/>
+      </a:defRPr>
+    </a:lvl4pPr>
+    <a:lvl5pPr marL="1828800" algn="l" defTabSz="914400" rtl="0" eaLnBrk="1" latinLnBrk="0" hangingPunct="1">
+      <a:defRPr sz="1200" kern="1200">
+        <a:solidFill>
+          <a:schemeClr val="tx1"/>
+        </a:solidFill>
+        <a:latin typeface="+mn-lt"/>
+        <a:ea typeface="+mn-ea"/>
+        <a:cs typeface="+mn-cs"/>
+      </a:defRPr>
+    </a:lvl5pPr>
+    <a:lvl6pPr marL="2286000" algn="l" defTabSz="914400" rtl="0" eaLnBrk="1" latinLnBrk="0" hangingPunct="1">
+      <a:defRPr sz="1200" kern="1200">
+        <a:solidFill>
+          <a:schemeClr val="tx1"/>
+        </a:solidFill>
+        <a:latin typeface="+mn-lt"/>
+        <a:ea typeface="+mn-ea"/>
+        <a:cs typeface="+mn-cs"/>
+      </a:defRPr>
+    </a:lvl6pPr>
+    <a:lvl7pPr marL="2743200" algn="l" defTabSz="914400" rtl="0" eaLnBrk="1" latinLnBrk="0" hangingPunct="1">
+      <a:defRPr sz="1200" kern="1200">
+        <a:solidFill>
+          <a:schemeClr val="tx1"/>
+        </a:solidFill>
+        <a:latin typeface="+mn-lt"/>
+        <a:ea typeface="+mn-ea"/>
+        <a:cs typeface="+mn-cs"/>
+      </a:defRPr>
+    </a:lvl7pPr>
+    <a:lvl8pPr marL="3200400" algn="l" defTabSz="914400" rtl="0" eaLnBrk="1" latinLnBrk="0" hangingPunct="1">
+      <a:defRPr sz="1200" kern="1200">
+        <a:solidFill>
+          <a:schemeClr val="tx1"/>
+        </a:solidFill>
+        <a:latin typeface="+mn-lt"/>
+        <a:ea typeface="+mn-ea"/>
+        <a:cs typeface="+mn-cs"/>
+      </a:defRPr>
+    </a:lvl8pPr>
+    <a:lvl9pPr marL="3657600" algn="l" defTabSz="914400" rtl="0" eaLnBrk="1" latinLnBrk="0" hangingPunct="1">
+      <a:defRPr sz="1200" kern="1200">
+        <a:solidFill>
+          <a:schemeClr val="tx1"/>
+        </a:solidFill>
+        <a:latin typeface="+mn-lt"/>
+        <a:ea typeface="+mn-ea"/>
+        <a:cs typeface="+mn-cs"/>
+      </a:defRPr>
+    </a:lvl9pPr>
+  </p:notesStyle>
+</p:notesMaster>
+</file>
+
+<file path=ppt/notesSlides/notesSlide1.xml><?xml version="1.0" encoding="utf-8"?>
+<p:notes xmlns:a="http://schemas.openxmlformats.org/drawingml/2006/main" xmlns:r="http://schemas.openxmlformats.org/officeDocument/2006/relationships" xmlns:p="http://schemas.openxmlformats.org/presentationml/2006/main">
+  <p:cSld>
+    <p:spTree>
+      <p:nvGrpSpPr>
+        <p:cNvPr id="1" name=""/>
+        <p:cNvGrpSpPr/>
+        <p:nvPr/>
+      </p:nvGrpSpPr>
+      <p:grpSpPr>
+        <a:xfrm>
+          <a:off x="0" y="0"/>
+          <a:ext cx="0" cy="0"/>
+          <a:chOff x="0" y="0"/>
+          <a:chExt cx="0" cy="0"/>
+        </a:xfrm>
+      </p:grpSpPr>
+      <p:sp>
+        <p:nvSpPr>
+          <p:cNvPr id="2" name="Espace réservé de l'image des diapositives 1"/>
+          <p:cNvSpPr>
+            <a:spLocks noGrp="1" noRot="1" noChangeAspect="1"/>
+          </p:cNvSpPr>
+          <p:nvPr>
+            <p:ph type="sldImg"/>
+          </p:nvPr>
+        </p:nvSpPr>
+        <p:spPr/>
+      </p:sp>
+      <p:sp>
+        <p:nvSpPr>
+          <p:cNvPr id="3" name="Espace réservé des notes 2"/>
+          <p:cNvSpPr>
+            <a:spLocks noGrp="1"/>
+          </p:cNvSpPr>
+          <p:nvPr>
+            <p:ph type="body" idx="1"/>
+          </p:nvPr>
+        </p:nvSpPr>
+        <p:spPr/>
+        <p:txBody>
+          <a:bodyPr/>
+          <a:lstStyle/>
+          <a:p>
+            <a:endParaRPr lang="en-US" dirty="0"/>
+          </a:p>
+        </p:txBody>
+      </p:sp>
+      <p:sp>
+        <p:nvSpPr>
+          <p:cNvPr id="4" name="Espace réservé du numéro de diapositive 3"/>
+          <p:cNvSpPr>
+            <a:spLocks noGrp="1"/>
+          </p:cNvSpPr>
+          <p:nvPr>
+            <p:ph type="sldNum" sz="quarter" idx="10"/>
+          </p:nvPr>
+        </p:nvSpPr>
+        <p:spPr/>
+        <p:txBody>
+          <a:bodyPr/>
+          <a:lstStyle/>
+          <a:p>
+            <a:fld id="{87255540-6992-1C49-A7FD-7145AF5D591F}" type="slidenum">
+              <a:rPr lang="en-US" smtClean="0"/>
+              <a:t>1</a:t>
+            </a:fld>
+            <a:endParaRPr lang="en-US"/>
+          </a:p>
+        </p:txBody>
+      </p:sp>
+    </p:spTree>
+    <p:extLst>
+      <p:ext uri="{BB962C8B-B14F-4D97-AF65-F5344CB8AC3E}">
+        <p14:creationId xmlns:p14="http://schemas.microsoft.com/office/powerpoint/2010/main" val="1167242444"/>
+      </p:ext>
+    </p:extLst>
+  </p:cSld>
+  <p:clrMapOvr>
+    <a:masterClrMapping/>
+  </p:clrMapOvr>
+</p:notes>
+</file>
+
 <file path=ppt/slideLayouts/slideLayout1.xml><?xml version="1.0" encoding="utf-8"?>
 <p:sldLayout xmlns:a="http://schemas.openxmlformats.org/drawingml/2006/main" xmlns:r="http://schemas.openxmlformats.org/officeDocument/2006/relationships" xmlns:p="http://schemas.openxmlformats.org/presentationml/2006/main" type="title" preserve="1">
   <p:cSld name="Diapositive de titre">
@@ -261,7 +673,7 @@
           <a:p>
             <a:fld id="{AC110F66-9797-A241-882E-7A28B5B06235}" type="datetimeFigureOut">
               <a:rPr lang="fr-FR" smtClean="0"/>
-              <a:t>26/07/2018</a:t>
+              <a:t>03/08/2018</a:t>
             </a:fld>
             <a:endParaRPr lang="fr-FR"/>
           </a:p>
@@ -434,7 +846,7 @@
           <a:p>
             <a:fld id="{AC110F66-9797-A241-882E-7A28B5B06235}" type="datetimeFigureOut">
               <a:rPr lang="fr-FR" smtClean="0"/>
-              <a:t>26/07/2018</a:t>
+              <a:t>03/08/2018</a:t>
             </a:fld>
             <a:endParaRPr lang="fr-FR"/>
           </a:p>
@@ -617,7 +1029,7 @@
           <a:p>
             <a:fld id="{AC110F66-9797-A241-882E-7A28B5B06235}" type="datetimeFigureOut">
               <a:rPr lang="fr-FR" smtClean="0"/>
-              <a:t>26/07/2018</a:t>
+              <a:t>03/08/2018</a:t>
             </a:fld>
             <a:endParaRPr lang="fr-FR"/>
           </a:p>
@@ -790,7 +1202,7 @@
           <a:p>
             <a:fld id="{AC110F66-9797-A241-882E-7A28B5B06235}" type="datetimeFigureOut">
               <a:rPr lang="fr-FR" smtClean="0"/>
-              <a:t>26/07/2018</a:t>
+              <a:t>03/08/2018</a:t>
             </a:fld>
             <a:endParaRPr lang="fr-FR"/>
           </a:p>
@@ -1068,7 +1480,7 @@
           <a:p>
             <a:fld id="{AC110F66-9797-A241-882E-7A28B5B06235}" type="datetimeFigureOut">
               <a:rPr lang="fr-FR" smtClean="0"/>
-              <a:t>26/07/2018</a:t>
+              <a:t>03/08/2018</a:t>
             </a:fld>
             <a:endParaRPr lang="fr-FR"/>
           </a:p>
@@ -1283,7 +1695,7 @@
           <a:p>
             <a:fld id="{AC110F66-9797-A241-882E-7A28B5B06235}" type="datetimeFigureOut">
               <a:rPr lang="fr-FR" smtClean="0"/>
-              <a:t>26/07/2018</a:t>
+              <a:t>03/08/2018</a:t>
             </a:fld>
             <a:endParaRPr lang="fr-FR"/>
           </a:p>
@@ -1651,7 +2063,7 @@
           <a:p>
             <a:fld id="{AC110F66-9797-A241-882E-7A28B5B06235}" type="datetimeFigureOut">
               <a:rPr lang="fr-FR" smtClean="0"/>
-              <a:t>26/07/2018</a:t>
+              <a:t>03/08/2018</a:t>
             </a:fld>
             <a:endParaRPr lang="fr-FR"/>
           </a:p>
@@ -1792,7 +2204,7 @@
           <a:p>
             <a:fld id="{AC110F66-9797-A241-882E-7A28B5B06235}" type="datetimeFigureOut">
               <a:rPr lang="fr-FR" smtClean="0"/>
-              <a:t>26/07/2018</a:t>
+              <a:t>03/08/2018</a:t>
             </a:fld>
             <a:endParaRPr lang="fr-FR"/>
           </a:p>
@@ -1905,7 +2317,7 @@
           <a:p>
             <a:fld id="{AC110F66-9797-A241-882E-7A28B5B06235}" type="datetimeFigureOut">
               <a:rPr lang="fr-FR" smtClean="0"/>
-              <a:t>26/07/2018</a:t>
+              <a:t>03/08/2018</a:t>
             </a:fld>
             <a:endParaRPr lang="fr-FR"/>
           </a:p>
@@ -2194,7 +2606,7 @@
           <a:p>
             <a:fld id="{AC110F66-9797-A241-882E-7A28B5B06235}" type="datetimeFigureOut">
               <a:rPr lang="fr-FR" smtClean="0"/>
-              <a:t>26/07/2018</a:t>
+              <a:t>03/08/2018</a:t>
             </a:fld>
             <a:endParaRPr lang="fr-FR"/>
           </a:p>
@@ -2485,7 +2897,7 @@
           <a:p>
             <a:fld id="{AC110F66-9797-A241-882E-7A28B5B06235}" type="datetimeFigureOut">
               <a:rPr lang="fr-FR" smtClean="0"/>
-              <a:t>26/07/2018</a:t>
+              <a:t>03/08/2018</a:t>
             </a:fld>
             <a:endParaRPr lang="fr-FR"/>
           </a:p>
@@ -2701,7 +3113,7 @@
           <a:p>
             <a:fld id="{AC110F66-9797-A241-882E-7A28B5B06235}" type="datetimeFigureOut">
               <a:rPr lang="fr-FR" smtClean="0"/>
-              <a:t>26/07/2018</a:t>
+              <a:t>03/08/2018</a:t>
             </a:fld>
             <a:endParaRPr lang="fr-FR"/>
           </a:p>
@@ -3120,825 +3532,6 @@
       </p:grpSpPr>
       <p:sp>
         <p:nvSpPr>
-          <p:cNvPr id="11" name="Rectangle 10">
-            <a:extLst>
-              <a:ext uri="{FF2B5EF4-FFF2-40B4-BE49-F238E27FC236}">
-                <a16:creationId xmlns:a16="http://schemas.microsoft.com/office/drawing/2014/main" id="{A5CFBA3A-CC71-DB43-AA49-D73043F068E0}"/>
-              </a:ext>
-            </a:extLst>
-          </p:cNvPr>
-          <p:cNvSpPr/>
-          <p:nvPr/>
-        </p:nvSpPr>
-        <p:spPr>
-          <a:xfrm>
-            <a:off x="1703294" y="1066800"/>
-            <a:ext cx="6208245" cy="4055706"/>
-          </a:xfrm>
-          <a:prstGeom prst="rect">
-            <a:avLst/>
-          </a:prstGeom>
-          <a:noFill/>
-          <a:ln>
-            <a:solidFill>
-              <a:schemeClr val="accent1"/>
-            </a:solidFill>
-          </a:ln>
-        </p:spPr>
-        <p:style>
-          <a:lnRef idx="0">
-            <a:schemeClr val="accent1"/>
-          </a:lnRef>
-          <a:fillRef idx="3">
-            <a:schemeClr val="accent1"/>
-          </a:fillRef>
-          <a:effectRef idx="3">
-            <a:schemeClr val="accent1"/>
-          </a:effectRef>
-          <a:fontRef idx="minor">
-            <a:schemeClr val="lt1"/>
-          </a:fontRef>
-        </p:style>
-        <p:txBody>
-          <a:bodyPr rot="0" spcFirstLastPara="0" vertOverflow="overflow" horzOverflow="overflow" vert="horz" wrap="square" lIns="91440" tIns="45720" rIns="91440" bIns="45720" numCol="1" spcCol="0" rtlCol="0" fromWordArt="0" anchor="ctr" anchorCtr="0" forceAA="0" compatLnSpc="1">
-            <a:prstTxWarp prst="textNoShape">
-              <a:avLst/>
-            </a:prstTxWarp>
-            <a:noAutofit/>
-          </a:bodyPr>
-          <a:lstStyle/>
-          <a:p>
-            <a:pPr algn="ctr"/>
-            <a:endParaRPr lang="fr-FR" dirty="0">
-              <a:ln w="0"/>
-              <a:solidFill>
-                <a:schemeClr val="accent1"/>
-              </a:solidFill>
-              <a:effectLst>
-                <a:outerShdw blurRad="38100" dist="25400" dir="5400000" algn="ctr" rotWithShape="0">
-                  <a:srgbClr val="6E747A">
-                    <a:alpha val="43000"/>
-                  </a:srgbClr>
-                </a:outerShdw>
-              </a:effectLst>
-            </a:endParaRPr>
-          </a:p>
-        </p:txBody>
-      </p:sp>
-      <p:sp>
-        <p:nvSpPr>
-          <p:cNvPr id="4" name="Rectangle 3">
-            <a:extLst>
-              <a:ext uri="{FF2B5EF4-FFF2-40B4-BE49-F238E27FC236}">
-                <a16:creationId xmlns:a16="http://schemas.microsoft.com/office/drawing/2014/main" id="{52075D07-8C00-5549-9495-790EF7E59E27}"/>
-              </a:ext>
-            </a:extLst>
-          </p:cNvPr>
-          <p:cNvSpPr/>
-          <p:nvPr/>
-        </p:nvSpPr>
-        <p:spPr>
-          <a:xfrm>
-            <a:off x="642898" y="2685753"/>
-            <a:ext cx="877077" cy="541175"/>
-          </a:xfrm>
-          <a:prstGeom prst="rect">
-            <a:avLst/>
-          </a:prstGeom>
-        </p:spPr>
-        <p:style>
-          <a:lnRef idx="2">
-            <a:schemeClr val="accent1">
-              <a:shade val="50000"/>
-            </a:schemeClr>
-          </a:lnRef>
-          <a:fillRef idx="1">
-            <a:schemeClr val="accent1"/>
-          </a:fillRef>
-          <a:effectRef idx="0">
-            <a:schemeClr val="accent1"/>
-          </a:effectRef>
-          <a:fontRef idx="minor">
-            <a:schemeClr val="lt1"/>
-          </a:fontRef>
-        </p:style>
-        <p:txBody>
-          <a:bodyPr rtlCol="0" anchor="ctr"/>
-          <a:lstStyle/>
-          <a:p>
-            <a:pPr algn="ctr"/>
-            <a:r>
-              <a:rPr lang="fr-FR" dirty="0"/>
-              <a:t>*.</a:t>
-            </a:r>
-            <a:r>
-              <a:rPr lang="fr-FR" dirty="0" err="1"/>
-              <a:t>lua</a:t>
-            </a:r>
-            <a:endParaRPr lang="fr-FR"/>
-          </a:p>
-        </p:txBody>
-      </p:sp>
-      <p:sp>
-        <p:nvSpPr>
-          <p:cNvPr id="7" name="Rectangle 6">
-            <a:extLst>
-              <a:ext uri="{FF2B5EF4-FFF2-40B4-BE49-F238E27FC236}">
-                <a16:creationId xmlns:a16="http://schemas.microsoft.com/office/drawing/2014/main" id="{55A31668-1CBC-0E40-B864-88E8900475DA}"/>
-              </a:ext>
-            </a:extLst>
-          </p:cNvPr>
-          <p:cNvSpPr/>
-          <p:nvPr/>
-        </p:nvSpPr>
-        <p:spPr>
-          <a:xfrm>
-            <a:off x="1877649" y="2685753"/>
-            <a:ext cx="877077" cy="541175"/>
-          </a:xfrm>
-          <a:prstGeom prst="rect">
-            <a:avLst/>
-          </a:prstGeom>
-        </p:spPr>
-        <p:style>
-          <a:lnRef idx="2">
-            <a:schemeClr val="accent1">
-              <a:shade val="50000"/>
-            </a:schemeClr>
-          </a:lnRef>
-          <a:fillRef idx="1">
-            <a:schemeClr val="accent1"/>
-          </a:fillRef>
-          <a:effectRef idx="0">
-            <a:schemeClr val="accent1"/>
-          </a:effectRef>
-          <a:fontRef idx="minor">
-            <a:schemeClr val="lt1"/>
-          </a:fontRef>
-        </p:style>
-        <p:txBody>
-          <a:bodyPr rtlCol="0" anchor="ctr"/>
-          <a:lstStyle/>
-          <a:p>
-            <a:pPr algn="ctr"/>
-            <a:r>
-              <a:rPr lang="fr-FR" err="1"/>
-              <a:t>lexer</a:t>
-            </a:r>
-            <a:endParaRPr lang="fr-FR"/>
-          </a:p>
-        </p:txBody>
-      </p:sp>
-      <p:sp>
-        <p:nvSpPr>
-          <p:cNvPr id="8" name="Rectangle 7">
-            <a:extLst>
-              <a:ext uri="{FF2B5EF4-FFF2-40B4-BE49-F238E27FC236}">
-                <a16:creationId xmlns:a16="http://schemas.microsoft.com/office/drawing/2014/main" id="{BE5FD763-8B33-EB4F-AB1C-9345C4A8D794}"/>
-              </a:ext>
-            </a:extLst>
-          </p:cNvPr>
-          <p:cNvSpPr/>
-          <p:nvPr/>
-        </p:nvSpPr>
-        <p:spPr>
-          <a:xfrm>
-            <a:off x="2916457" y="2685752"/>
-            <a:ext cx="877077" cy="541175"/>
-          </a:xfrm>
-          <a:prstGeom prst="rect">
-            <a:avLst/>
-          </a:prstGeom>
-        </p:spPr>
-        <p:style>
-          <a:lnRef idx="2">
-            <a:schemeClr val="accent1">
-              <a:shade val="50000"/>
-            </a:schemeClr>
-          </a:lnRef>
-          <a:fillRef idx="1">
-            <a:schemeClr val="accent1"/>
-          </a:fillRef>
-          <a:effectRef idx="0">
-            <a:schemeClr val="accent1"/>
-          </a:effectRef>
-          <a:fontRef idx="minor">
-            <a:schemeClr val="lt1"/>
-          </a:fontRef>
-        </p:style>
-        <p:txBody>
-          <a:bodyPr rtlCol="0" anchor="ctr"/>
-          <a:lstStyle/>
-          <a:p>
-            <a:pPr algn="ctr"/>
-            <a:r>
-              <a:rPr lang="fr-FR" err="1"/>
-              <a:t>paser</a:t>
-            </a:r>
-            <a:endParaRPr lang="fr-FR"/>
-          </a:p>
-        </p:txBody>
-      </p:sp>
-      <p:sp>
-        <p:nvSpPr>
-          <p:cNvPr id="9" name="Rectangle 8">
-            <a:extLst>
-              <a:ext uri="{FF2B5EF4-FFF2-40B4-BE49-F238E27FC236}">
-                <a16:creationId xmlns:a16="http://schemas.microsoft.com/office/drawing/2014/main" id="{74354799-01F2-7447-8AF8-A1253D6D3B14}"/>
-              </a:ext>
-            </a:extLst>
-          </p:cNvPr>
-          <p:cNvSpPr/>
-          <p:nvPr/>
-        </p:nvSpPr>
-        <p:spPr>
-          <a:xfrm>
-            <a:off x="1877648" y="3379328"/>
-            <a:ext cx="1915885" cy="541175"/>
-          </a:xfrm>
-          <a:prstGeom prst="rect">
-            <a:avLst/>
-          </a:prstGeom>
-        </p:spPr>
-        <p:style>
-          <a:lnRef idx="2">
-            <a:schemeClr val="accent1">
-              <a:shade val="50000"/>
-            </a:schemeClr>
-          </a:lnRef>
-          <a:fillRef idx="1">
-            <a:schemeClr val="accent1"/>
-          </a:fillRef>
-          <a:effectRef idx="0">
-            <a:schemeClr val="accent1"/>
-          </a:effectRef>
-          <a:fontRef idx="minor">
-            <a:schemeClr val="lt1"/>
-          </a:fontRef>
-        </p:style>
-        <p:txBody>
-          <a:bodyPr rtlCol="0" anchor="ctr"/>
-          <a:lstStyle/>
-          <a:p>
-            <a:pPr algn="ctr"/>
-            <a:r>
-              <a:rPr lang="fr-FR"/>
-              <a:t>BC </a:t>
-            </a:r>
-            <a:r>
-              <a:rPr lang="fr-FR" err="1"/>
-              <a:t>Frontend</a:t>
-            </a:r>
-            <a:endParaRPr lang="fr-FR"/>
-          </a:p>
-        </p:txBody>
-      </p:sp>
-      <p:sp>
-        <p:nvSpPr>
-          <p:cNvPr id="10" name="Rectangle 9">
-            <a:extLst>
-              <a:ext uri="{FF2B5EF4-FFF2-40B4-BE49-F238E27FC236}">
-                <a16:creationId xmlns:a16="http://schemas.microsoft.com/office/drawing/2014/main" id="{DF4A2AF9-47D3-654D-BF36-5054015EBF3E}"/>
-              </a:ext>
-            </a:extLst>
-          </p:cNvPr>
-          <p:cNvSpPr/>
-          <p:nvPr/>
-        </p:nvSpPr>
-        <p:spPr>
-          <a:xfrm>
-            <a:off x="642897" y="3379328"/>
-            <a:ext cx="877077" cy="541175"/>
-          </a:xfrm>
-          <a:prstGeom prst="rect">
-            <a:avLst/>
-          </a:prstGeom>
-        </p:spPr>
-        <p:style>
-          <a:lnRef idx="2">
-            <a:schemeClr val="accent1">
-              <a:shade val="50000"/>
-            </a:schemeClr>
-          </a:lnRef>
-          <a:fillRef idx="1">
-            <a:schemeClr val="accent1"/>
-          </a:fillRef>
-          <a:effectRef idx="0">
-            <a:schemeClr val="accent1"/>
-          </a:effectRef>
-          <a:fontRef idx="minor">
-            <a:schemeClr val="lt1"/>
-          </a:fontRef>
-        </p:style>
-        <p:txBody>
-          <a:bodyPr rtlCol="0" anchor="ctr"/>
-          <a:lstStyle/>
-          <a:p>
-            <a:pPr algn="ctr"/>
-            <a:r>
-              <a:rPr lang="fr-FR"/>
-              <a:t>*.o</a:t>
-            </a:r>
-          </a:p>
-        </p:txBody>
-      </p:sp>
-      <p:sp>
-        <p:nvSpPr>
-          <p:cNvPr id="12" name="ZoneTexte 11">
-            <a:extLst>
-              <a:ext uri="{FF2B5EF4-FFF2-40B4-BE49-F238E27FC236}">
-                <a16:creationId xmlns:a16="http://schemas.microsoft.com/office/drawing/2014/main" id="{1F8FC5A7-CCED-6042-907D-2F672711F478}"/>
-              </a:ext>
-            </a:extLst>
-          </p:cNvPr>
-          <p:cNvSpPr txBox="1"/>
-          <p:nvPr/>
-        </p:nvSpPr>
-        <p:spPr>
-          <a:xfrm>
-            <a:off x="1824676" y="1197047"/>
-            <a:ext cx="513282" cy="369332"/>
-          </a:xfrm>
-          <a:prstGeom prst="rect">
-            <a:avLst/>
-          </a:prstGeom>
-          <a:noFill/>
-        </p:spPr>
-        <p:txBody>
-          <a:bodyPr wrap="none" rtlCol="0">
-            <a:spAutoFit/>
-          </a:bodyPr>
-          <a:lstStyle/>
-          <a:p>
-            <a:r>
-              <a:rPr lang="fr-FR">
-                <a:solidFill>
-                  <a:schemeClr val="accent1"/>
-                </a:solidFill>
-              </a:rPr>
-              <a:t>VM</a:t>
-            </a:r>
-          </a:p>
-        </p:txBody>
-      </p:sp>
-      <p:sp>
-        <p:nvSpPr>
-          <p:cNvPr id="13" name="Rectangle 12">
-            <a:extLst>
-              <a:ext uri="{FF2B5EF4-FFF2-40B4-BE49-F238E27FC236}">
-                <a16:creationId xmlns:a16="http://schemas.microsoft.com/office/drawing/2014/main" id="{CEA7C11E-B315-674A-8D43-75CF7F7F752F}"/>
-              </a:ext>
-            </a:extLst>
-          </p:cNvPr>
-          <p:cNvSpPr/>
-          <p:nvPr/>
-        </p:nvSpPr>
-        <p:spPr>
-          <a:xfrm>
-            <a:off x="4184779" y="1197047"/>
-            <a:ext cx="1404258" cy="3832153"/>
-          </a:xfrm>
-          <a:prstGeom prst="rect">
-            <a:avLst/>
-          </a:prstGeom>
-        </p:spPr>
-        <p:style>
-          <a:lnRef idx="2">
-            <a:schemeClr val="accent1">
-              <a:shade val="50000"/>
-            </a:schemeClr>
-          </a:lnRef>
-          <a:fillRef idx="1">
-            <a:schemeClr val="accent1"/>
-          </a:fillRef>
-          <a:effectRef idx="0">
-            <a:schemeClr val="accent1"/>
-          </a:effectRef>
-          <a:fontRef idx="minor">
-            <a:schemeClr val="lt1"/>
-          </a:fontRef>
-        </p:style>
-        <p:txBody>
-          <a:bodyPr rtlCol="0" anchor="ctr"/>
-          <a:lstStyle/>
-          <a:p>
-            <a:pPr algn="ctr"/>
-            <a:r>
-              <a:rPr lang="fr-FR"/>
-              <a:t>BC </a:t>
-            </a:r>
-            <a:r>
-              <a:rPr lang="fr-FR" err="1"/>
-              <a:t>Interpreter</a:t>
-            </a:r>
-            <a:endParaRPr lang="fr-FR"/>
-          </a:p>
-          <a:p>
-            <a:pPr algn="ctr"/>
-            <a:r>
-              <a:rPr lang="fr-FR"/>
-              <a:t>(*.</a:t>
-            </a:r>
-            <a:r>
-              <a:rPr lang="fr-FR" err="1"/>
-              <a:t>dasc</a:t>
-            </a:r>
-            <a:r>
-              <a:rPr lang="fr-FR"/>
-              <a:t>)</a:t>
-            </a:r>
-          </a:p>
-        </p:txBody>
-      </p:sp>
-      <p:sp>
-        <p:nvSpPr>
-          <p:cNvPr id="14" name="Rectangle 13">
-            <a:extLst>
-              <a:ext uri="{FF2B5EF4-FFF2-40B4-BE49-F238E27FC236}">
-                <a16:creationId xmlns:a16="http://schemas.microsoft.com/office/drawing/2014/main" id="{B5DC4218-FB7C-F544-8D5F-EE36830B5C74}"/>
-              </a:ext>
-            </a:extLst>
-          </p:cNvPr>
-          <p:cNvSpPr/>
-          <p:nvPr/>
-        </p:nvSpPr>
-        <p:spPr>
-          <a:xfrm>
-            <a:off x="5890424" y="1197047"/>
-            <a:ext cx="1513507" cy="3153748"/>
-          </a:xfrm>
-          <a:prstGeom prst="rect">
-            <a:avLst/>
-          </a:prstGeom>
-          <a:noFill/>
-          <a:ln>
-            <a:solidFill>
-              <a:schemeClr val="accent1"/>
-            </a:solidFill>
-            <a:prstDash val="dash"/>
-          </a:ln>
-        </p:spPr>
-        <p:style>
-          <a:lnRef idx="0">
-            <a:schemeClr val="accent1"/>
-          </a:lnRef>
-          <a:fillRef idx="3">
-            <a:schemeClr val="accent1"/>
-          </a:fillRef>
-          <a:effectRef idx="3">
-            <a:schemeClr val="accent1"/>
-          </a:effectRef>
-          <a:fontRef idx="minor">
-            <a:schemeClr val="lt1"/>
-          </a:fontRef>
-        </p:style>
-        <p:txBody>
-          <a:bodyPr rot="0" spcFirstLastPara="0" vertOverflow="overflow" horzOverflow="overflow" vert="horz" wrap="square" lIns="91440" tIns="45720" rIns="91440" bIns="45720" numCol="1" spcCol="0" rtlCol="0" fromWordArt="0" anchor="ctr" anchorCtr="0" forceAA="0" compatLnSpc="1">
-            <a:prstTxWarp prst="textNoShape">
-              <a:avLst/>
-            </a:prstTxWarp>
-            <a:noAutofit/>
-          </a:bodyPr>
-          <a:lstStyle/>
-          <a:p>
-            <a:pPr algn="ctr"/>
-            <a:endParaRPr lang="fr-FR">
-              <a:ln w="0"/>
-              <a:solidFill>
-                <a:schemeClr val="accent1"/>
-              </a:solidFill>
-              <a:effectLst>
-                <a:outerShdw blurRad="38100" dist="25400" dir="5400000" algn="ctr" rotWithShape="0">
-                  <a:srgbClr val="6E747A">
-                    <a:alpha val="43000"/>
-                  </a:srgbClr>
-                </a:outerShdw>
-              </a:effectLst>
-            </a:endParaRPr>
-          </a:p>
-        </p:txBody>
-      </p:sp>
-      <p:sp>
-        <p:nvSpPr>
-          <p:cNvPr id="15" name="Rectangle 14">
-            <a:extLst>
-              <a:ext uri="{FF2B5EF4-FFF2-40B4-BE49-F238E27FC236}">
-                <a16:creationId xmlns:a16="http://schemas.microsoft.com/office/drawing/2014/main" id="{A06C9F7A-9504-3C47-BEC3-021DC6434CB1}"/>
-              </a:ext>
-            </a:extLst>
-          </p:cNvPr>
-          <p:cNvSpPr/>
-          <p:nvPr/>
-        </p:nvSpPr>
-        <p:spPr>
-          <a:xfrm>
-            <a:off x="6052155" y="1536725"/>
-            <a:ext cx="1202487" cy="541175"/>
-          </a:xfrm>
-          <a:prstGeom prst="rect">
-            <a:avLst/>
-          </a:prstGeom>
-        </p:spPr>
-        <p:style>
-          <a:lnRef idx="2">
-            <a:schemeClr val="accent1">
-              <a:shade val="50000"/>
-            </a:schemeClr>
-          </a:lnRef>
-          <a:fillRef idx="1">
-            <a:schemeClr val="accent1"/>
-          </a:fillRef>
-          <a:effectRef idx="0">
-            <a:schemeClr val="accent1"/>
-          </a:effectRef>
-          <a:fontRef idx="minor">
-            <a:schemeClr val="lt1"/>
-          </a:fontRef>
-        </p:style>
-        <p:txBody>
-          <a:bodyPr rtlCol="0" anchor="ctr"/>
-          <a:lstStyle/>
-          <a:p>
-            <a:pPr algn="ctr"/>
-            <a:r>
-              <a:rPr lang="fr-FR"/>
-              <a:t>FFI</a:t>
-            </a:r>
-          </a:p>
-        </p:txBody>
-      </p:sp>
-      <p:sp>
-        <p:nvSpPr>
-          <p:cNvPr id="16" name="ZoneTexte 15">
-            <a:extLst>
-              <a:ext uri="{FF2B5EF4-FFF2-40B4-BE49-F238E27FC236}">
-                <a16:creationId xmlns:a16="http://schemas.microsoft.com/office/drawing/2014/main" id="{F97750D4-94AE-9E40-A339-62FBA13C9622}"/>
-              </a:ext>
-            </a:extLst>
-          </p:cNvPr>
-          <p:cNvSpPr txBox="1"/>
-          <p:nvPr/>
-        </p:nvSpPr>
-        <p:spPr>
-          <a:xfrm>
-            <a:off x="5885579" y="1162796"/>
-            <a:ext cx="981423" cy="369332"/>
-          </a:xfrm>
-          <a:prstGeom prst="rect">
-            <a:avLst/>
-          </a:prstGeom>
-          <a:noFill/>
-        </p:spPr>
-        <p:txBody>
-          <a:bodyPr wrap="none" rtlCol="0">
-            <a:spAutoFit/>
-          </a:bodyPr>
-          <a:lstStyle/>
-          <a:p>
-            <a:r>
-              <a:rPr lang="fr-FR" dirty="0" err="1">
-                <a:solidFill>
-                  <a:schemeClr val="accent1"/>
-                </a:solidFill>
-              </a:rPr>
-              <a:t>Libraries</a:t>
-            </a:r>
-            <a:endParaRPr lang="fr-FR" dirty="0">
-              <a:solidFill>
-                <a:schemeClr val="accent1"/>
-              </a:solidFill>
-            </a:endParaRPr>
-          </a:p>
-        </p:txBody>
-      </p:sp>
-      <p:sp>
-        <p:nvSpPr>
-          <p:cNvPr id="17" name="Rectangle 16">
-            <a:extLst>
-              <a:ext uri="{FF2B5EF4-FFF2-40B4-BE49-F238E27FC236}">
-                <a16:creationId xmlns:a16="http://schemas.microsoft.com/office/drawing/2014/main" id="{DFC5A43D-8FF8-E045-8F25-FDABF43AED08}"/>
-              </a:ext>
-            </a:extLst>
-          </p:cNvPr>
-          <p:cNvSpPr/>
-          <p:nvPr/>
-        </p:nvSpPr>
-        <p:spPr>
-          <a:xfrm>
-            <a:off x="6052155" y="2161210"/>
-            <a:ext cx="1193157" cy="541175"/>
-          </a:xfrm>
-          <a:prstGeom prst="rect">
-            <a:avLst/>
-          </a:prstGeom>
-        </p:spPr>
-        <p:style>
-          <a:lnRef idx="2">
-            <a:schemeClr val="accent1">
-              <a:shade val="50000"/>
-            </a:schemeClr>
-          </a:lnRef>
-          <a:fillRef idx="1">
-            <a:schemeClr val="accent1"/>
-          </a:fillRef>
-          <a:effectRef idx="0">
-            <a:schemeClr val="accent1"/>
-          </a:effectRef>
-          <a:fontRef idx="minor">
-            <a:schemeClr val="lt1"/>
-          </a:fontRef>
-        </p:style>
-        <p:txBody>
-          <a:bodyPr rtlCol="0" anchor="ctr"/>
-          <a:lstStyle/>
-          <a:p>
-            <a:pPr algn="ctr"/>
-            <a:r>
-              <a:rPr lang="fr-FR"/>
-              <a:t>JIT</a:t>
-            </a:r>
-          </a:p>
-        </p:txBody>
-      </p:sp>
-      <p:sp>
-        <p:nvSpPr>
-          <p:cNvPr id="18" name="Rectangle 17">
-            <a:extLst>
-              <a:ext uri="{FF2B5EF4-FFF2-40B4-BE49-F238E27FC236}">
-                <a16:creationId xmlns:a16="http://schemas.microsoft.com/office/drawing/2014/main" id="{EB32F2EA-DCD6-E043-942B-E3387D040FF1}"/>
-              </a:ext>
-            </a:extLst>
-          </p:cNvPr>
-          <p:cNvSpPr/>
-          <p:nvPr/>
-        </p:nvSpPr>
-        <p:spPr>
-          <a:xfrm>
-            <a:off x="6052155" y="3758734"/>
-            <a:ext cx="1193157" cy="541175"/>
-          </a:xfrm>
-          <a:prstGeom prst="rect">
-            <a:avLst/>
-          </a:prstGeom>
-        </p:spPr>
-        <p:style>
-          <a:lnRef idx="2">
-            <a:schemeClr val="accent1">
-              <a:shade val="50000"/>
-            </a:schemeClr>
-          </a:lnRef>
-          <a:fillRef idx="1">
-            <a:schemeClr val="accent1"/>
-          </a:fillRef>
-          <a:effectRef idx="0">
-            <a:schemeClr val="accent1"/>
-          </a:effectRef>
-          <a:fontRef idx="minor">
-            <a:schemeClr val="lt1"/>
-          </a:fontRef>
-        </p:style>
-        <p:txBody>
-          <a:bodyPr rtlCol="0" anchor="ctr"/>
-          <a:lstStyle/>
-          <a:p>
-            <a:pPr algn="ctr"/>
-            <a:r>
-              <a:rPr lang="fr-FR"/>
-              <a:t>Extensions</a:t>
-            </a:r>
-          </a:p>
-        </p:txBody>
-      </p:sp>
-      <p:sp>
-        <p:nvSpPr>
-          <p:cNvPr id="19" name="Rectangle 18">
-            <a:extLst>
-              <a:ext uri="{FF2B5EF4-FFF2-40B4-BE49-F238E27FC236}">
-                <a16:creationId xmlns:a16="http://schemas.microsoft.com/office/drawing/2014/main" id="{71CAABAC-13D4-E744-AD71-C4F7343A6087}"/>
-              </a:ext>
-            </a:extLst>
-          </p:cNvPr>
-          <p:cNvSpPr/>
-          <p:nvPr/>
-        </p:nvSpPr>
-        <p:spPr>
-          <a:xfrm>
-            <a:off x="6042825" y="2961843"/>
-            <a:ext cx="1193157" cy="541175"/>
-          </a:xfrm>
-          <a:prstGeom prst="rect">
-            <a:avLst/>
-          </a:prstGeom>
-        </p:spPr>
-        <p:style>
-          <a:lnRef idx="2">
-            <a:schemeClr val="accent1">
-              <a:shade val="50000"/>
-            </a:schemeClr>
-          </a:lnRef>
-          <a:fillRef idx="1">
-            <a:schemeClr val="accent1"/>
-          </a:fillRef>
-          <a:effectRef idx="0">
-            <a:schemeClr val="accent1"/>
-          </a:effectRef>
-          <a:fontRef idx="minor">
-            <a:schemeClr val="lt1"/>
-          </a:fontRef>
-        </p:style>
-        <p:txBody>
-          <a:bodyPr rtlCol="0" anchor="ctr"/>
-          <a:lstStyle/>
-          <a:p>
-            <a:pPr algn="ctr"/>
-            <a:r>
-              <a:rPr lang="fr-FR" dirty="0"/>
-              <a:t>Standard</a:t>
-            </a:r>
-          </a:p>
-          <a:p>
-            <a:pPr algn="ctr"/>
-            <a:r>
-              <a:rPr lang="fr-FR" dirty="0"/>
-              <a:t>Library</a:t>
-            </a:r>
-          </a:p>
-        </p:txBody>
-      </p:sp>
-      <p:sp>
-        <p:nvSpPr>
-          <p:cNvPr id="21" name="ZoneTexte 20">
-            <a:extLst>
-              <a:ext uri="{FF2B5EF4-FFF2-40B4-BE49-F238E27FC236}">
-                <a16:creationId xmlns:a16="http://schemas.microsoft.com/office/drawing/2014/main" id="{1248A07E-041D-7742-A94B-646768DD6C76}"/>
-              </a:ext>
-            </a:extLst>
-          </p:cNvPr>
-          <p:cNvSpPr txBox="1"/>
-          <p:nvPr/>
-        </p:nvSpPr>
-        <p:spPr>
-          <a:xfrm rot="5400000">
-            <a:off x="6517466" y="2649319"/>
-            <a:ext cx="357790" cy="369332"/>
-          </a:xfrm>
-          <a:prstGeom prst="rect">
-            <a:avLst/>
-          </a:prstGeom>
-          <a:noFill/>
-        </p:spPr>
-        <p:txBody>
-          <a:bodyPr wrap="none" rtlCol="0" anchor="ctr">
-            <a:spAutoFit/>
-          </a:bodyPr>
-          <a:lstStyle/>
-          <a:p>
-            <a:pPr algn="ctr"/>
-            <a:r>
-              <a:rPr lang="fr-FR"/>
-              <a:t>...</a:t>
-            </a:r>
-          </a:p>
-        </p:txBody>
-      </p:sp>
-      <p:sp>
-        <p:nvSpPr>
-          <p:cNvPr id="22" name="ZoneTexte 21">
-            <a:extLst>
-              <a:ext uri="{FF2B5EF4-FFF2-40B4-BE49-F238E27FC236}">
-                <a16:creationId xmlns:a16="http://schemas.microsoft.com/office/drawing/2014/main" id="{A01E6AF0-D22A-EE4B-86A6-B725C16D1892}"/>
-              </a:ext>
-            </a:extLst>
-          </p:cNvPr>
-          <p:cNvSpPr txBox="1"/>
-          <p:nvPr/>
-        </p:nvSpPr>
-        <p:spPr>
-          <a:xfrm rot="5400000">
-            <a:off x="6517466" y="3459657"/>
-            <a:ext cx="357790" cy="369332"/>
-          </a:xfrm>
-          <a:prstGeom prst="rect">
-            <a:avLst/>
-          </a:prstGeom>
-          <a:noFill/>
-        </p:spPr>
-        <p:txBody>
-          <a:bodyPr wrap="none" rtlCol="0" anchor="ctr">
-            <a:spAutoFit/>
-          </a:bodyPr>
-          <a:lstStyle/>
-          <a:p>
-            <a:pPr algn="ctr"/>
-            <a:r>
-              <a:rPr lang="fr-FR"/>
-              <a:t>...</a:t>
-            </a:r>
-          </a:p>
-        </p:txBody>
-      </p:sp>
-      <p:sp>
-        <p:nvSpPr>
           <p:cNvPr id="23" name="ZoneTexte 22">
             <a:extLst>
               <a:ext uri="{FF2B5EF4-FFF2-40B4-BE49-F238E27FC236}">
@@ -3966,872 +3559,2002 @@
           <a:lstStyle/>
           <a:p>
             <a:r>
-              <a:rPr lang="fr-FR" err="1"/>
+              <a:rPr lang="en-US"/>
               <a:t>Luajit</a:t>
             </a:r>
-            <a:endParaRPr lang="fr-FR"/>
-          </a:p>
-        </p:txBody>
-      </p:sp>
-      <p:sp>
-        <p:nvSpPr>
-          <p:cNvPr id="24" name="Rectangle 23">
-            <a:extLst>
-              <a:ext uri="{FF2B5EF4-FFF2-40B4-BE49-F238E27FC236}">
-                <a16:creationId xmlns:a16="http://schemas.microsoft.com/office/drawing/2014/main" id="{2BCE35F7-5725-E040-AD57-104B27CF4FE2}"/>
-              </a:ext>
-            </a:extLst>
-          </p:cNvPr>
-          <p:cNvSpPr/>
+          </a:p>
+        </p:txBody>
+      </p:sp>
+      <p:grpSp>
+        <p:nvGrpSpPr>
+          <p:cNvPr id="39" name="Groupe 38">
+            <a:extLst>
+              <a:ext uri="{FF2B5EF4-FFF2-40B4-BE49-F238E27FC236}">
+                <a16:creationId xmlns:a16="http://schemas.microsoft.com/office/drawing/2014/main" id="{CBF70A46-02CA-3647-A0BE-81D8CBD23CC7}"/>
+              </a:ext>
+            </a:extLst>
+          </p:cNvPr>
+          <p:cNvGrpSpPr/>
           <p:nvPr/>
-        </p:nvSpPr>
-        <p:spPr>
+        </p:nvGrpSpPr>
+        <p:grpSpPr>
           <a:xfrm>
-            <a:off x="8158124" y="2161210"/>
-            <a:ext cx="1254823" cy="2961296"/>
+            <a:off x="642897" y="1066171"/>
+            <a:ext cx="9115463" cy="5529501"/>
+            <a:chOff x="642897" y="1066171"/>
+            <a:chExt cx="9115463" cy="5529501"/>
           </a:xfrm>
-          <a:prstGeom prst="rect">
-            <a:avLst/>
-          </a:prstGeom>
-          <a:noFill/>
-          <a:ln>
-            <a:solidFill>
-              <a:schemeClr val="accent1"/>
-            </a:solidFill>
-          </a:ln>
-        </p:spPr>
-        <p:style>
-          <a:lnRef idx="0">
-            <a:schemeClr val="accent1"/>
-          </a:lnRef>
-          <a:fillRef idx="3">
-            <a:schemeClr val="accent1"/>
-          </a:fillRef>
-          <a:effectRef idx="3">
-            <a:schemeClr val="accent1"/>
-          </a:effectRef>
-          <a:fontRef idx="minor">
-            <a:schemeClr val="lt1"/>
-          </a:fontRef>
-        </p:style>
-        <p:txBody>
-          <a:bodyPr rot="0" spcFirstLastPara="0" vertOverflow="overflow" horzOverflow="overflow" vert="horz" wrap="square" lIns="91440" tIns="45720" rIns="91440" bIns="45720" numCol="1" spcCol="0" rtlCol="0" fromWordArt="0" anchor="ctr" anchorCtr="0" forceAA="0" compatLnSpc="1">
-            <a:prstTxWarp prst="textNoShape">
+        </p:grpSpPr>
+        <p:sp>
+          <p:nvSpPr>
+            <p:cNvPr id="11" name="Rectangle 10">
+              <a:extLst>
+                <a:ext uri="{FF2B5EF4-FFF2-40B4-BE49-F238E27FC236}">
+                  <a16:creationId xmlns:a16="http://schemas.microsoft.com/office/drawing/2014/main" id="{A5CFBA3A-CC71-DB43-AA49-D73043F068E0}"/>
+                </a:ext>
+              </a:extLst>
+            </p:cNvPr>
+            <p:cNvSpPr/>
+            <p:nvPr/>
+          </p:nvSpPr>
+          <p:spPr>
+            <a:xfrm>
+              <a:off x="1703294" y="1066800"/>
+              <a:ext cx="6208245" cy="5528872"/>
+            </a:xfrm>
+            <a:prstGeom prst="rect">
               <a:avLst/>
-            </a:prstTxWarp>
-            <a:noAutofit/>
-          </a:bodyPr>
-          <a:lstStyle/>
-          <a:p>
-            <a:pPr algn="ctr"/>
-            <a:endParaRPr lang="fr-FR">
-              <a:ln w="0"/>
+            </a:prstGeom>
+            <a:noFill/>
+            <a:ln>
               <a:solidFill>
                 <a:schemeClr val="accent1"/>
               </a:solidFill>
-              <a:effectLst>
-                <a:outerShdw blurRad="38100" dist="25400" dir="5400000" algn="ctr" rotWithShape="0">
-                  <a:srgbClr val="6E747A">
-                    <a:alpha val="43000"/>
-                  </a:srgbClr>
-                </a:outerShdw>
-              </a:effectLst>
-            </a:endParaRPr>
-          </a:p>
-        </p:txBody>
-      </p:sp>
-      <p:sp>
-        <p:nvSpPr>
-          <p:cNvPr id="25" name="ZoneTexte 24">
-            <a:extLst>
-              <a:ext uri="{FF2B5EF4-FFF2-40B4-BE49-F238E27FC236}">
-                <a16:creationId xmlns:a16="http://schemas.microsoft.com/office/drawing/2014/main" id="{4ADC0A51-90C4-0047-8617-43E55AD6FB06}"/>
-              </a:ext>
-            </a:extLst>
-          </p:cNvPr>
-          <p:cNvSpPr txBox="1"/>
-          <p:nvPr/>
-        </p:nvSpPr>
-        <p:spPr>
-          <a:xfrm>
-            <a:off x="8250859" y="2244403"/>
-            <a:ext cx="428322" cy="369332"/>
-          </a:xfrm>
-          <a:prstGeom prst="rect">
-            <a:avLst/>
-          </a:prstGeom>
-          <a:noFill/>
-        </p:spPr>
-        <p:txBody>
-          <a:bodyPr wrap="none" rtlCol="0">
-            <a:spAutoFit/>
-          </a:bodyPr>
-          <a:lstStyle/>
-          <a:p>
-            <a:r>
-              <a:rPr lang="fr-FR">
+            </a:ln>
+          </p:spPr>
+          <p:style>
+            <a:lnRef idx="0">
+              <a:schemeClr val="accent1"/>
+            </a:lnRef>
+            <a:fillRef idx="3">
+              <a:schemeClr val="accent1"/>
+            </a:fillRef>
+            <a:effectRef idx="3">
+              <a:schemeClr val="accent1"/>
+            </a:effectRef>
+            <a:fontRef idx="minor">
+              <a:schemeClr val="lt1"/>
+            </a:fontRef>
+          </p:style>
+          <p:txBody>
+            <a:bodyPr rot="0" spcFirstLastPara="0" vertOverflow="overflow" horzOverflow="overflow" vert="horz" wrap="square" lIns="91440" tIns="45720" rIns="91440" bIns="45720" numCol="1" spcCol="0" rtlCol="0" fromWordArt="0" anchor="ctr" anchorCtr="0" forceAA="0" compatLnSpc="1">
+              <a:prstTxWarp prst="textNoShape">
+                <a:avLst/>
+              </a:prstTxWarp>
+              <a:noAutofit/>
+            </a:bodyPr>
+            <a:lstStyle/>
+            <a:p>
+              <a:pPr algn="ctr"/>
+              <a:endParaRPr lang="en-US">
+                <a:ln w="0"/>
                 <a:solidFill>
                   <a:schemeClr val="accent1"/>
                 </a:solidFill>
-              </a:rPr>
-              <a:t>JIT</a:t>
-            </a:r>
-          </a:p>
-        </p:txBody>
-      </p:sp>
-      <p:sp>
-        <p:nvSpPr>
-          <p:cNvPr id="26" name="Rectangle 25">
-            <a:extLst>
-              <a:ext uri="{FF2B5EF4-FFF2-40B4-BE49-F238E27FC236}">
-                <a16:creationId xmlns:a16="http://schemas.microsoft.com/office/drawing/2014/main" id="{1244D122-0F48-FE4B-91E5-4D49A016F711}"/>
-              </a:ext>
-            </a:extLst>
-          </p:cNvPr>
-          <p:cNvSpPr/>
-          <p:nvPr/>
-        </p:nvSpPr>
-        <p:spPr>
-          <a:xfrm>
-            <a:off x="8158124" y="1066799"/>
-            <a:ext cx="1254823" cy="1011101"/>
-          </a:xfrm>
-          <a:prstGeom prst="rect">
-            <a:avLst/>
-          </a:prstGeom>
-          <a:noFill/>
-          <a:ln>
-            <a:solidFill>
-              <a:schemeClr val="accent1"/>
-            </a:solidFill>
-          </a:ln>
-        </p:spPr>
-        <p:style>
-          <a:lnRef idx="0">
-            <a:schemeClr val="accent1"/>
-          </a:lnRef>
-          <a:fillRef idx="3">
-            <a:schemeClr val="accent1"/>
-          </a:fillRef>
-          <a:effectRef idx="3">
-            <a:schemeClr val="accent1"/>
-          </a:effectRef>
-          <a:fontRef idx="minor">
-            <a:schemeClr val="lt1"/>
-          </a:fontRef>
-        </p:style>
-        <p:txBody>
-          <a:bodyPr rot="0" spcFirstLastPara="0" vertOverflow="overflow" horzOverflow="overflow" vert="horz" wrap="square" lIns="91440" tIns="45720" rIns="91440" bIns="45720" numCol="1" spcCol="0" rtlCol="0" fromWordArt="0" anchor="ctr" anchorCtr="0" forceAA="0" compatLnSpc="1">
-            <a:prstTxWarp prst="textNoShape">
+                <a:effectLst>
+                  <a:outerShdw blurRad="38100" dist="25400" dir="5400000" algn="ctr" rotWithShape="0">
+                    <a:srgbClr val="6E747A">
+                      <a:alpha val="43000"/>
+                    </a:srgbClr>
+                  </a:outerShdw>
+                </a:effectLst>
+              </a:endParaRPr>
+            </a:p>
+          </p:txBody>
+        </p:sp>
+        <p:sp>
+          <p:nvSpPr>
+            <p:cNvPr id="4" name="Rectangle 3">
+              <a:extLst>
+                <a:ext uri="{FF2B5EF4-FFF2-40B4-BE49-F238E27FC236}">
+                  <a16:creationId xmlns:a16="http://schemas.microsoft.com/office/drawing/2014/main" id="{52075D07-8C00-5549-9495-790EF7E59E27}"/>
+                </a:ext>
+              </a:extLst>
+            </p:cNvPr>
+            <p:cNvSpPr/>
+            <p:nvPr/>
+          </p:nvSpPr>
+          <p:spPr>
+            <a:xfrm>
+              <a:off x="642898" y="2685753"/>
+              <a:ext cx="877077" cy="541175"/>
+            </a:xfrm>
+            <a:prstGeom prst="rect">
               <a:avLst/>
-            </a:prstTxWarp>
-            <a:noAutofit/>
-          </a:bodyPr>
-          <a:lstStyle/>
-          <a:p>
-            <a:pPr algn="ctr"/>
-            <a:endParaRPr lang="fr-FR">
-              <a:ln w="0"/>
+            </a:prstGeom>
+          </p:spPr>
+          <p:style>
+            <a:lnRef idx="2">
+              <a:schemeClr val="accent1">
+                <a:shade val="50000"/>
+              </a:schemeClr>
+            </a:lnRef>
+            <a:fillRef idx="1">
+              <a:schemeClr val="accent1"/>
+            </a:fillRef>
+            <a:effectRef idx="0">
+              <a:schemeClr val="accent1"/>
+            </a:effectRef>
+            <a:fontRef idx="minor">
+              <a:schemeClr val="lt1"/>
+            </a:fontRef>
+          </p:style>
+          <p:txBody>
+            <a:bodyPr rtlCol="0" anchor="ctr"/>
+            <a:lstStyle/>
+            <a:p>
+              <a:pPr algn="ctr"/>
+              <a:r>
+                <a:rPr lang="en-US"/>
+                <a:t>*.lua</a:t>
+              </a:r>
+            </a:p>
+          </p:txBody>
+        </p:sp>
+        <p:sp>
+          <p:nvSpPr>
+            <p:cNvPr id="7" name="Rectangle 6">
+              <a:extLst>
+                <a:ext uri="{FF2B5EF4-FFF2-40B4-BE49-F238E27FC236}">
+                  <a16:creationId xmlns:a16="http://schemas.microsoft.com/office/drawing/2014/main" id="{55A31668-1CBC-0E40-B864-88E8900475DA}"/>
+                </a:ext>
+              </a:extLst>
+            </p:cNvPr>
+            <p:cNvSpPr/>
+            <p:nvPr/>
+          </p:nvSpPr>
+          <p:spPr>
+            <a:xfrm>
+              <a:off x="1877649" y="2685753"/>
+              <a:ext cx="877077" cy="541175"/>
+            </a:xfrm>
+            <a:prstGeom prst="rect">
+              <a:avLst/>
+            </a:prstGeom>
+          </p:spPr>
+          <p:style>
+            <a:lnRef idx="2">
+              <a:schemeClr val="accent1">
+                <a:shade val="50000"/>
+              </a:schemeClr>
+            </a:lnRef>
+            <a:fillRef idx="1">
+              <a:schemeClr val="accent1"/>
+            </a:fillRef>
+            <a:effectRef idx="0">
+              <a:schemeClr val="accent1"/>
+            </a:effectRef>
+            <a:fontRef idx="minor">
+              <a:schemeClr val="lt1"/>
+            </a:fontRef>
+          </p:style>
+          <p:txBody>
+            <a:bodyPr rtlCol="0" anchor="ctr"/>
+            <a:lstStyle/>
+            <a:p>
+              <a:pPr algn="ctr"/>
+              <a:r>
+                <a:rPr lang="en-US"/>
+                <a:t>Lexer</a:t>
+              </a:r>
+            </a:p>
+          </p:txBody>
+        </p:sp>
+        <p:sp>
+          <p:nvSpPr>
+            <p:cNvPr id="8" name="Rectangle 7">
+              <a:extLst>
+                <a:ext uri="{FF2B5EF4-FFF2-40B4-BE49-F238E27FC236}">
+                  <a16:creationId xmlns:a16="http://schemas.microsoft.com/office/drawing/2014/main" id="{BE5FD763-8B33-EB4F-AB1C-9345C4A8D794}"/>
+                </a:ext>
+              </a:extLst>
+            </p:cNvPr>
+            <p:cNvSpPr/>
+            <p:nvPr/>
+          </p:nvSpPr>
+          <p:spPr>
+            <a:xfrm>
+              <a:off x="2916457" y="2685752"/>
+              <a:ext cx="877077" cy="541175"/>
+            </a:xfrm>
+            <a:prstGeom prst="rect">
+              <a:avLst/>
+            </a:prstGeom>
+          </p:spPr>
+          <p:style>
+            <a:lnRef idx="2">
+              <a:schemeClr val="accent1">
+                <a:shade val="50000"/>
+              </a:schemeClr>
+            </a:lnRef>
+            <a:fillRef idx="1">
+              <a:schemeClr val="accent1"/>
+            </a:fillRef>
+            <a:effectRef idx="0">
+              <a:schemeClr val="accent1"/>
+            </a:effectRef>
+            <a:fontRef idx="minor">
+              <a:schemeClr val="lt1"/>
+            </a:fontRef>
+          </p:style>
+          <p:txBody>
+            <a:bodyPr rtlCol="0" anchor="ctr"/>
+            <a:lstStyle/>
+            <a:p>
+              <a:pPr algn="ctr"/>
+              <a:r>
+                <a:rPr lang="en-US"/>
+                <a:t>Parser</a:t>
+              </a:r>
+            </a:p>
+          </p:txBody>
+        </p:sp>
+        <p:sp>
+          <p:nvSpPr>
+            <p:cNvPr id="9" name="Rectangle 8">
+              <a:extLst>
+                <a:ext uri="{FF2B5EF4-FFF2-40B4-BE49-F238E27FC236}">
+                  <a16:creationId xmlns:a16="http://schemas.microsoft.com/office/drawing/2014/main" id="{74354799-01F2-7447-8AF8-A1253D6D3B14}"/>
+                </a:ext>
+              </a:extLst>
+            </p:cNvPr>
+            <p:cNvSpPr/>
+            <p:nvPr/>
+          </p:nvSpPr>
+          <p:spPr>
+            <a:xfrm>
+              <a:off x="1877648" y="3379328"/>
+              <a:ext cx="1915885" cy="541175"/>
+            </a:xfrm>
+            <a:prstGeom prst="rect">
+              <a:avLst/>
+            </a:prstGeom>
+          </p:spPr>
+          <p:style>
+            <a:lnRef idx="2">
+              <a:schemeClr val="accent1">
+                <a:shade val="50000"/>
+              </a:schemeClr>
+            </a:lnRef>
+            <a:fillRef idx="1">
+              <a:schemeClr val="accent1"/>
+            </a:fillRef>
+            <a:effectRef idx="0">
+              <a:schemeClr val="accent1"/>
+            </a:effectRef>
+            <a:fontRef idx="minor">
+              <a:schemeClr val="lt1"/>
+            </a:fontRef>
+          </p:style>
+          <p:txBody>
+            <a:bodyPr rtlCol="0" anchor="ctr"/>
+            <a:lstStyle/>
+            <a:p>
+              <a:pPr algn="ctr"/>
+              <a:r>
+                <a:rPr lang="en-US"/>
+                <a:t>BC Frontend</a:t>
+              </a:r>
+            </a:p>
+          </p:txBody>
+        </p:sp>
+        <p:sp>
+          <p:nvSpPr>
+            <p:cNvPr id="10" name="Rectangle 9">
+              <a:extLst>
+                <a:ext uri="{FF2B5EF4-FFF2-40B4-BE49-F238E27FC236}">
+                  <a16:creationId xmlns:a16="http://schemas.microsoft.com/office/drawing/2014/main" id="{DF4A2AF9-47D3-654D-BF36-5054015EBF3E}"/>
+                </a:ext>
+              </a:extLst>
+            </p:cNvPr>
+            <p:cNvSpPr/>
+            <p:nvPr/>
+          </p:nvSpPr>
+          <p:spPr>
+            <a:xfrm>
+              <a:off x="642897" y="3379328"/>
+              <a:ext cx="877077" cy="541175"/>
+            </a:xfrm>
+            <a:prstGeom prst="rect">
+              <a:avLst/>
+            </a:prstGeom>
+          </p:spPr>
+          <p:style>
+            <a:lnRef idx="2">
+              <a:schemeClr val="accent1">
+                <a:shade val="50000"/>
+              </a:schemeClr>
+            </a:lnRef>
+            <a:fillRef idx="1">
+              <a:schemeClr val="accent1"/>
+            </a:fillRef>
+            <a:effectRef idx="0">
+              <a:schemeClr val="accent1"/>
+            </a:effectRef>
+            <a:fontRef idx="minor">
+              <a:schemeClr val="lt1"/>
+            </a:fontRef>
+          </p:style>
+          <p:txBody>
+            <a:bodyPr rtlCol="0" anchor="ctr"/>
+            <a:lstStyle/>
+            <a:p>
+              <a:pPr algn="ctr"/>
+              <a:r>
+                <a:rPr lang="en-US"/>
+                <a:t>*.o</a:t>
+              </a:r>
+            </a:p>
+          </p:txBody>
+        </p:sp>
+        <p:sp>
+          <p:nvSpPr>
+            <p:cNvPr id="12" name="ZoneTexte 11">
+              <a:extLst>
+                <a:ext uri="{FF2B5EF4-FFF2-40B4-BE49-F238E27FC236}">
+                  <a16:creationId xmlns:a16="http://schemas.microsoft.com/office/drawing/2014/main" id="{1F8FC5A7-CCED-6042-907D-2F672711F478}"/>
+                </a:ext>
+              </a:extLst>
+            </p:cNvPr>
+            <p:cNvSpPr txBox="1"/>
+            <p:nvPr/>
+          </p:nvSpPr>
+          <p:spPr>
+            <a:xfrm>
+              <a:off x="1824676" y="1197047"/>
+              <a:ext cx="513282" cy="369332"/>
+            </a:xfrm>
+            <a:prstGeom prst="rect">
+              <a:avLst/>
+            </a:prstGeom>
+            <a:noFill/>
+          </p:spPr>
+          <p:txBody>
+            <a:bodyPr wrap="none" rtlCol="0">
+              <a:spAutoFit/>
+            </a:bodyPr>
+            <a:lstStyle/>
+            <a:p>
+              <a:r>
+                <a:rPr lang="en-US">
+                  <a:solidFill>
+                    <a:schemeClr val="accent1"/>
+                  </a:solidFill>
+                </a:rPr>
+                <a:t>VM</a:t>
+              </a:r>
+            </a:p>
+          </p:txBody>
+        </p:sp>
+        <p:sp>
+          <p:nvSpPr>
+            <p:cNvPr id="13" name="Rectangle 12">
+              <a:extLst>
+                <a:ext uri="{FF2B5EF4-FFF2-40B4-BE49-F238E27FC236}">
+                  <a16:creationId xmlns:a16="http://schemas.microsoft.com/office/drawing/2014/main" id="{CEA7C11E-B315-674A-8D43-75CF7F7F752F}"/>
+                </a:ext>
+              </a:extLst>
+            </p:cNvPr>
+            <p:cNvSpPr/>
+            <p:nvPr/>
+          </p:nvSpPr>
+          <p:spPr>
+            <a:xfrm>
+              <a:off x="4184779" y="1197047"/>
+              <a:ext cx="1404258" cy="5280768"/>
+            </a:xfrm>
+            <a:prstGeom prst="rect">
+              <a:avLst/>
+            </a:prstGeom>
+          </p:spPr>
+          <p:style>
+            <a:lnRef idx="2">
+              <a:schemeClr val="accent1">
+                <a:shade val="50000"/>
+              </a:schemeClr>
+            </a:lnRef>
+            <a:fillRef idx="1">
+              <a:schemeClr val="accent1"/>
+            </a:fillRef>
+            <a:effectRef idx="0">
+              <a:schemeClr val="accent1"/>
+            </a:effectRef>
+            <a:fontRef idx="minor">
+              <a:schemeClr val="lt1"/>
+            </a:fontRef>
+          </p:style>
+          <p:txBody>
+            <a:bodyPr rtlCol="0" anchor="ctr"/>
+            <a:lstStyle/>
+            <a:p>
+              <a:pPr algn="ctr"/>
+              <a:r>
+                <a:rPr lang="en-US"/>
+                <a:t>BC Interpreter</a:t>
+              </a:r>
+            </a:p>
+            <a:p>
+              <a:pPr algn="ctr"/>
+              <a:r>
+                <a:rPr lang="en-US"/>
+                <a:t>(*.dasc)</a:t>
+              </a:r>
+            </a:p>
+          </p:txBody>
+        </p:sp>
+        <p:sp>
+          <p:nvSpPr>
+            <p:cNvPr id="14" name="Rectangle 13">
+              <a:extLst>
+                <a:ext uri="{FF2B5EF4-FFF2-40B4-BE49-F238E27FC236}">
+                  <a16:creationId xmlns:a16="http://schemas.microsoft.com/office/drawing/2014/main" id="{B5DC4218-FB7C-F544-8D5F-EE36830B5C74}"/>
+                </a:ext>
+              </a:extLst>
+            </p:cNvPr>
+            <p:cNvSpPr/>
+            <p:nvPr/>
+          </p:nvSpPr>
+          <p:spPr>
+            <a:xfrm>
+              <a:off x="5890424" y="1197047"/>
+              <a:ext cx="1513507" cy="3153748"/>
+            </a:xfrm>
+            <a:prstGeom prst="rect">
+              <a:avLst/>
+            </a:prstGeom>
+            <a:noFill/>
+            <a:ln>
               <a:solidFill>
                 <a:schemeClr val="accent1"/>
               </a:solidFill>
-              <a:effectLst>
-                <a:outerShdw blurRad="38100" dist="25400" dir="5400000" algn="ctr" rotWithShape="0">
-                  <a:srgbClr val="6E747A">
-                    <a:alpha val="43000"/>
-                  </a:srgbClr>
-                </a:outerShdw>
-              </a:effectLst>
-            </a:endParaRPr>
-          </a:p>
-        </p:txBody>
-      </p:sp>
-      <p:sp>
-        <p:nvSpPr>
-          <p:cNvPr id="28" name="ZoneTexte 27">
-            <a:extLst>
-              <a:ext uri="{FF2B5EF4-FFF2-40B4-BE49-F238E27FC236}">
-                <a16:creationId xmlns:a16="http://schemas.microsoft.com/office/drawing/2014/main" id="{4FD63C3F-AED2-2E4A-9AD0-661E11853506}"/>
-              </a:ext>
-            </a:extLst>
-          </p:cNvPr>
-          <p:cNvSpPr txBox="1"/>
-          <p:nvPr/>
-        </p:nvSpPr>
-        <p:spPr>
-          <a:xfrm>
-            <a:off x="8232929" y="1066171"/>
-            <a:ext cx="308098" cy="369332"/>
-          </a:xfrm>
-          <a:prstGeom prst="rect">
-            <a:avLst/>
-          </a:prstGeom>
-          <a:noFill/>
-        </p:spPr>
-        <p:txBody>
-          <a:bodyPr wrap="none" rtlCol="0">
-            <a:spAutoFit/>
-          </a:bodyPr>
-          <a:lstStyle/>
-          <a:p>
-            <a:r>
-              <a:rPr lang="fr-FR">
+              <a:prstDash val="dash"/>
+            </a:ln>
+          </p:spPr>
+          <p:style>
+            <a:lnRef idx="0">
+              <a:schemeClr val="accent1"/>
+            </a:lnRef>
+            <a:fillRef idx="3">
+              <a:schemeClr val="accent1"/>
+            </a:fillRef>
+            <a:effectRef idx="3">
+              <a:schemeClr val="accent1"/>
+            </a:effectRef>
+            <a:fontRef idx="minor">
+              <a:schemeClr val="lt1"/>
+            </a:fontRef>
+          </p:style>
+          <p:txBody>
+            <a:bodyPr rot="0" spcFirstLastPara="0" vertOverflow="overflow" horzOverflow="overflow" vert="horz" wrap="square" lIns="91440" tIns="45720" rIns="91440" bIns="45720" numCol="1" spcCol="0" rtlCol="0" fromWordArt="0" anchor="ctr" anchorCtr="0" forceAA="0" compatLnSpc="1">
+              <a:prstTxWarp prst="textNoShape">
+                <a:avLst/>
+              </a:prstTxWarp>
+              <a:noAutofit/>
+            </a:bodyPr>
+            <a:lstStyle/>
+            <a:p>
+              <a:pPr algn="ctr"/>
+              <a:endParaRPr lang="en-US">
+                <a:ln w="0"/>
                 <a:solidFill>
                   <a:schemeClr val="accent1"/>
                 </a:solidFill>
-              </a:rPr>
-              <a:t>C</a:t>
-            </a:r>
-          </a:p>
-        </p:txBody>
-      </p:sp>
-      <p:cxnSp>
-        <p:nvCxnSpPr>
-          <p:cNvPr id="30" name="Connecteur droit avec flèche 29">
-            <a:extLst>
-              <a:ext uri="{FF2B5EF4-FFF2-40B4-BE49-F238E27FC236}">
-                <a16:creationId xmlns:a16="http://schemas.microsoft.com/office/drawing/2014/main" id="{896ACE9D-8B7A-294C-BFAC-42A78BB58BDC}"/>
-              </a:ext>
-            </a:extLst>
-          </p:cNvPr>
-          <p:cNvCxnSpPr>
-            <a:stCxn id="4" idx="3"/>
-            <a:endCxn id="7" idx="1"/>
-          </p:cNvCxnSpPr>
-          <p:nvPr/>
-        </p:nvCxnSpPr>
-        <p:spPr>
-          <a:xfrm>
-            <a:off x="1519975" y="2956341"/>
-            <a:ext cx="357674" cy="0"/>
-          </a:xfrm>
-          <a:prstGeom prst="straightConnector1">
-            <a:avLst/>
-          </a:prstGeom>
-          <a:ln>
-            <a:tailEnd type="triangle"/>
-          </a:ln>
-        </p:spPr>
-        <p:style>
-          <a:lnRef idx="1">
-            <a:schemeClr val="accent1"/>
-          </a:lnRef>
-          <a:fillRef idx="0">
-            <a:schemeClr val="accent1"/>
-          </a:fillRef>
-          <a:effectRef idx="0">
-            <a:schemeClr val="accent1"/>
-          </a:effectRef>
-          <a:fontRef idx="minor">
-            <a:schemeClr val="tx1"/>
-          </a:fontRef>
-        </p:style>
-      </p:cxnSp>
-      <p:cxnSp>
-        <p:nvCxnSpPr>
-          <p:cNvPr id="31" name="Connecteur droit avec flèche 30">
-            <a:extLst>
-              <a:ext uri="{FF2B5EF4-FFF2-40B4-BE49-F238E27FC236}">
-                <a16:creationId xmlns:a16="http://schemas.microsoft.com/office/drawing/2014/main" id="{7EB0A658-C4C9-D645-B434-DAFE49C1F647}"/>
-              </a:ext>
-            </a:extLst>
-          </p:cNvPr>
-          <p:cNvCxnSpPr>
-            <a:cxnSpLocks/>
-            <a:stCxn id="10" idx="3"/>
-            <a:endCxn id="9" idx="1"/>
-          </p:cNvCxnSpPr>
-          <p:nvPr/>
-        </p:nvCxnSpPr>
-        <p:spPr>
-          <a:xfrm>
-            <a:off x="1519974" y="3649916"/>
-            <a:ext cx="357674" cy="0"/>
-          </a:xfrm>
-          <a:prstGeom prst="straightConnector1">
-            <a:avLst/>
-          </a:prstGeom>
-          <a:ln>
-            <a:tailEnd type="triangle"/>
-          </a:ln>
-        </p:spPr>
-        <p:style>
-          <a:lnRef idx="1">
-            <a:schemeClr val="accent1"/>
-          </a:lnRef>
-          <a:fillRef idx="0">
-            <a:schemeClr val="accent1"/>
-          </a:fillRef>
-          <a:effectRef idx="0">
-            <a:schemeClr val="accent1"/>
-          </a:effectRef>
-          <a:fontRef idx="minor">
-            <a:schemeClr val="tx1"/>
-          </a:fontRef>
-        </p:style>
-      </p:cxnSp>
-      <p:cxnSp>
-        <p:nvCxnSpPr>
-          <p:cNvPr id="35" name="Connecteur droit avec flèche 34">
-            <a:extLst>
-              <a:ext uri="{FF2B5EF4-FFF2-40B4-BE49-F238E27FC236}">
-                <a16:creationId xmlns:a16="http://schemas.microsoft.com/office/drawing/2014/main" id="{3442C3B1-84C9-3948-ADE2-F43C029F1F8B}"/>
-              </a:ext>
-            </a:extLst>
-          </p:cNvPr>
-          <p:cNvCxnSpPr>
-            <a:stCxn id="7" idx="3"/>
-            <a:endCxn id="8" idx="1"/>
-          </p:cNvCxnSpPr>
-          <p:nvPr/>
-        </p:nvCxnSpPr>
-        <p:spPr>
-          <a:xfrm flipV="1">
-            <a:off x="2754726" y="2956340"/>
-            <a:ext cx="161731" cy="1"/>
-          </a:xfrm>
-          <a:prstGeom prst="straightConnector1">
-            <a:avLst/>
-          </a:prstGeom>
-          <a:ln>
-            <a:tailEnd type="triangle"/>
-          </a:ln>
-        </p:spPr>
-        <p:style>
-          <a:lnRef idx="1">
-            <a:schemeClr val="accent1"/>
-          </a:lnRef>
-          <a:fillRef idx="0">
-            <a:schemeClr val="accent1"/>
-          </a:fillRef>
-          <a:effectRef idx="0">
-            <a:schemeClr val="accent1"/>
-          </a:effectRef>
-          <a:fontRef idx="minor">
-            <a:schemeClr val="tx1"/>
-          </a:fontRef>
-        </p:style>
-      </p:cxnSp>
-      <p:cxnSp>
-        <p:nvCxnSpPr>
-          <p:cNvPr id="37" name="Connecteur en angle 36">
-            <a:extLst>
-              <a:ext uri="{FF2B5EF4-FFF2-40B4-BE49-F238E27FC236}">
-                <a16:creationId xmlns:a16="http://schemas.microsoft.com/office/drawing/2014/main" id="{0D0FE138-1DB8-AD4F-9A77-AAC604B5DD1D}"/>
-              </a:ext>
-            </a:extLst>
-          </p:cNvPr>
-          <p:cNvCxnSpPr>
-            <a:cxnSpLocks/>
-          </p:cNvCxnSpPr>
-          <p:nvPr/>
-        </p:nvCxnSpPr>
-        <p:spPr>
-          <a:xfrm flipH="1">
-            <a:off x="3671847" y="2956339"/>
-            <a:ext cx="1" cy="693576"/>
-          </a:xfrm>
-          <a:prstGeom prst="bentConnector3">
-            <a:avLst>
-              <a:gd name="adj1" fmla="val -22860000000"/>
-            </a:avLst>
-          </a:prstGeom>
-        </p:spPr>
-        <p:style>
-          <a:lnRef idx="1">
-            <a:schemeClr val="accent1"/>
-          </a:lnRef>
-          <a:fillRef idx="0">
-            <a:schemeClr val="accent1"/>
-          </a:fillRef>
-          <a:effectRef idx="0">
-            <a:schemeClr val="accent1"/>
-          </a:effectRef>
-          <a:fontRef idx="minor">
-            <a:schemeClr val="tx1"/>
-          </a:fontRef>
-        </p:style>
-      </p:cxnSp>
-      <p:cxnSp>
-        <p:nvCxnSpPr>
-          <p:cNvPr id="49" name="Connecteur droit avec flèche 48">
-            <a:extLst>
-              <a:ext uri="{FF2B5EF4-FFF2-40B4-BE49-F238E27FC236}">
-                <a16:creationId xmlns:a16="http://schemas.microsoft.com/office/drawing/2014/main" id="{4298EEB6-296F-A141-A9F9-179A92FD9026}"/>
-              </a:ext>
-            </a:extLst>
-          </p:cNvPr>
-          <p:cNvCxnSpPr/>
-          <p:nvPr/>
-        </p:nvCxnSpPr>
-        <p:spPr>
-          <a:xfrm>
-            <a:off x="3908612" y="3266901"/>
-            <a:ext cx="276167" cy="0"/>
-          </a:xfrm>
-          <a:prstGeom prst="straightConnector1">
-            <a:avLst/>
-          </a:prstGeom>
-          <a:ln>
-            <a:tailEnd type="triangle"/>
-          </a:ln>
-        </p:spPr>
-        <p:style>
-          <a:lnRef idx="1">
-            <a:schemeClr val="accent1"/>
-          </a:lnRef>
-          <a:fillRef idx="0">
-            <a:schemeClr val="accent1"/>
-          </a:fillRef>
-          <a:effectRef idx="0">
-            <a:schemeClr val="accent1"/>
-          </a:effectRef>
-          <a:fontRef idx="minor">
-            <a:schemeClr val="tx1"/>
-          </a:fontRef>
-        </p:style>
-      </p:cxnSp>
-      <p:sp>
-        <p:nvSpPr>
-          <p:cNvPr id="50" name="ZoneTexte 49">
-            <a:extLst>
-              <a:ext uri="{FF2B5EF4-FFF2-40B4-BE49-F238E27FC236}">
-                <a16:creationId xmlns:a16="http://schemas.microsoft.com/office/drawing/2014/main" id="{8F3B23D9-51C6-4940-B39E-8AC7E827E99D}"/>
-              </a:ext>
-            </a:extLst>
-          </p:cNvPr>
-          <p:cNvSpPr txBox="1"/>
-          <p:nvPr/>
-        </p:nvSpPr>
-        <p:spPr>
-          <a:xfrm>
-            <a:off x="3872461" y="3028159"/>
-            <a:ext cx="349776" cy="276999"/>
-          </a:xfrm>
-          <a:prstGeom prst="rect">
-            <a:avLst/>
-          </a:prstGeom>
-          <a:noFill/>
-        </p:spPr>
-        <p:txBody>
-          <a:bodyPr wrap="none" rtlCol="0">
-            <a:spAutoFit/>
-          </a:bodyPr>
-          <a:lstStyle/>
-          <a:p>
-            <a:r>
-              <a:rPr lang="fr-FR" sz="1200"/>
-              <a:t>BC</a:t>
-            </a:r>
-          </a:p>
-        </p:txBody>
-      </p:sp>
-      <p:cxnSp>
-        <p:nvCxnSpPr>
-          <p:cNvPr id="54" name="Connecteur droit avec flèche 53">
-            <a:extLst>
-              <a:ext uri="{FF2B5EF4-FFF2-40B4-BE49-F238E27FC236}">
-                <a16:creationId xmlns:a16="http://schemas.microsoft.com/office/drawing/2014/main" id="{2F8A01E9-C333-AF49-8950-6696634D5E73}"/>
-              </a:ext>
-            </a:extLst>
-          </p:cNvPr>
-          <p:cNvCxnSpPr>
-            <a:cxnSpLocks/>
-            <a:endCxn id="17" idx="1"/>
-          </p:cNvCxnSpPr>
-          <p:nvPr/>
-        </p:nvCxnSpPr>
-        <p:spPr>
-          <a:xfrm>
-            <a:off x="5570192" y="2429069"/>
-            <a:ext cx="481963" cy="2729"/>
-          </a:xfrm>
-          <a:prstGeom prst="straightConnector1">
-            <a:avLst/>
-          </a:prstGeom>
-          <a:ln>
-            <a:tailEnd type="triangle"/>
-          </a:ln>
-        </p:spPr>
-        <p:style>
-          <a:lnRef idx="1">
-            <a:schemeClr val="accent1"/>
-          </a:lnRef>
-          <a:fillRef idx="0">
-            <a:schemeClr val="accent1"/>
-          </a:fillRef>
-          <a:effectRef idx="0">
-            <a:schemeClr val="accent1"/>
-          </a:effectRef>
-          <a:fontRef idx="minor">
-            <a:schemeClr val="tx1"/>
-          </a:fontRef>
-        </p:style>
-      </p:cxnSp>
-      <p:cxnSp>
-        <p:nvCxnSpPr>
-          <p:cNvPr id="55" name="Connecteur droit avec flèche 54">
-            <a:extLst>
-              <a:ext uri="{FF2B5EF4-FFF2-40B4-BE49-F238E27FC236}">
-                <a16:creationId xmlns:a16="http://schemas.microsoft.com/office/drawing/2014/main" id="{8DFA152D-BC62-3641-B948-3626FFD0E553}"/>
-              </a:ext>
-            </a:extLst>
-          </p:cNvPr>
-          <p:cNvCxnSpPr>
-            <a:cxnSpLocks/>
-          </p:cNvCxnSpPr>
-          <p:nvPr/>
-        </p:nvCxnSpPr>
-        <p:spPr>
-          <a:xfrm>
-            <a:off x="5618130" y="4867837"/>
-            <a:ext cx="2548959" cy="0"/>
-          </a:xfrm>
-          <a:prstGeom prst="straightConnector1">
-            <a:avLst/>
-          </a:prstGeom>
-          <a:ln>
-            <a:tailEnd type="triangle"/>
-          </a:ln>
-        </p:spPr>
-        <p:style>
-          <a:lnRef idx="1">
-            <a:schemeClr val="accent1"/>
-          </a:lnRef>
-          <a:fillRef idx="0">
-            <a:schemeClr val="accent1"/>
-          </a:fillRef>
-          <a:effectRef idx="0">
-            <a:schemeClr val="accent1"/>
-          </a:effectRef>
-          <a:fontRef idx="minor">
-            <a:schemeClr val="tx1"/>
-          </a:fontRef>
-        </p:style>
-      </p:cxnSp>
-      <p:sp>
-        <p:nvSpPr>
-          <p:cNvPr id="56" name="ZoneTexte 55">
-            <a:extLst>
-              <a:ext uri="{FF2B5EF4-FFF2-40B4-BE49-F238E27FC236}">
-                <a16:creationId xmlns:a16="http://schemas.microsoft.com/office/drawing/2014/main" id="{CC53DB7F-E88E-8447-9304-12FB6D549F29}"/>
-              </a:ext>
-            </a:extLst>
-          </p:cNvPr>
-          <p:cNvSpPr txBox="1"/>
-          <p:nvPr/>
-        </p:nvSpPr>
-        <p:spPr>
-          <a:xfrm>
-            <a:off x="5726467" y="4385046"/>
-            <a:ext cx="1426288" cy="276999"/>
-          </a:xfrm>
-          <a:prstGeom prst="rect">
-            <a:avLst/>
-          </a:prstGeom>
-          <a:noFill/>
-        </p:spPr>
-        <p:txBody>
-          <a:bodyPr wrap="none" rtlCol="0">
-            <a:spAutoFit/>
-          </a:bodyPr>
-          <a:lstStyle/>
-          <a:p>
-            <a:r>
-              <a:rPr lang="fr-FR" sz="1200" dirty="0"/>
-              <a:t>Hot </a:t>
-            </a:r>
-            <a:r>
-              <a:rPr lang="fr-FR" sz="1200" dirty="0" err="1"/>
-              <a:t>path</a:t>
-            </a:r>
-            <a:r>
-              <a:rPr lang="fr-FR" sz="1200" dirty="0"/>
-              <a:t> </a:t>
-            </a:r>
-            <a:r>
-              <a:rPr lang="fr-FR" sz="1200" dirty="0" err="1"/>
-              <a:t>detections</a:t>
-            </a:r>
-            <a:endParaRPr lang="fr-FR" sz="1200" dirty="0"/>
-          </a:p>
-        </p:txBody>
-      </p:sp>
-      <p:cxnSp>
-        <p:nvCxnSpPr>
-          <p:cNvPr id="58" name="Connecteur droit avec flèche 57">
-            <a:extLst>
-              <a:ext uri="{FF2B5EF4-FFF2-40B4-BE49-F238E27FC236}">
-                <a16:creationId xmlns:a16="http://schemas.microsoft.com/office/drawing/2014/main" id="{3BC5E954-7F22-DB40-95F6-249BA852FEE4}"/>
-              </a:ext>
-            </a:extLst>
-          </p:cNvPr>
-          <p:cNvCxnSpPr>
-            <a:cxnSpLocks/>
-            <a:stCxn id="17" idx="3"/>
-          </p:cNvCxnSpPr>
-          <p:nvPr/>
-        </p:nvCxnSpPr>
-        <p:spPr>
-          <a:xfrm flipV="1">
-            <a:off x="7245312" y="2431548"/>
-            <a:ext cx="903606" cy="250"/>
-          </a:xfrm>
-          <a:prstGeom prst="straightConnector1">
-            <a:avLst/>
-          </a:prstGeom>
-          <a:ln>
-            <a:tailEnd type="triangle"/>
-          </a:ln>
-        </p:spPr>
-        <p:style>
-          <a:lnRef idx="1">
-            <a:schemeClr val="accent1"/>
-          </a:lnRef>
-          <a:fillRef idx="0">
-            <a:schemeClr val="accent1"/>
-          </a:fillRef>
-          <a:effectRef idx="0">
-            <a:schemeClr val="accent1"/>
-          </a:effectRef>
-          <a:fontRef idx="minor">
-            <a:schemeClr val="tx1"/>
-          </a:fontRef>
-        </p:style>
-      </p:cxnSp>
-      <p:cxnSp>
-        <p:nvCxnSpPr>
-          <p:cNvPr id="62" name="Connecteur droit avec flèche 61">
-            <a:extLst>
-              <a:ext uri="{FF2B5EF4-FFF2-40B4-BE49-F238E27FC236}">
-                <a16:creationId xmlns:a16="http://schemas.microsoft.com/office/drawing/2014/main" id="{A6515B71-7101-B74B-8D39-F7A3069A256D}"/>
-              </a:ext>
-            </a:extLst>
-          </p:cNvPr>
-          <p:cNvCxnSpPr>
-            <a:cxnSpLocks/>
-          </p:cNvCxnSpPr>
-          <p:nvPr/>
-        </p:nvCxnSpPr>
-        <p:spPr>
-          <a:xfrm>
-            <a:off x="5616155" y="4644115"/>
-            <a:ext cx="2532763" cy="0"/>
-          </a:xfrm>
-          <a:prstGeom prst="straightConnector1">
-            <a:avLst/>
-          </a:prstGeom>
-          <a:ln>
-            <a:tailEnd type="triangle"/>
-          </a:ln>
-        </p:spPr>
-        <p:style>
-          <a:lnRef idx="1">
-            <a:schemeClr val="accent1"/>
-          </a:lnRef>
-          <a:fillRef idx="0">
-            <a:schemeClr val="accent1"/>
-          </a:fillRef>
-          <a:effectRef idx="0">
-            <a:schemeClr val="accent1"/>
-          </a:effectRef>
-          <a:fontRef idx="minor">
-            <a:schemeClr val="tx1"/>
-          </a:fontRef>
-        </p:style>
-      </p:cxnSp>
-      <p:sp>
-        <p:nvSpPr>
-          <p:cNvPr id="64" name="ZoneTexte 63">
-            <a:extLst>
-              <a:ext uri="{FF2B5EF4-FFF2-40B4-BE49-F238E27FC236}">
-                <a16:creationId xmlns:a16="http://schemas.microsoft.com/office/drawing/2014/main" id="{B78AFDFA-F081-FF41-95EE-B4A81825A25A}"/>
-              </a:ext>
-            </a:extLst>
-          </p:cNvPr>
-          <p:cNvSpPr txBox="1"/>
-          <p:nvPr/>
-        </p:nvSpPr>
-        <p:spPr>
-          <a:xfrm>
-            <a:off x="7397564" y="2200782"/>
-            <a:ext cx="564001" cy="276999"/>
-          </a:xfrm>
-          <a:prstGeom prst="rect">
-            <a:avLst/>
-          </a:prstGeom>
-          <a:noFill/>
-        </p:spPr>
-        <p:txBody>
-          <a:bodyPr wrap="none" rtlCol="0">
-            <a:spAutoFit/>
-          </a:bodyPr>
-          <a:lstStyle/>
-          <a:p>
-            <a:r>
-              <a:rPr lang="fr-FR" sz="1200" dirty="0"/>
-              <a:t>config</a:t>
-            </a:r>
-          </a:p>
-        </p:txBody>
-      </p:sp>
-      <p:sp>
-        <p:nvSpPr>
-          <p:cNvPr id="70" name="ZoneTexte 69">
-            <a:extLst>
-              <a:ext uri="{FF2B5EF4-FFF2-40B4-BE49-F238E27FC236}">
-                <a16:creationId xmlns:a16="http://schemas.microsoft.com/office/drawing/2014/main" id="{C2839AD1-49EA-4744-83BD-D722966D5876}"/>
-              </a:ext>
-            </a:extLst>
-          </p:cNvPr>
-          <p:cNvSpPr txBox="1"/>
-          <p:nvPr/>
-        </p:nvSpPr>
-        <p:spPr>
-          <a:xfrm>
-            <a:off x="5733180" y="4648361"/>
-            <a:ext cx="1161087" cy="276999"/>
-          </a:xfrm>
-          <a:prstGeom prst="rect">
-            <a:avLst/>
-          </a:prstGeom>
-          <a:noFill/>
-        </p:spPr>
-        <p:txBody>
-          <a:bodyPr wrap="none" rtlCol="0">
-            <a:spAutoFit/>
-          </a:bodyPr>
-          <a:lstStyle/>
-          <a:p>
-            <a:r>
-              <a:rPr lang="fr-FR" sz="1200" dirty="0"/>
-              <a:t>Trace </a:t>
-            </a:r>
-            <a:r>
-              <a:rPr lang="fr-FR" sz="1200" dirty="0" err="1"/>
-              <a:t>execution</a:t>
-            </a:r>
-            <a:endParaRPr lang="fr-FR" sz="1200" dirty="0"/>
-          </a:p>
-        </p:txBody>
-      </p:sp>
-      <p:cxnSp>
-        <p:nvCxnSpPr>
-          <p:cNvPr id="71" name="Connecteur droit avec flèche 70">
-            <a:extLst>
-              <a:ext uri="{FF2B5EF4-FFF2-40B4-BE49-F238E27FC236}">
-                <a16:creationId xmlns:a16="http://schemas.microsoft.com/office/drawing/2014/main" id="{E82B08F5-B596-B749-9B92-F3DF8DFE4650}"/>
-              </a:ext>
-            </a:extLst>
-          </p:cNvPr>
-          <p:cNvCxnSpPr>
-            <a:cxnSpLocks/>
-          </p:cNvCxnSpPr>
-          <p:nvPr/>
-        </p:nvCxnSpPr>
-        <p:spPr>
-          <a:xfrm>
-            <a:off x="5570192" y="1845304"/>
-            <a:ext cx="481963" cy="2729"/>
-          </a:xfrm>
-          <a:prstGeom prst="straightConnector1">
-            <a:avLst/>
-          </a:prstGeom>
-          <a:ln>
-            <a:tailEnd type="triangle"/>
-          </a:ln>
-        </p:spPr>
-        <p:style>
-          <a:lnRef idx="1">
-            <a:schemeClr val="accent1"/>
-          </a:lnRef>
-          <a:fillRef idx="0">
-            <a:schemeClr val="accent1"/>
-          </a:fillRef>
-          <a:effectRef idx="0">
-            <a:schemeClr val="accent1"/>
-          </a:effectRef>
-          <a:fontRef idx="minor">
-            <a:schemeClr val="tx1"/>
-          </a:fontRef>
-        </p:style>
-      </p:cxnSp>
-      <p:cxnSp>
-        <p:nvCxnSpPr>
-          <p:cNvPr id="72" name="Connecteur droit avec flèche 71">
-            <a:extLst>
-              <a:ext uri="{FF2B5EF4-FFF2-40B4-BE49-F238E27FC236}">
-                <a16:creationId xmlns:a16="http://schemas.microsoft.com/office/drawing/2014/main" id="{0B6FCFA8-03B2-9347-B124-4C3354A8BE7E}"/>
-              </a:ext>
-            </a:extLst>
-          </p:cNvPr>
-          <p:cNvCxnSpPr>
-            <a:cxnSpLocks/>
-          </p:cNvCxnSpPr>
-          <p:nvPr/>
-        </p:nvCxnSpPr>
-        <p:spPr>
-          <a:xfrm>
-            <a:off x="7254642" y="1847417"/>
-            <a:ext cx="894276" cy="0"/>
-          </a:xfrm>
-          <a:prstGeom prst="straightConnector1">
-            <a:avLst/>
-          </a:prstGeom>
-          <a:ln>
-            <a:tailEnd type="triangle"/>
-          </a:ln>
-        </p:spPr>
-        <p:style>
-          <a:lnRef idx="1">
-            <a:schemeClr val="accent1"/>
-          </a:lnRef>
-          <a:fillRef idx="0">
-            <a:schemeClr val="accent1"/>
-          </a:fillRef>
-          <a:effectRef idx="0">
-            <a:schemeClr val="accent1"/>
-          </a:effectRef>
-          <a:fontRef idx="minor">
-            <a:schemeClr val="tx1"/>
-          </a:fontRef>
-        </p:style>
-      </p:cxnSp>
-      <p:sp>
-        <p:nvSpPr>
-          <p:cNvPr id="77" name="ZoneTexte 76">
-            <a:extLst>
-              <a:ext uri="{FF2B5EF4-FFF2-40B4-BE49-F238E27FC236}">
-                <a16:creationId xmlns:a16="http://schemas.microsoft.com/office/drawing/2014/main" id="{568F4BF5-5BD7-504B-8C70-DC1CE9CFDD05}"/>
-              </a:ext>
-            </a:extLst>
-          </p:cNvPr>
-          <p:cNvSpPr txBox="1"/>
-          <p:nvPr/>
-        </p:nvSpPr>
-        <p:spPr>
-          <a:xfrm>
-            <a:off x="7415114" y="1608460"/>
-            <a:ext cx="393377" cy="276999"/>
-          </a:xfrm>
-          <a:prstGeom prst="rect">
-            <a:avLst/>
-          </a:prstGeom>
-          <a:noFill/>
-        </p:spPr>
-        <p:txBody>
-          <a:bodyPr wrap="none" rtlCol="0">
-            <a:spAutoFit/>
-          </a:bodyPr>
-          <a:lstStyle/>
-          <a:p>
-            <a:r>
-              <a:rPr lang="fr-FR" sz="1200" dirty="0"/>
-              <a:t>call</a:t>
-            </a:r>
-          </a:p>
-        </p:txBody>
-      </p:sp>
+                <a:effectLst>
+                  <a:outerShdw blurRad="38100" dist="25400" dir="5400000" algn="ctr" rotWithShape="0">
+                    <a:srgbClr val="6E747A">
+                      <a:alpha val="43000"/>
+                    </a:srgbClr>
+                  </a:outerShdw>
+                </a:effectLst>
+              </a:endParaRPr>
+            </a:p>
+          </p:txBody>
+        </p:sp>
+        <p:sp>
+          <p:nvSpPr>
+            <p:cNvPr id="15" name="Rectangle 14">
+              <a:extLst>
+                <a:ext uri="{FF2B5EF4-FFF2-40B4-BE49-F238E27FC236}">
+                  <a16:creationId xmlns:a16="http://schemas.microsoft.com/office/drawing/2014/main" id="{A06C9F7A-9504-3C47-BEC3-021DC6434CB1}"/>
+                </a:ext>
+              </a:extLst>
+            </p:cNvPr>
+            <p:cNvSpPr/>
+            <p:nvPr/>
+          </p:nvSpPr>
+          <p:spPr>
+            <a:xfrm>
+              <a:off x="6052155" y="1536725"/>
+              <a:ext cx="1202487" cy="541175"/>
+            </a:xfrm>
+            <a:prstGeom prst="rect">
+              <a:avLst/>
+            </a:prstGeom>
+          </p:spPr>
+          <p:style>
+            <a:lnRef idx="2">
+              <a:schemeClr val="accent1">
+                <a:shade val="50000"/>
+              </a:schemeClr>
+            </a:lnRef>
+            <a:fillRef idx="1">
+              <a:schemeClr val="accent1"/>
+            </a:fillRef>
+            <a:effectRef idx="0">
+              <a:schemeClr val="accent1"/>
+            </a:effectRef>
+            <a:fontRef idx="minor">
+              <a:schemeClr val="lt1"/>
+            </a:fontRef>
+          </p:style>
+          <p:txBody>
+            <a:bodyPr rtlCol="0" anchor="ctr"/>
+            <a:lstStyle/>
+            <a:p>
+              <a:pPr algn="ctr"/>
+              <a:r>
+                <a:rPr lang="en-US"/>
+                <a:t>FFI</a:t>
+              </a:r>
+            </a:p>
+          </p:txBody>
+        </p:sp>
+        <p:sp>
+          <p:nvSpPr>
+            <p:cNvPr id="16" name="ZoneTexte 15">
+              <a:extLst>
+                <a:ext uri="{FF2B5EF4-FFF2-40B4-BE49-F238E27FC236}">
+                  <a16:creationId xmlns:a16="http://schemas.microsoft.com/office/drawing/2014/main" id="{F97750D4-94AE-9E40-A339-62FBA13C9622}"/>
+                </a:ext>
+              </a:extLst>
+            </p:cNvPr>
+            <p:cNvSpPr txBox="1"/>
+            <p:nvPr/>
+          </p:nvSpPr>
+          <p:spPr>
+            <a:xfrm>
+              <a:off x="5885579" y="1162796"/>
+              <a:ext cx="981423" cy="369332"/>
+            </a:xfrm>
+            <a:prstGeom prst="rect">
+              <a:avLst/>
+            </a:prstGeom>
+            <a:noFill/>
+          </p:spPr>
+          <p:txBody>
+            <a:bodyPr wrap="none" rtlCol="0">
+              <a:spAutoFit/>
+            </a:bodyPr>
+            <a:lstStyle/>
+            <a:p>
+              <a:r>
+                <a:rPr lang="en-US">
+                  <a:solidFill>
+                    <a:schemeClr val="accent1"/>
+                  </a:solidFill>
+                </a:rPr>
+                <a:t>Libraries</a:t>
+              </a:r>
+            </a:p>
+          </p:txBody>
+        </p:sp>
+        <p:sp>
+          <p:nvSpPr>
+            <p:cNvPr id="17" name="Rectangle 16">
+              <a:extLst>
+                <a:ext uri="{FF2B5EF4-FFF2-40B4-BE49-F238E27FC236}">
+                  <a16:creationId xmlns:a16="http://schemas.microsoft.com/office/drawing/2014/main" id="{DFC5A43D-8FF8-E045-8F25-FDABF43AED08}"/>
+                </a:ext>
+              </a:extLst>
+            </p:cNvPr>
+            <p:cNvSpPr/>
+            <p:nvPr/>
+          </p:nvSpPr>
+          <p:spPr>
+            <a:xfrm>
+              <a:off x="6052155" y="2161210"/>
+              <a:ext cx="1193157" cy="541175"/>
+            </a:xfrm>
+            <a:prstGeom prst="rect">
+              <a:avLst/>
+            </a:prstGeom>
+          </p:spPr>
+          <p:style>
+            <a:lnRef idx="2">
+              <a:schemeClr val="accent1">
+                <a:shade val="50000"/>
+              </a:schemeClr>
+            </a:lnRef>
+            <a:fillRef idx="1">
+              <a:schemeClr val="accent1"/>
+            </a:fillRef>
+            <a:effectRef idx="0">
+              <a:schemeClr val="accent1"/>
+            </a:effectRef>
+            <a:fontRef idx="minor">
+              <a:schemeClr val="lt1"/>
+            </a:fontRef>
+          </p:style>
+          <p:txBody>
+            <a:bodyPr rtlCol="0" anchor="ctr"/>
+            <a:lstStyle/>
+            <a:p>
+              <a:pPr algn="ctr"/>
+              <a:r>
+                <a:rPr lang="en-US"/>
+                <a:t>JIT</a:t>
+              </a:r>
+            </a:p>
+          </p:txBody>
+        </p:sp>
+        <p:sp>
+          <p:nvSpPr>
+            <p:cNvPr id="18" name="Rectangle 17">
+              <a:extLst>
+                <a:ext uri="{FF2B5EF4-FFF2-40B4-BE49-F238E27FC236}">
+                  <a16:creationId xmlns:a16="http://schemas.microsoft.com/office/drawing/2014/main" id="{EB32F2EA-DCD6-E043-942B-E3387D040FF1}"/>
+                </a:ext>
+              </a:extLst>
+            </p:cNvPr>
+            <p:cNvSpPr/>
+            <p:nvPr/>
+          </p:nvSpPr>
+          <p:spPr>
+            <a:xfrm>
+              <a:off x="6052155" y="3758734"/>
+              <a:ext cx="1193157" cy="541175"/>
+            </a:xfrm>
+            <a:prstGeom prst="rect">
+              <a:avLst/>
+            </a:prstGeom>
+          </p:spPr>
+          <p:style>
+            <a:lnRef idx="2">
+              <a:schemeClr val="accent1">
+                <a:shade val="50000"/>
+              </a:schemeClr>
+            </a:lnRef>
+            <a:fillRef idx="1">
+              <a:schemeClr val="accent1"/>
+            </a:fillRef>
+            <a:effectRef idx="0">
+              <a:schemeClr val="accent1"/>
+            </a:effectRef>
+            <a:fontRef idx="minor">
+              <a:schemeClr val="lt1"/>
+            </a:fontRef>
+          </p:style>
+          <p:txBody>
+            <a:bodyPr rtlCol="0" anchor="ctr"/>
+            <a:lstStyle/>
+            <a:p>
+              <a:pPr algn="ctr"/>
+              <a:r>
+                <a:rPr lang="en-US"/>
+                <a:t>Extensions</a:t>
+              </a:r>
+            </a:p>
+          </p:txBody>
+        </p:sp>
+        <p:sp>
+          <p:nvSpPr>
+            <p:cNvPr id="19" name="Rectangle 18">
+              <a:extLst>
+                <a:ext uri="{FF2B5EF4-FFF2-40B4-BE49-F238E27FC236}">
+                  <a16:creationId xmlns:a16="http://schemas.microsoft.com/office/drawing/2014/main" id="{71CAABAC-13D4-E744-AD71-C4F7343A6087}"/>
+                </a:ext>
+              </a:extLst>
+            </p:cNvPr>
+            <p:cNvSpPr/>
+            <p:nvPr/>
+          </p:nvSpPr>
+          <p:spPr>
+            <a:xfrm>
+              <a:off x="6042825" y="2961843"/>
+              <a:ext cx="1193157" cy="541175"/>
+            </a:xfrm>
+            <a:prstGeom prst="rect">
+              <a:avLst/>
+            </a:prstGeom>
+          </p:spPr>
+          <p:style>
+            <a:lnRef idx="2">
+              <a:schemeClr val="accent1">
+                <a:shade val="50000"/>
+              </a:schemeClr>
+            </a:lnRef>
+            <a:fillRef idx="1">
+              <a:schemeClr val="accent1"/>
+            </a:fillRef>
+            <a:effectRef idx="0">
+              <a:schemeClr val="accent1"/>
+            </a:effectRef>
+            <a:fontRef idx="minor">
+              <a:schemeClr val="lt1"/>
+            </a:fontRef>
+          </p:style>
+          <p:txBody>
+            <a:bodyPr rtlCol="0" anchor="ctr"/>
+            <a:lstStyle/>
+            <a:p>
+              <a:pPr algn="ctr"/>
+              <a:r>
+                <a:rPr lang="en-US"/>
+                <a:t>Standard</a:t>
+              </a:r>
+            </a:p>
+            <a:p>
+              <a:pPr algn="ctr"/>
+              <a:r>
+                <a:rPr lang="en-US"/>
+                <a:t>Library</a:t>
+              </a:r>
+            </a:p>
+          </p:txBody>
+        </p:sp>
+        <p:sp>
+          <p:nvSpPr>
+            <p:cNvPr id="21" name="ZoneTexte 20">
+              <a:extLst>
+                <a:ext uri="{FF2B5EF4-FFF2-40B4-BE49-F238E27FC236}">
+                  <a16:creationId xmlns:a16="http://schemas.microsoft.com/office/drawing/2014/main" id="{1248A07E-041D-7742-A94B-646768DD6C76}"/>
+                </a:ext>
+              </a:extLst>
+            </p:cNvPr>
+            <p:cNvSpPr txBox="1"/>
+            <p:nvPr/>
+          </p:nvSpPr>
+          <p:spPr>
+            <a:xfrm rot="5400000">
+              <a:off x="6517466" y="2649319"/>
+              <a:ext cx="357790" cy="369332"/>
+            </a:xfrm>
+            <a:prstGeom prst="rect">
+              <a:avLst/>
+            </a:prstGeom>
+            <a:noFill/>
+          </p:spPr>
+          <p:txBody>
+            <a:bodyPr wrap="none" rtlCol="0" anchor="ctr">
+              <a:spAutoFit/>
+            </a:bodyPr>
+            <a:lstStyle/>
+            <a:p>
+              <a:pPr algn="ctr"/>
+              <a:r>
+                <a:rPr lang="en-US"/>
+                <a:t>...</a:t>
+              </a:r>
+            </a:p>
+          </p:txBody>
+        </p:sp>
+        <p:sp>
+          <p:nvSpPr>
+            <p:cNvPr id="22" name="ZoneTexte 21">
+              <a:extLst>
+                <a:ext uri="{FF2B5EF4-FFF2-40B4-BE49-F238E27FC236}">
+                  <a16:creationId xmlns:a16="http://schemas.microsoft.com/office/drawing/2014/main" id="{A01E6AF0-D22A-EE4B-86A6-B725C16D1892}"/>
+                </a:ext>
+              </a:extLst>
+            </p:cNvPr>
+            <p:cNvSpPr txBox="1"/>
+            <p:nvPr/>
+          </p:nvSpPr>
+          <p:spPr>
+            <a:xfrm rot="5400000">
+              <a:off x="6517466" y="3459657"/>
+              <a:ext cx="357790" cy="369332"/>
+            </a:xfrm>
+            <a:prstGeom prst="rect">
+              <a:avLst/>
+            </a:prstGeom>
+            <a:noFill/>
+          </p:spPr>
+          <p:txBody>
+            <a:bodyPr wrap="none" rtlCol="0" anchor="ctr">
+              <a:spAutoFit/>
+            </a:bodyPr>
+            <a:lstStyle/>
+            <a:p>
+              <a:pPr algn="ctr"/>
+              <a:r>
+                <a:rPr lang="en-US"/>
+                <a:t>...</a:t>
+              </a:r>
+            </a:p>
+          </p:txBody>
+        </p:sp>
+        <p:sp>
+          <p:nvSpPr>
+            <p:cNvPr id="24" name="Rectangle 23">
+              <a:extLst>
+                <a:ext uri="{FF2B5EF4-FFF2-40B4-BE49-F238E27FC236}">
+                  <a16:creationId xmlns:a16="http://schemas.microsoft.com/office/drawing/2014/main" id="{2BCE35F7-5725-E040-AD57-104B27CF4FE2}"/>
+                </a:ext>
+              </a:extLst>
+            </p:cNvPr>
+            <p:cNvSpPr/>
+            <p:nvPr/>
+          </p:nvSpPr>
+          <p:spPr>
+            <a:xfrm>
+              <a:off x="8158124" y="2161210"/>
+              <a:ext cx="1600236" cy="4434462"/>
+            </a:xfrm>
+            <a:prstGeom prst="rect">
+              <a:avLst/>
+            </a:prstGeom>
+            <a:noFill/>
+            <a:ln>
+              <a:solidFill>
+                <a:schemeClr val="accent1"/>
+              </a:solidFill>
+            </a:ln>
+          </p:spPr>
+          <p:style>
+            <a:lnRef idx="0">
+              <a:schemeClr val="accent1"/>
+            </a:lnRef>
+            <a:fillRef idx="3">
+              <a:schemeClr val="accent1"/>
+            </a:fillRef>
+            <a:effectRef idx="3">
+              <a:schemeClr val="accent1"/>
+            </a:effectRef>
+            <a:fontRef idx="minor">
+              <a:schemeClr val="lt1"/>
+            </a:fontRef>
+          </p:style>
+          <p:txBody>
+            <a:bodyPr rot="0" spcFirstLastPara="0" vertOverflow="overflow" horzOverflow="overflow" vert="horz" wrap="square" lIns="91440" tIns="45720" rIns="91440" bIns="45720" numCol="1" spcCol="0" rtlCol="0" fromWordArt="0" anchor="ctr" anchorCtr="0" forceAA="0" compatLnSpc="1">
+              <a:prstTxWarp prst="textNoShape">
+                <a:avLst/>
+              </a:prstTxWarp>
+              <a:noAutofit/>
+            </a:bodyPr>
+            <a:lstStyle/>
+            <a:p>
+              <a:pPr algn="ctr"/>
+              <a:endParaRPr lang="en-US">
+                <a:ln w="0"/>
+                <a:solidFill>
+                  <a:schemeClr val="accent1"/>
+                </a:solidFill>
+                <a:effectLst>
+                  <a:outerShdw blurRad="38100" dist="25400" dir="5400000" algn="ctr" rotWithShape="0">
+                    <a:srgbClr val="6E747A">
+                      <a:alpha val="43000"/>
+                    </a:srgbClr>
+                  </a:outerShdw>
+                </a:effectLst>
+              </a:endParaRPr>
+            </a:p>
+          </p:txBody>
+        </p:sp>
+        <p:sp>
+          <p:nvSpPr>
+            <p:cNvPr id="25" name="ZoneTexte 24">
+              <a:extLst>
+                <a:ext uri="{FF2B5EF4-FFF2-40B4-BE49-F238E27FC236}">
+                  <a16:creationId xmlns:a16="http://schemas.microsoft.com/office/drawing/2014/main" id="{4ADC0A51-90C4-0047-8617-43E55AD6FB06}"/>
+                </a:ext>
+              </a:extLst>
+            </p:cNvPr>
+            <p:cNvSpPr txBox="1"/>
+            <p:nvPr/>
+          </p:nvSpPr>
+          <p:spPr>
+            <a:xfrm>
+              <a:off x="8250859" y="2244403"/>
+              <a:ext cx="428322" cy="369332"/>
+            </a:xfrm>
+            <a:prstGeom prst="rect">
+              <a:avLst/>
+            </a:prstGeom>
+            <a:noFill/>
+          </p:spPr>
+          <p:txBody>
+            <a:bodyPr wrap="none" rtlCol="0">
+              <a:spAutoFit/>
+            </a:bodyPr>
+            <a:lstStyle/>
+            <a:p>
+              <a:r>
+                <a:rPr lang="en-US">
+                  <a:solidFill>
+                    <a:schemeClr val="accent1"/>
+                  </a:solidFill>
+                </a:rPr>
+                <a:t>JIT</a:t>
+              </a:r>
+            </a:p>
+          </p:txBody>
+        </p:sp>
+        <p:sp>
+          <p:nvSpPr>
+            <p:cNvPr id="26" name="Rectangle 25">
+              <a:extLst>
+                <a:ext uri="{FF2B5EF4-FFF2-40B4-BE49-F238E27FC236}">
+                  <a16:creationId xmlns:a16="http://schemas.microsoft.com/office/drawing/2014/main" id="{1244D122-0F48-FE4B-91E5-4D49A016F711}"/>
+                </a:ext>
+              </a:extLst>
+            </p:cNvPr>
+            <p:cNvSpPr/>
+            <p:nvPr/>
+          </p:nvSpPr>
+          <p:spPr>
+            <a:xfrm>
+              <a:off x="8158124" y="1066799"/>
+              <a:ext cx="1600236" cy="1011101"/>
+            </a:xfrm>
+            <a:prstGeom prst="rect">
+              <a:avLst/>
+            </a:prstGeom>
+            <a:noFill/>
+            <a:ln>
+              <a:solidFill>
+                <a:schemeClr val="accent1"/>
+              </a:solidFill>
+            </a:ln>
+          </p:spPr>
+          <p:style>
+            <a:lnRef idx="0">
+              <a:schemeClr val="accent1"/>
+            </a:lnRef>
+            <a:fillRef idx="3">
+              <a:schemeClr val="accent1"/>
+            </a:fillRef>
+            <a:effectRef idx="3">
+              <a:schemeClr val="accent1"/>
+            </a:effectRef>
+            <a:fontRef idx="minor">
+              <a:schemeClr val="lt1"/>
+            </a:fontRef>
+          </p:style>
+          <p:txBody>
+            <a:bodyPr rot="0" spcFirstLastPara="0" vertOverflow="overflow" horzOverflow="overflow" vert="horz" wrap="square" lIns="91440" tIns="45720" rIns="91440" bIns="45720" numCol="1" spcCol="0" rtlCol="0" fromWordArt="0" anchor="ctr" anchorCtr="0" forceAA="0" compatLnSpc="1">
+              <a:prstTxWarp prst="textNoShape">
+                <a:avLst/>
+              </a:prstTxWarp>
+              <a:noAutofit/>
+            </a:bodyPr>
+            <a:lstStyle/>
+            <a:p>
+              <a:pPr algn="ctr"/>
+              <a:endParaRPr lang="en-US">
+                <a:ln w="0"/>
+                <a:solidFill>
+                  <a:schemeClr val="accent1"/>
+                </a:solidFill>
+                <a:effectLst>
+                  <a:outerShdw blurRad="38100" dist="25400" dir="5400000" algn="ctr" rotWithShape="0">
+                    <a:srgbClr val="6E747A">
+                      <a:alpha val="43000"/>
+                    </a:srgbClr>
+                  </a:outerShdw>
+                </a:effectLst>
+              </a:endParaRPr>
+            </a:p>
+          </p:txBody>
+        </p:sp>
+        <p:sp>
+          <p:nvSpPr>
+            <p:cNvPr id="28" name="ZoneTexte 27">
+              <a:extLst>
+                <a:ext uri="{FF2B5EF4-FFF2-40B4-BE49-F238E27FC236}">
+                  <a16:creationId xmlns:a16="http://schemas.microsoft.com/office/drawing/2014/main" id="{4FD63C3F-AED2-2E4A-9AD0-661E11853506}"/>
+                </a:ext>
+              </a:extLst>
+            </p:cNvPr>
+            <p:cNvSpPr txBox="1"/>
+            <p:nvPr/>
+          </p:nvSpPr>
+          <p:spPr>
+            <a:xfrm>
+              <a:off x="8232929" y="1066171"/>
+              <a:ext cx="308098" cy="369332"/>
+            </a:xfrm>
+            <a:prstGeom prst="rect">
+              <a:avLst/>
+            </a:prstGeom>
+            <a:noFill/>
+          </p:spPr>
+          <p:txBody>
+            <a:bodyPr wrap="none" rtlCol="0">
+              <a:spAutoFit/>
+            </a:bodyPr>
+            <a:lstStyle/>
+            <a:p>
+              <a:r>
+                <a:rPr lang="en-US">
+                  <a:solidFill>
+                    <a:schemeClr val="accent1"/>
+                  </a:solidFill>
+                </a:rPr>
+                <a:t>C</a:t>
+              </a:r>
+            </a:p>
+          </p:txBody>
+        </p:sp>
+        <p:cxnSp>
+          <p:nvCxnSpPr>
+            <p:cNvPr id="30" name="Connecteur droit avec flèche 29">
+              <a:extLst>
+                <a:ext uri="{FF2B5EF4-FFF2-40B4-BE49-F238E27FC236}">
+                  <a16:creationId xmlns:a16="http://schemas.microsoft.com/office/drawing/2014/main" id="{896ACE9D-8B7A-294C-BFAC-42A78BB58BDC}"/>
+                </a:ext>
+              </a:extLst>
+            </p:cNvPr>
+            <p:cNvCxnSpPr>
+              <a:stCxn id="4" idx="3"/>
+              <a:endCxn id="7" idx="1"/>
+            </p:cNvCxnSpPr>
+            <p:nvPr/>
+          </p:nvCxnSpPr>
+          <p:spPr>
+            <a:xfrm>
+              <a:off x="1519975" y="2956341"/>
+              <a:ext cx="357674" cy="0"/>
+            </a:xfrm>
+            <a:prstGeom prst="straightConnector1">
+              <a:avLst/>
+            </a:prstGeom>
+            <a:ln>
+              <a:tailEnd type="triangle"/>
+            </a:ln>
+          </p:spPr>
+          <p:style>
+            <a:lnRef idx="1">
+              <a:schemeClr val="accent1"/>
+            </a:lnRef>
+            <a:fillRef idx="0">
+              <a:schemeClr val="accent1"/>
+            </a:fillRef>
+            <a:effectRef idx="0">
+              <a:schemeClr val="accent1"/>
+            </a:effectRef>
+            <a:fontRef idx="minor">
+              <a:schemeClr val="tx1"/>
+            </a:fontRef>
+          </p:style>
+        </p:cxnSp>
+        <p:cxnSp>
+          <p:nvCxnSpPr>
+            <p:cNvPr id="31" name="Connecteur droit avec flèche 30">
+              <a:extLst>
+                <a:ext uri="{FF2B5EF4-FFF2-40B4-BE49-F238E27FC236}">
+                  <a16:creationId xmlns:a16="http://schemas.microsoft.com/office/drawing/2014/main" id="{7EB0A658-C4C9-D645-B434-DAFE49C1F647}"/>
+                </a:ext>
+              </a:extLst>
+            </p:cNvPr>
+            <p:cNvCxnSpPr>
+              <a:cxnSpLocks/>
+              <a:stCxn id="10" idx="3"/>
+              <a:endCxn id="9" idx="1"/>
+            </p:cNvCxnSpPr>
+            <p:nvPr/>
+          </p:nvCxnSpPr>
+          <p:spPr>
+            <a:xfrm>
+              <a:off x="1519974" y="3649916"/>
+              <a:ext cx="357674" cy="0"/>
+            </a:xfrm>
+            <a:prstGeom prst="straightConnector1">
+              <a:avLst/>
+            </a:prstGeom>
+            <a:ln>
+              <a:tailEnd type="triangle"/>
+            </a:ln>
+          </p:spPr>
+          <p:style>
+            <a:lnRef idx="1">
+              <a:schemeClr val="accent1"/>
+            </a:lnRef>
+            <a:fillRef idx="0">
+              <a:schemeClr val="accent1"/>
+            </a:fillRef>
+            <a:effectRef idx="0">
+              <a:schemeClr val="accent1"/>
+            </a:effectRef>
+            <a:fontRef idx="minor">
+              <a:schemeClr val="tx1"/>
+            </a:fontRef>
+          </p:style>
+        </p:cxnSp>
+        <p:cxnSp>
+          <p:nvCxnSpPr>
+            <p:cNvPr id="35" name="Connecteur droit avec flèche 34">
+              <a:extLst>
+                <a:ext uri="{FF2B5EF4-FFF2-40B4-BE49-F238E27FC236}">
+                  <a16:creationId xmlns:a16="http://schemas.microsoft.com/office/drawing/2014/main" id="{3442C3B1-84C9-3948-ADE2-F43C029F1F8B}"/>
+                </a:ext>
+              </a:extLst>
+            </p:cNvPr>
+            <p:cNvCxnSpPr>
+              <a:stCxn id="7" idx="3"/>
+              <a:endCxn id="8" idx="1"/>
+            </p:cNvCxnSpPr>
+            <p:nvPr/>
+          </p:nvCxnSpPr>
+          <p:spPr>
+            <a:xfrm flipV="1">
+              <a:off x="2754726" y="2956340"/>
+              <a:ext cx="161731" cy="1"/>
+            </a:xfrm>
+            <a:prstGeom prst="straightConnector1">
+              <a:avLst/>
+            </a:prstGeom>
+            <a:ln>
+              <a:tailEnd type="triangle"/>
+            </a:ln>
+          </p:spPr>
+          <p:style>
+            <a:lnRef idx="1">
+              <a:schemeClr val="accent1"/>
+            </a:lnRef>
+            <a:fillRef idx="0">
+              <a:schemeClr val="accent1"/>
+            </a:fillRef>
+            <a:effectRef idx="0">
+              <a:schemeClr val="accent1"/>
+            </a:effectRef>
+            <a:fontRef idx="minor">
+              <a:schemeClr val="tx1"/>
+            </a:fontRef>
+          </p:style>
+        </p:cxnSp>
+        <p:cxnSp>
+          <p:nvCxnSpPr>
+            <p:cNvPr id="37" name="Connecteur en angle 36">
+              <a:extLst>
+                <a:ext uri="{FF2B5EF4-FFF2-40B4-BE49-F238E27FC236}">
+                  <a16:creationId xmlns:a16="http://schemas.microsoft.com/office/drawing/2014/main" id="{0D0FE138-1DB8-AD4F-9A77-AAC604B5DD1D}"/>
+                </a:ext>
+              </a:extLst>
+            </p:cNvPr>
+            <p:cNvCxnSpPr>
+              <a:cxnSpLocks/>
+            </p:cNvCxnSpPr>
+            <p:nvPr/>
+          </p:nvCxnSpPr>
+          <p:spPr>
+            <a:xfrm flipH="1">
+              <a:off x="3671847" y="2956339"/>
+              <a:ext cx="1" cy="693576"/>
+            </a:xfrm>
+            <a:prstGeom prst="bentConnector3">
+              <a:avLst>
+                <a:gd name="adj1" fmla="val -22860000000"/>
+              </a:avLst>
+            </a:prstGeom>
+          </p:spPr>
+          <p:style>
+            <a:lnRef idx="1">
+              <a:schemeClr val="accent1"/>
+            </a:lnRef>
+            <a:fillRef idx="0">
+              <a:schemeClr val="accent1"/>
+            </a:fillRef>
+            <a:effectRef idx="0">
+              <a:schemeClr val="accent1"/>
+            </a:effectRef>
+            <a:fontRef idx="minor">
+              <a:schemeClr val="tx1"/>
+            </a:fontRef>
+          </p:style>
+        </p:cxnSp>
+        <p:cxnSp>
+          <p:nvCxnSpPr>
+            <p:cNvPr id="49" name="Connecteur droit avec flèche 48">
+              <a:extLst>
+                <a:ext uri="{FF2B5EF4-FFF2-40B4-BE49-F238E27FC236}">
+                  <a16:creationId xmlns:a16="http://schemas.microsoft.com/office/drawing/2014/main" id="{4298EEB6-296F-A141-A9F9-179A92FD9026}"/>
+                </a:ext>
+              </a:extLst>
+            </p:cNvPr>
+            <p:cNvCxnSpPr/>
+            <p:nvPr/>
+          </p:nvCxnSpPr>
+          <p:spPr>
+            <a:xfrm>
+              <a:off x="3908612" y="3266901"/>
+              <a:ext cx="276167" cy="0"/>
+            </a:xfrm>
+            <a:prstGeom prst="straightConnector1">
+              <a:avLst/>
+            </a:prstGeom>
+            <a:ln>
+              <a:tailEnd type="triangle"/>
+            </a:ln>
+          </p:spPr>
+          <p:style>
+            <a:lnRef idx="1">
+              <a:schemeClr val="accent1"/>
+            </a:lnRef>
+            <a:fillRef idx="0">
+              <a:schemeClr val="accent1"/>
+            </a:fillRef>
+            <a:effectRef idx="0">
+              <a:schemeClr val="accent1"/>
+            </a:effectRef>
+            <a:fontRef idx="minor">
+              <a:schemeClr val="tx1"/>
+            </a:fontRef>
+          </p:style>
+        </p:cxnSp>
+        <p:sp>
+          <p:nvSpPr>
+            <p:cNvPr id="50" name="ZoneTexte 49">
+              <a:extLst>
+                <a:ext uri="{FF2B5EF4-FFF2-40B4-BE49-F238E27FC236}">
+                  <a16:creationId xmlns:a16="http://schemas.microsoft.com/office/drawing/2014/main" id="{8F3B23D9-51C6-4940-B39E-8AC7E827E99D}"/>
+                </a:ext>
+              </a:extLst>
+            </p:cNvPr>
+            <p:cNvSpPr txBox="1"/>
+            <p:nvPr/>
+          </p:nvSpPr>
+          <p:spPr>
+            <a:xfrm>
+              <a:off x="3872461" y="3028159"/>
+              <a:ext cx="349776" cy="276999"/>
+            </a:xfrm>
+            <a:prstGeom prst="rect">
+              <a:avLst/>
+            </a:prstGeom>
+            <a:noFill/>
+          </p:spPr>
+          <p:txBody>
+            <a:bodyPr wrap="none" rtlCol="0">
+              <a:spAutoFit/>
+            </a:bodyPr>
+            <a:lstStyle/>
+            <a:p>
+              <a:r>
+                <a:rPr lang="en-US" sz="1200"/>
+                <a:t>BC</a:t>
+              </a:r>
+            </a:p>
+          </p:txBody>
+        </p:sp>
+        <p:cxnSp>
+          <p:nvCxnSpPr>
+            <p:cNvPr id="54" name="Connecteur droit avec flèche 53">
+              <a:extLst>
+                <a:ext uri="{FF2B5EF4-FFF2-40B4-BE49-F238E27FC236}">
+                  <a16:creationId xmlns:a16="http://schemas.microsoft.com/office/drawing/2014/main" id="{2F8A01E9-C333-AF49-8950-6696634D5E73}"/>
+                </a:ext>
+              </a:extLst>
+            </p:cNvPr>
+            <p:cNvCxnSpPr>
+              <a:cxnSpLocks/>
+              <a:endCxn id="17" idx="1"/>
+            </p:cNvCxnSpPr>
+            <p:nvPr/>
+          </p:nvCxnSpPr>
+          <p:spPr>
+            <a:xfrm>
+              <a:off x="5570192" y="2429069"/>
+              <a:ext cx="481963" cy="2729"/>
+            </a:xfrm>
+            <a:prstGeom prst="straightConnector1">
+              <a:avLst/>
+            </a:prstGeom>
+            <a:ln>
+              <a:tailEnd type="triangle"/>
+            </a:ln>
+          </p:spPr>
+          <p:style>
+            <a:lnRef idx="1">
+              <a:schemeClr val="accent1"/>
+            </a:lnRef>
+            <a:fillRef idx="0">
+              <a:schemeClr val="accent1"/>
+            </a:fillRef>
+            <a:effectRef idx="0">
+              <a:schemeClr val="accent1"/>
+            </a:effectRef>
+            <a:fontRef idx="minor">
+              <a:schemeClr val="tx1"/>
+            </a:fontRef>
+          </p:style>
+        </p:cxnSp>
+        <p:cxnSp>
+          <p:nvCxnSpPr>
+            <p:cNvPr id="55" name="Connecteur droit avec flèche 54">
+              <a:extLst>
+                <a:ext uri="{FF2B5EF4-FFF2-40B4-BE49-F238E27FC236}">
+                  <a16:creationId xmlns:a16="http://schemas.microsoft.com/office/drawing/2014/main" id="{8DFA152D-BC62-3641-B948-3626FFD0E553}"/>
+                </a:ext>
+              </a:extLst>
+            </p:cNvPr>
+            <p:cNvCxnSpPr>
+              <a:cxnSpLocks/>
+              <a:endCxn id="42" idx="1"/>
+            </p:cNvCxnSpPr>
+            <p:nvPr/>
+          </p:nvCxnSpPr>
+          <p:spPr>
+            <a:xfrm>
+              <a:off x="5618130" y="6207228"/>
+              <a:ext cx="2701236" cy="0"/>
+            </a:xfrm>
+            <a:prstGeom prst="straightConnector1">
+              <a:avLst/>
+            </a:prstGeom>
+            <a:ln>
+              <a:headEnd type="triangle"/>
+              <a:tailEnd type="none"/>
+            </a:ln>
+          </p:spPr>
+          <p:style>
+            <a:lnRef idx="1">
+              <a:schemeClr val="accent1"/>
+            </a:lnRef>
+            <a:fillRef idx="0">
+              <a:schemeClr val="accent1"/>
+            </a:fillRef>
+            <a:effectRef idx="0">
+              <a:schemeClr val="accent1"/>
+            </a:effectRef>
+            <a:fontRef idx="minor">
+              <a:schemeClr val="tx1"/>
+            </a:fontRef>
+          </p:style>
+        </p:cxnSp>
+        <p:sp>
+          <p:nvSpPr>
+            <p:cNvPr id="56" name="ZoneTexte 55">
+              <a:extLst>
+                <a:ext uri="{FF2B5EF4-FFF2-40B4-BE49-F238E27FC236}">
+                  <a16:creationId xmlns:a16="http://schemas.microsoft.com/office/drawing/2014/main" id="{CC53DB7F-E88E-8447-9304-12FB6D549F29}"/>
+                </a:ext>
+              </a:extLst>
+            </p:cNvPr>
+            <p:cNvSpPr txBox="1"/>
+            <p:nvPr/>
+          </p:nvSpPr>
+          <p:spPr>
+            <a:xfrm>
+              <a:off x="6101968" y="4384780"/>
+              <a:ext cx="1426288" cy="276999"/>
+            </a:xfrm>
+            <a:prstGeom prst="rect">
+              <a:avLst/>
+            </a:prstGeom>
+            <a:noFill/>
+          </p:spPr>
+          <p:txBody>
+            <a:bodyPr wrap="none" rtlCol="0">
+              <a:spAutoFit/>
+            </a:bodyPr>
+            <a:lstStyle/>
+            <a:p>
+              <a:r>
+                <a:rPr lang="en-US" sz="1200"/>
+                <a:t>Hot path detections</a:t>
+              </a:r>
+            </a:p>
+          </p:txBody>
+        </p:sp>
+        <p:cxnSp>
+          <p:nvCxnSpPr>
+            <p:cNvPr id="58" name="Connecteur droit avec flèche 57">
+              <a:extLst>
+                <a:ext uri="{FF2B5EF4-FFF2-40B4-BE49-F238E27FC236}">
+                  <a16:creationId xmlns:a16="http://schemas.microsoft.com/office/drawing/2014/main" id="{3BC5E954-7F22-DB40-95F6-249BA852FEE4}"/>
+                </a:ext>
+              </a:extLst>
+            </p:cNvPr>
+            <p:cNvCxnSpPr>
+              <a:cxnSpLocks/>
+              <a:stCxn id="17" idx="3"/>
+            </p:cNvCxnSpPr>
+            <p:nvPr/>
+          </p:nvCxnSpPr>
+          <p:spPr>
+            <a:xfrm flipV="1">
+              <a:off x="7245312" y="2431548"/>
+              <a:ext cx="903606" cy="250"/>
+            </a:xfrm>
+            <a:prstGeom prst="straightConnector1">
+              <a:avLst/>
+            </a:prstGeom>
+            <a:ln>
+              <a:tailEnd type="triangle"/>
+            </a:ln>
+          </p:spPr>
+          <p:style>
+            <a:lnRef idx="1">
+              <a:schemeClr val="accent1"/>
+            </a:lnRef>
+            <a:fillRef idx="0">
+              <a:schemeClr val="accent1"/>
+            </a:fillRef>
+            <a:effectRef idx="0">
+              <a:schemeClr val="accent1"/>
+            </a:effectRef>
+            <a:fontRef idx="minor">
+              <a:schemeClr val="tx1"/>
+            </a:fontRef>
+          </p:style>
+        </p:cxnSp>
+        <p:sp>
+          <p:nvSpPr>
+            <p:cNvPr id="64" name="ZoneTexte 63">
+              <a:extLst>
+                <a:ext uri="{FF2B5EF4-FFF2-40B4-BE49-F238E27FC236}">
+                  <a16:creationId xmlns:a16="http://schemas.microsoft.com/office/drawing/2014/main" id="{B78AFDFA-F081-FF41-95EE-B4A81825A25A}"/>
+                </a:ext>
+              </a:extLst>
+            </p:cNvPr>
+            <p:cNvSpPr txBox="1"/>
+            <p:nvPr/>
+          </p:nvSpPr>
+          <p:spPr>
+            <a:xfrm>
+              <a:off x="7397564" y="2200782"/>
+              <a:ext cx="564001" cy="276999"/>
+            </a:xfrm>
+            <a:prstGeom prst="rect">
+              <a:avLst/>
+            </a:prstGeom>
+            <a:noFill/>
+          </p:spPr>
+          <p:txBody>
+            <a:bodyPr wrap="none" rtlCol="0">
+              <a:spAutoFit/>
+            </a:bodyPr>
+            <a:lstStyle/>
+            <a:p>
+              <a:r>
+                <a:rPr lang="en-US" sz="1200"/>
+                <a:t>config</a:t>
+              </a:r>
+            </a:p>
+          </p:txBody>
+        </p:sp>
+        <p:sp>
+          <p:nvSpPr>
+            <p:cNvPr id="70" name="ZoneTexte 69">
+              <a:extLst>
+                <a:ext uri="{FF2B5EF4-FFF2-40B4-BE49-F238E27FC236}">
+                  <a16:creationId xmlns:a16="http://schemas.microsoft.com/office/drawing/2014/main" id="{C2839AD1-49EA-4744-83BD-D722966D5876}"/>
+                </a:ext>
+              </a:extLst>
+            </p:cNvPr>
+            <p:cNvSpPr txBox="1"/>
+            <p:nvPr/>
+          </p:nvSpPr>
+          <p:spPr>
+            <a:xfrm>
+              <a:off x="6334262" y="5958778"/>
+              <a:ext cx="920380" cy="276999"/>
+            </a:xfrm>
+            <a:prstGeom prst="rect">
+              <a:avLst/>
+            </a:prstGeom>
+            <a:noFill/>
+          </p:spPr>
+          <p:txBody>
+            <a:bodyPr wrap="none" rtlCol="0">
+              <a:spAutoFit/>
+            </a:bodyPr>
+            <a:lstStyle/>
+            <a:p>
+              <a:r>
+                <a:rPr lang="en-US" sz="1200"/>
+                <a:t>BC patching</a:t>
+              </a:r>
+            </a:p>
+          </p:txBody>
+        </p:sp>
+        <p:cxnSp>
+          <p:nvCxnSpPr>
+            <p:cNvPr id="71" name="Connecteur droit avec flèche 70">
+              <a:extLst>
+                <a:ext uri="{FF2B5EF4-FFF2-40B4-BE49-F238E27FC236}">
+                  <a16:creationId xmlns:a16="http://schemas.microsoft.com/office/drawing/2014/main" id="{E82B08F5-B596-B749-9B92-F3DF8DFE4650}"/>
+                </a:ext>
+              </a:extLst>
+            </p:cNvPr>
+            <p:cNvCxnSpPr>
+              <a:cxnSpLocks/>
+            </p:cNvCxnSpPr>
+            <p:nvPr/>
+          </p:nvCxnSpPr>
+          <p:spPr>
+            <a:xfrm>
+              <a:off x="5570192" y="1845304"/>
+              <a:ext cx="481963" cy="2729"/>
+            </a:xfrm>
+            <a:prstGeom prst="straightConnector1">
+              <a:avLst/>
+            </a:prstGeom>
+            <a:ln>
+              <a:tailEnd type="triangle"/>
+            </a:ln>
+          </p:spPr>
+          <p:style>
+            <a:lnRef idx="1">
+              <a:schemeClr val="accent1"/>
+            </a:lnRef>
+            <a:fillRef idx="0">
+              <a:schemeClr val="accent1"/>
+            </a:fillRef>
+            <a:effectRef idx="0">
+              <a:schemeClr val="accent1"/>
+            </a:effectRef>
+            <a:fontRef idx="minor">
+              <a:schemeClr val="tx1"/>
+            </a:fontRef>
+          </p:style>
+        </p:cxnSp>
+        <p:cxnSp>
+          <p:nvCxnSpPr>
+            <p:cNvPr id="72" name="Connecteur droit avec flèche 71">
+              <a:extLst>
+                <a:ext uri="{FF2B5EF4-FFF2-40B4-BE49-F238E27FC236}">
+                  <a16:creationId xmlns:a16="http://schemas.microsoft.com/office/drawing/2014/main" id="{0B6FCFA8-03B2-9347-B124-4C3354A8BE7E}"/>
+                </a:ext>
+              </a:extLst>
+            </p:cNvPr>
+            <p:cNvCxnSpPr>
+              <a:cxnSpLocks/>
+            </p:cNvCxnSpPr>
+            <p:nvPr/>
+          </p:nvCxnSpPr>
+          <p:spPr>
+            <a:xfrm>
+              <a:off x="7254642" y="1847417"/>
+              <a:ext cx="894276" cy="0"/>
+            </a:xfrm>
+            <a:prstGeom prst="straightConnector1">
+              <a:avLst/>
+            </a:prstGeom>
+            <a:ln>
+              <a:tailEnd type="triangle"/>
+            </a:ln>
+          </p:spPr>
+          <p:style>
+            <a:lnRef idx="1">
+              <a:schemeClr val="accent1"/>
+            </a:lnRef>
+            <a:fillRef idx="0">
+              <a:schemeClr val="accent1"/>
+            </a:fillRef>
+            <a:effectRef idx="0">
+              <a:schemeClr val="accent1"/>
+            </a:effectRef>
+            <a:fontRef idx="minor">
+              <a:schemeClr val="tx1"/>
+            </a:fontRef>
+          </p:style>
+        </p:cxnSp>
+        <p:sp>
+          <p:nvSpPr>
+            <p:cNvPr id="77" name="ZoneTexte 76">
+              <a:extLst>
+                <a:ext uri="{FF2B5EF4-FFF2-40B4-BE49-F238E27FC236}">
+                  <a16:creationId xmlns:a16="http://schemas.microsoft.com/office/drawing/2014/main" id="{568F4BF5-5BD7-504B-8C70-DC1CE9CFDD05}"/>
+                </a:ext>
+              </a:extLst>
+            </p:cNvPr>
+            <p:cNvSpPr txBox="1"/>
+            <p:nvPr/>
+          </p:nvSpPr>
+          <p:spPr>
+            <a:xfrm>
+              <a:off x="7415114" y="1608460"/>
+              <a:ext cx="393377" cy="276999"/>
+            </a:xfrm>
+            <a:prstGeom prst="rect">
+              <a:avLst/>
+            </a:prstGeom>
+            <a:noFill/>
+          </p:spPr>
+          <p:txBody>
+            <a:bodyPr wrap="none" rtlCol="0">
+              <a:spAutoFit/>
+            </a:bodyPr>
+            <a:lstStyle/>
+            <a:p>
+              <a:r>
+                <a:rPr lang="en-US" sz="1200"/>
+                <a:t>call</a:t>
+              </a:r>
+            </a:p>
+          </p:txBody>
+        </p:sp>
+        <p:sp>
+          <p:nvSpPr>
+            <p:cNvPr id="40" name="Rectangle 39">
+              <a:extLst>
+                <a:ext uri="{FF2B5EF4-FFF2-40B4-BE49-F238E27FC236}">
+                  <a16:creationId xmlns:a16="http://schemas.microsoft.com/office/drawing/2014/main" id="{4C1C4935-DD48-604C-964E-7916D624461A}"/>
+                </a:ext>
+              </a:extLst>
+            </p:cNvPr>
+            <p:cNvSpPr/>
+            <p:nvPr/>
+          </p:nvSpPr>
+          <p:spPr>
+            <a:xfrm>
+              <a:off x="8319366" y="4346382"/>
+              <a:ext cx="1276729" cy="541175"/>
+            </a:xfrm>
+            <a:prstGeom prst="rect">
+              <a:avLst/>
+            </a:prstGeom>
+          </p:spPr>
+          <p:style>
+            <a:lnRef idx="2">
+              <a:schemeClr val="accent1">
+                <a:shade val="50000"/>
+              </a:schemeClr>
+            </a:lnRef>
+            <a:fillRef idx="1">
+              <a:schemeClr val="accent1"/>
+            </a:fillRef>
+            <a:effectRef idx="0">
+              <a:schemeClr val="accent1"/>
+            </a:effectRef>
+            <a:fontRef idx="minor">
+              <a:schemeClr val="lt1"/>
+            </a:fontRef>
+          </p:style>
+          <p:txBody>
+            <a:bodyPr rtlCol="0" anchor="ctr"/>
+            <a:lstStyle/>
+            <a:p>
+              <a:pPr algn="ctr"/>
+              <a:r>
+                <a:rPr lang="en-US"/>
+                <a:t>Recorder</a:t>
+              </a:r>
+            </a:p>
+          </p:txBody>
+        </p:sp>
+        <p:sp>
+          <p:nvSpPr>
+            <p:cNvPr id="41" name="Rectangle 40">
+              <a:extLst>
+                <a:ext uri="{FF2B5EF4-FFF2-40B4-BE49-F238E27FC236}">
+                  <a16:creationId xmlns:a16="http://schemas.microsoft.com/office/drawing/2014/main" id="{D7A64019-54AC-1A45-866C-59ABB09EA597}"/>
+                </a:ext>
+              </a:extLst>
+            </p:cNvPr>
+            <p:cNvSpPr/>
+            <p:nvPr/>
+          </p:nvSpPr>
+          <p:spPr>
+            <a:xfrm>
+              <a:off x="8319366" y="5141511"/>
+              <a:ext cx="1276729" cy="541175"/>
+            </a:xfrm>
+            <a:prstGeom prst="rect">
+              <a:avLst/>
+            </a:prstGeom>
+          </p:spPr>
+          <p:style>
+            <a:lnRef idx="2">
+              <a:schemeClr val="accent1">
+                <a:shade val="50000"/>
+              </a:schemeClr>
+            </a:lnRef>
+            <a:fillRef idx="1">
+              <a:schemeClr val="accent1"/>
+            </a:fillRef>
+            <a:effectRef idx="0">
+              <a:schemeClr val="accent1"/>
+            </a:effectRef>
+            <a:fontRef idx="minor">
+              <a:schemeClr val="lt1"/>
+            </a:fontRef>
+          </p:style>
+          <p:txBody>
+            <a:bodyPr rtlCol="0" anchor="ctr"/>
+            <a:lstStyle/>
+            <a:p>
+              <a:pPr algn="ctr"/>
+              <a:r>
+                <a:rPr lang="en-US"/>
+                <a:t>Optimizer</a:t>
+              </a:r>
+            </a:p>
+          </p:txBody>
+        </p:sp>
+        <p:sp>
+          <p:nvSpPr>
+            <p:cNvPr id="42" name="Rectangle 41">
+              <a:extLst>
+                <a:ext uri="{FF2B5EF4-FFF2-40B4-BE49-F238E27FC236}">
+                  <a16:creationId xmlns:a16="http://schemas.microsoft.com/office/drawing/2014/main" id="{01646E6F-B293-A84D-8F4C-9B0525EF5FBA}"/>
+                </a:ext>
+              </a:extLst>
+            </p:cNvPr>
+            <p:cNvSpPr/>
+            <p:nvPr/>
+          </p:nvSpPr>
+          <p:spPr>
+            <a:xfrm>
+              <a:off x="8319366" y="5936640"/>
+              <a:ext cx="1276729" cy="541175"/>
+            </a:xfrm>
+            <a:prstGeom prst="rect">
+              <a:avLst/>
+            </a:prstGeom>
+          </p:spPr>
+          <p:style>
+            <a:lnRef idx="2">
+              <a:schemeClr val="accent1">
+                <a:shade val="50000"/>
+              </a:schemeClr>
+            </a:lnRef>
+            <a:fillRef idx="1">
+              <a:schemeClr val="accent1"/>
+            </a:fillRef>
+            <a:effectRef idx="0">
+              <a:schemeClr val="accent1"/>
+            </a:effectRef>
+            <a:fontRef idx="minor">
+              <a:schemeClr val="lt1"/>
+            </a:fontRef>
+          </p:style>
+          <p:txBody>
+            <a:bodyPr rtlCol="0" anchor="ctr"/>
+            <a:lstStyle/>
+            <a:p>
+              <a:pPr algn="ctr"/>
+              <a:r>
+                <a:rPr lang="en-US"/>
+                <a:t>assembler</a:t>
+              </a:r>
+            </a:p>
+          </p:txBody>
+        </p:sp>
+        <p:cxnSp>
+          <p:nvCxnSpPr>
+            <p:cNvPr id="62" name="Connecteur droit avec flèche 61">
+              <a:extLst>
+                <a:ext uri="{FF2B5EF4-FFF2-40B4-BE49-F238E27FC236}">
+                  <a16:creationId xmlns:a16="http://schemas.microsoft.com/office/drawing/2014/main" id="{A6515B71-7101-B74B-8D39-F7A3069A256D}"/>
+                </a:ext>
+              </a:extLst>
+            </p:cNvPr>
+            <p:cNvCxnSpPr>
+              <a:cxnSpLocks/>
+              <a:endCxn id="40" idx="1"/>
+            </p:cNvCxnSpPr>
+            <p:nvPr/>
+          </p:nvCxnSpPr>
+          <p:spPr>
+            <a:xfrm>
+              <a:off x="5618130" y="4616970"/>
+              <a:ext cx="2701236" cy="0"/>
+            </a:xfrm>
+            <a:prstGeom prst="straightConnector1">
+              <a:avLst/>
+            </a:prstGeom>
+            <a:ln>
+              <a:tailEnd type="triangle"/>
+            </a:ln>
+          </p:spPr>
+          <p:style>
+            <a:lnRef idx="1">
+              <a:schemeClr val="accent1"/>
+            </a:lnRef>
+            <a:fillRef idx="0">
+              <a:schemeClr val="accent1"/>
+            </a:fillRef>
+            <a:effectRef idx="0">
+              <a:schemeClr val="accent1"/>
+            </a:effectRef>
+            <a:fontRef idx="minor">
+              <a:schemeClr val="tx1"/>
+            </a:fontRef>
+          </p:style>
+        </p:cxnSp>
+        <p:cxnSp>
+          <p:nvCxnSpPr>
+            <p:cNvPr id="51" name="Connecteur droit avec flèche 50">
+              <a:extLst>
+                <a:ext uri="{FF2B5EF4-FFF2-40B4-BE49-F238E27FC236}">
+                  <a16:creationId xmlns:a16="http://schemas.microsoft.com/office/drawing/2014/main" id="{48B793EE-1177-9C47-8AAF-CF38AEE1F9E1}"/>
+                </a:ext>
+              </a:extLst>
+            </p:cNvPr>
+            <p:cNvCxnSpPr>
+              <a:cxnSpLocks/>
+              <a:stCxn id="40" idx="2"/>
+              <a:endCxn id="41" idx="0"/>
+            </p:cNvCxnSpPr>
+            <p:nvPr/>
+          </p:nvCxnSpPr>
+          <p:spPr>
+            <a:xfrm>
+              <a:off x="8957731" y="4887557"/>
+              <a:ext cx="0" cy="253954"/>
+            </a:xfrm>
+            <a:prstGeom prst="straightConnector1">
+              <a:avLst/>
+            </a:prstGeom>
+            <a:ln>
+              <a:tailEnd type="triangle"/>
+            </a:ln>
+          </p:spPr>
+          <p:style>
+            <a:lnRef idx="1">
+              <a:schemeClr val="accent1"/>
+            </a:lnRef>
+            <a:fillRef idx="0">
+              <a:schemeClr val="accent1"/>
+            </a:fillRef>
+            <a:effectRef idx="0">
+              <a:schemeClr val="accent1"/>
+            </a:effectRef>
+            <a:fontRef idx="minor">
+              <a:schemeClr val="tx1"/>
+            </a:fontRef>
+          </p:style>
+        </p:cxnSp>
+        <p:cxnSp>
+          <p:nvCxnSpPr>
+            <p:cNvPr id="52" name="Connecteur droit avec flèche 51">
+              <a:extLst>
+                <a:ext uri="{FF2B5EF4-FFF2-40B4-BE49-F238E27FC236}">
+                  <a16:creationId xmlns:a16="http://schemas.microsoft.com/office/drawing/2014/main" id="{ACFB1B12-116F-444A-963D-B0E22EAB7FC5}"/>
+                </a:ext>
+              </a:extLst>
+            </p:cNvPr>
+            <p:cNvCxnSpPr>
+              <a:cxnSpLocks/>
+            </p:cNvCxnSpPr>
+            <p:nvPr/>
+          </p:nvCxnSpPr>
+          <p:spPr>
+            <a:xfrm>
+              <a:off x="8953841" y="5682686"/>
+              <a:ext cx="0" cy="253954"/>
+            </a:xfrm>
+            <a:prstGeom prst="straightConnector1">
+              <a:avLst/>
+            </a:prstGeom>
+            <a:ln>
+              <a:tailEnd type="triangle"/>
+            </a:ln>
+          </p:spPr>
+          <p:style>
+            <a:lnRef idx="1">
+              <a:schemeClr val="accent1"/>
+            </a:lnRef>
+            <a:fillRef idx="0">
+              <a:schemeClr val="accent1"/>
+            </a:fillRef>
+            <a:effectRef idx="0">
+              <a:schemeClr val="accent1"/>
+            </a:effectRef>
+            <a:fontRef idx="minor">
+              <a:schemeClr val="tx1"/>
+            </a:fontRef>
+          </p:style>
+        </p:cxnSp>
+        <p:sp>
+          <p:nvSpPr>
+            <p:cNvPr id="57" name="ZoneTexte 56">
+              <a:extLst>
+                <a:ext uri="{FF2B5EF4-FFF2-40B4-BE49-F238E27FC236}">
+                  <a16:creationId xmlns:a16="http://schemas.microsoft.com/office/drawing/2014/main" id="{4E7CC2DF-B292-204C-87B0-A10159616D9F}"/>
+                </a:ext>
+              </a:extLst>
+            </p:cNvPr>
+            <p:cNvSpPr txBox="1"/>
+            <p:nvPr/>
+          </p:nvSpPr>
+          <p:spPr>
+            <a:xfrm>
+              <a:off x="8953841" y="4885154"/>
+              <a:ext cx="306494" cy="276999"/>
+            </a:xfrm>
+            <a:prstGeom prst="rect">
+              <a:avLst/>
+            </a:prstGeom>
+            <a:noFill/>
+          </p:spPr>
+          <p:txBody>
+            <a:bodyPr wrap="none" rtlCol="0">
+              <a:spAutoFit/>
+            </a:bodyPr>
+            <a:lstStyle/>
+            <a:p>
+              <a:r>
+                <a:rPr lang="en-US" sz="1200"/>
+                <a:t>IR</a:t>
+              </a:r>
+            </a:p>
+          </p:txBody>
+        </p:sp>
+        <p:sp>
+          <p:nvSpPr>
+            <p:cNvPr id="59" name="ZoneTexte 58">
+              <a:extLst>
+                <a:ext uri="{FF2B5EF4-FFF2-40B4-BE49-F238E27FC236}">
+                  <a16:creationId xmlns:a16="http://schemas.microsoft.com/office/drawing/2014/main" id="{C1C23FB8-F3C5-DB4D-9B78-BC8806E88807}"/>
+                </a:ext>
+              </a:extLst>
+            </p:cNvPr>
+            <p:cNvSpPr txBox="1"/>
+            <p:nvPr/>
+          </p:nvSpPr>
+          <p:spPr>
+            <a:xfrm>
+              <a:off x="8955812" y="5670070"/>
+              <a:ext cx="306494" cy="276999"/>
+            </a:xfrm>
+            <a:prstGeom prst="rect">
+              <a:avLst/>
+            </a:prstGeom>
+            <a:noFill/>
+          </p:spPr>
+          <p:txBody>
+            <a:bodyPr wrap="none" rtlCol="0">
+              <a:spAutoFit/>
+            </a:bodyPr>
+            <a:lstStyle/>
+            <a:p>
+              <a:r>
+                <a:rPr lang="en-US" sz="1200"/>
+                <a:t>IR</a:t>
+              </a:r>
+            </a:p>
+          </p:txBody>
+        </p:sp>
+        <p:sp>
+          <p:nvSpPr>
+            <p:cNvPr id="60" name="ZoneTexte 59">
+              <a:extLst>
+                <a:ext uri="{FF2B5EF4-FFF2-40B4-BE49-F238E27FC236}">
+                  <a16:creationId xmlns:a16="http://schemas.microsoft.com/office/drawing/2014/main" id="{6896D581-003B-394F-8E37-C7AB6B3E4E8C}"/>
+                </a:ext>
+              </a:extLst>
+            </p:cNvPr>
+            <p:cNvSpPr txBox="1"/>
+            <p:nvPr/>
+          </p:nvSpPr>
+          <p:spPr>
+            <a:xfrm>
+              <a:off x="7861301" y="5958778"/>
+              <a:ext cx="349776" cy="276999"/>
+            </a:xfrm>
+            <a:prstGeom prst="rect">
+              <a:avLst/>
+            </a:prstGeom>
+            <a:noFill/>
+          </p:spPr>
+          <p:txBody>
+            <a:bodyPr wrap="none" rtlCol="0">
+              <a:spAutoFit/>
+            </a:bodyPr>
+            <a:lstStyle/>
+            <a:p>
+              <a:r>
+                <a:rPr lang="en-US" sz="1200"/>
+                <a:t>BC</a:t>
+              </a:r>
+            </a:p>
+          </p:txBody>
+        </p:sp>
+      </p:grpSp>
     </p:spTree>
     <p:extLst>
       <p:ext uri="{BB962C8B-B14F-4D97-AF65-F5344CB8AC3E}">
@@ -4862,905 +5585,897 @@
           <a:chExt cx="0" cy="0"/>
         </a:xfrm>
       </p:grpSpPr>
-      <p:sp>
-        <p:nvSpPr>
-          <p:cNvPr id="5" name="Rectangle 4">
-            <a:extLst>
-              <a:ext uri="{FF2B5EF4-FFF2-40B4-BE49-F238E27FC236}">
-                <a16:creationId xmlns:a16="http://schemas.microsoft.com/office/drawing/2014/main" id="{CD27A7F1-40F6-BB43-9119-130A14989202}"/>
-              </a:ext>
-            </a:extLst>
-          </p:cNvPr>
-          <p:cNvSpPr/>
+      <p:grpSp>
+        <p:nvGrpSpPr>
+          <p:cNvPr id="2" name="Groupe 1">
+            <a:extLst>
+              <a:ext uri="{FF2B5EF4-FFF2-40B4-BE49-F238E27FC236}">
+                <a16:creationId xmlns:a16="http://schemas.microsoft.com/office/drawing/2014/main" id="{DB866544-93DF-B046-88E5-3E8CAE31B16E}"/>
+              </a:ext>
+            </a:extLst>
+          </p:cNvPr>
+          <p:cNvGrpSpPr/>
           <p:nvPr/>
-        </p:nvSpPr>
-        <p:spPr>
+        </p:nvGrpSpPr>
+        <p:grpSpPr>
           <a:xfrm>
             <a:off x="1703295" y="1197047"/>
             <a:ext cx="3478306" cy="3321166"/>
+            <a:chOff x="1703295" y="1197047"/>
+            <a:chExt cx="3478306" cy="3321166"/>
           </a:xfrm>
-          <a:prstGeom prst="rect">
-            <a:avLst/>
-          </a:prstGeom>
-          <a:noFill/>
-          <a:ln>
-            <a:solidFill>
-              <a:schemeClr val="accent1"/>
-            </a:solidFill>
-          </a:ln>
-        </p:spPr>
-        <p:style>
-          <a:lnRef idx="0">
-            <a:schemeClr val="accent1"/>
-          </a:lnRef>
-          <a:fillRef idx="3">
-            <a:schemeClr val="accent1"/>
-          </a:fillRef>
-          <a:effectRef idx="3">
-            <a:schemeClr val="accent1"/>
-          </a:effectRef>
-          <a:fontRef idx="minor">
-            <a:schemeClr val="lt1"/>
-          </a:fontRef>
-        </p:style>
-        <p:txBody>
-          <a:bodyPr rot="0" spcFirstLastPara="0" vertOverflow="overflow" horzOverflow="overflow" vert="horz" wrap="square" lIns="91440" tIns="45720" rIns="91440" bIns="45720" numCol="1" spcCol="0" rtlCol="0" fromWordArt="0" anchor="ctr" anchorCtr="0" forceAA="0" compatLnSpc="1">
-            <a:prstTxWarp prst="textNoShape">
+        </p:grpSpPr>
+        <p:sp>
+          <p:nvSpPr>
+            <p:cNvPr id="5" name="Rectangle 4">
+              <a:extLst>
+                <a:ext uri="{FF2B5EF4-FFF2-40B4-BE49-F238E27FC236}">
+                  <a16:creationId xmlns:a16="http://schemas.microsoft.com/office/drawing/2014/main" id="{CD27A7F1-40F6-BB43-9119-130A14989202}"/>
+                </a:ext>
+              </a:extLst>
+            </p:cNvPr>
+            <p:cNvSpPr/>
+            <p:nvPr/>
+          </p:nvSpPr>
+          <p:spPr>
+            <a:xfrm>
+              <a:off x="1703295" y="1197047"/>
+              <a:ext cx="3478306" cy="3321166"/>
+            </a:xfrm>
+            <a:prstGeom prst="rect">
               <a:avLst/>
-            </a:prstTxWarp>
-            <a:noAutofit/>
-          </a:bodyPr>
-          <a:lstStyle/>
-          <a:p>
-            <a:pPr algn="ctr"/>
-            <a:endParaRPr lang="fr-FR" dirty="0">
-              <a:ln w="0"/>
+            </a:prstGeom>
+            <a:noFill/>
+            <a:ln>
               <a:solidFill>
                 <a:schemeClr val="accent1"/>
               </a:solidFill>
-              <a:effectLst>
-                <a:outerShdw blurRad="38100" dist="25400" dir="5400000" algn="ctr" rotWithShape="0">
-                  <a:srgbClr val="6E747A">
-                    <a:alpha val="43000"/>
-                  </a:srgbClr>
-                </a:outerShdw>
-              </a:effectLst>
-            </a:endParaRPr>
-          </a:p>
-        </p:txBody>
-      </p:sp>
-      <p:sp>
-        <p:nvSpPr>
-          <p:cNvPr id="6" name="ZoneTexte 5">
-            <a:extLst>
-              <a:ext uri="{FF2B5EF4-FFF2-40B4-BE49-F238E27FC236}">
-                <a16:creationId xmlns:a16="http://schemas.microsoft.com/office/drawing/2014/main" id="{2F2B926D-E217-4F41-BFA2-1CA00715AAE9}"/>
-              </a:ext>
-            </a:extLst>
-          </p:cNvPr>
-          <p:cNvSpPr txBox="1"/>
-          <p:nvPr/>
-        </p:nvSpPr>
-        <p:spPr>
-          <a:xfrm>
-            <a:off x="1824676" y="1197047"/>
-            <a:ext cx="657552" cy="369332"/>
-          </a:xfrm>
-          <a:prstGeom prst="rect">
-            <a:avLst/>
-          </a:prstGeom>
-          <a:noFill/>
-        </p:spPr>
-        <p:txBody>
-          <a:bodyPr wrap="none" rtlCol="0">
-            <a:spAutoFit/>
-          </a:bodyPr>
-          <a:lstStyle/>
-          <a:p>
-            <a:r>
-              <a:rPr lang="fr-FR" dirty="0">
+            </a:ln>
+          </p:spPr>
+          <p:style>
+            <a:lnRef idx="0">
+              <a:schemeClr val="accent1"/>
+            </a:lnRef>
+            <a:fillRef idx="3">
+              <a:schemeClr val="accent1"/>
+            </a:fillRef>
+            <a:effectRef idx="3">
+              <a:schemeClr val="accent1"/>
+            </a:effectRef>
+            <a:fontRef idx="minor">
+              <a:schemeClr val="lt1"/>
+            </a:fontRef>
+          </p:style>
+          <p:txBody>
+            <a:bodyPr rot="0" spcFirstLastPara="0" vertOverflow="overflow" horzOverflow="overflow" vert="horz" wrap="square" lIns="91440" tIns="45720" rIns="91440" bIns="45720" numCol="1" spcCol="0" rtlCol="0" fromWordArt="0" anchor="ctr" anchorCtr="0" forceAA="0" compatLnSpc="1">
+              <a:prstTxWarp prst="textNoShape">
+                <a:avLst/>
+              </a:prstTxWarp>
+              <a:noAutofit/>
+            </a:bodyPr>
+            <a:lstStyle/>
+            <a:p>
+              <a:pPr algn="ctr"/>
+              <a:endParaRPr lang="en-US">
+                <a:ln w="0"/>
                 <a:solidFill>
                   <a:schemeClr val="accent1"/>
                 </a:solidFill>
-              </a:rPr>
-              <a:t>MAD</a:t>
-            </a:r>
-          </a:p>
-        </p:txBody>
-      </p:sp>
-      <p:sp>
-        <p:nvSpPr>
-          <p:cNvPr id="8" name="Rectangle 7">
-            <a:extLst>
-              <a:ext uri="{FF2B5EF4-FFF2-40B4-BE49-F238E27FC236}">
-                <a16:creationId xmlns:a16="http://schemas.microsoft.com/office/drawing/2014/main" id="{65A1B43A-5971-5549-8FD4-DBA8354CC96B}"/>
-              </a:ext>
-            </a:extLst>
-          </p:cNvPr>
-          <p:cNvSpPr/>
-          <p:nvPr/>
-        </p:nvSpPr>
-        <p:spPr>
-          <a:xfrm>
-            <a:off x="1913976" y="1957167"/>
-            <a:ext cx="1323930" cy="828012"/>
-          </a:xfrm>
-          <a:prstGeom prst="rect">
-            <a:avLst/>
-          </a:prstGeom>
-        </p:spPr>
-        <p:style>
-          <a:lnRef idx="2">
-            <a:schemeClr val="accent1">
-              <a:shade val="50000"/>
-            </a:schemeClr>
-          </a:lnRef>
-          <a:fillRef idx="1">
-            <a:schemeClr val="accent1"/>
-          </a:fillRef>
-          <a:effectRef idx="0">
-            <a:schemeClr val="accent1"/>
-          </a:effectRef>
-          <a:fontRef idx="minor">
-            <a:schemeClr val="lt1"/>
-          </a:fontRef>
-        </p:style>
-        <p:txBody>
-          <a:bodyPr rtlCol="0" anchor="ctr"/>
-          <a:lstStyle/>
-          <a:p>
-            <a:pPr algn="ctr"/>
-            <a:endParaRPr lang="fr-FR" dirty="0"/>
-          </a:p>
-        </p:txBody>
-      </p:sp>
-      <p:sp>
-        <p:nvSpPr>
-          <p:cNvPr id="10" name="Rectangle 9">
-            <a:extLst>
-              <a:ext uri="{FF2B5EF4-FFF2-40B4-BE49-F238E27FC236}">
-                <a16:creationId xmlns:a16="http://schemas.microsoft.com/office/drawing/2014/main" id="{FB4216C4-7864-3B46-A906-347C2A69D339}"/>
-              </a:ext>
-            </a:extLst>
-          </p:cNvPr>
-          <p:cNvSpPr/>
-          <p:nvPr/>
-        </p:nvSpPr>
-        <p:spPr>
-          <a:xfrm>
-            <a:off x="1842644" y="1566379"/>
-            <a:ext cx="3168627" cy="1356115"/>
-          </a:xfrm>
-          <a:prstGeom prst="rect">
-            <a:avLst/>
-          </a:prstGeom>
-          <a:noFill/>
-          <a:ln>
-            <a:solidFill>
-              <a:schemeClr val="accent1"/>
-            </a:solidFill>
-            <a:prstDash val="dash"/>
-          </a:ln>
-        </p:spPr>
-        <p:style>
-          <a:lnRef idx="0">
-            <a:schemeClr val="accent1"/>
-          </a:lnRef>
-          <a:fillRef idx="3">
-            <a:schemeClr val="accent1"/>
-          </a:fillRef>
-          <a:effectRef idx="3">
-            <a:schemeClr val="accent1"/>
-          </a:effectRef>
-          <a:fontRef idx="minor">
-            <a:schemeClr val="lt1"/>
-          </a:fontRef>
-        </p:style>
-        <p:txBody>
-          <a:bodyPr rot="0" spcFirstLastPara="0" vertOverflow="overflow" horzOverflow="overflow" vert="horz" wrap="square" lIns="91440" tIns="45720" rIns="91440" bIns="45720" numCol="1" spcCol="0" rtlCol="0" fromWordArt="0" anchor="ctr" anchorCtr="0" forceAA="0" compatLnSpc="1">
-            <a:prstTxWarp prst="textNoShape">
+                <a:effectLst>
+                  <a:outerShdw blurRad="38100" dist="25400" dir="5400000" algn="ctr" rotWithShape="0">
+                    <a:srgbClr val="6E747A">
+                      <a:alpha val="43000"/>
+                    </a:srgbClr>
+                  </a:outerShdw>
+                </a:effectLst>
+              </a:endParaRPr>
+            </a:p>
+          </p:txBody>
+        </p:sp>
+        <p:sp>
+          <p:nvSpPr>
+            <p:cNvPr id="6" name="ZoneTexte 5">
+              <a:extLst>
+                <a:ext uri="{FF2B5EF4-FFF2-40B4-BE49-F238E27FC236}">
+                  <a16:creationId xmlns:a16="http://schemas.microsoft.com/office/drawing/2014/main" id="{2F2B926D-E217-4F41-BFA2-1CA00715AAE9}"/>
+                </a:ext>
+              </a:extLst>
+            </p:cNvPr>
+            <p:cNvSpPr txBox="1"/>
+            <p:nvPr/>
+          </p:nvSpPr>
+          <p:spPr>
+            <a:xfrm>
+              <a:off x="1824676" y="1197047"/>
+              <a:ext cx="657552" cy="369332"/>
+            </a:xfrm>
+            <a:prstGeom prst="rect">
               <a:avLst/>
-            </a:prstTxWarp>
-            <a:noAutofit/>
-          </a:bodyPr>
-          <a:lstStyle/>
-          <a:p>
-            <a:pPr algn="ctr"/>
-            <a:endParaRPr lang="fr-FR">
-              <a:ln w="0"/>
+            </a:prstGeom>
+            <a:noFill/>
+          </p:spPr>
+          <p:txBody>
+            <a:bodyPr wrap="none" rtlCol="0">
+              <a:spAutoFit/>
+            </a:bodyPr>
+            <a:lstStyle/>
+            <a:p>
+              <a:r>
+                <a:rPr lang="en-US">
+                  <a:solidFill>
+                    <a:schemeClr val="accent1"/>
+                  </a:solidFill>
+                </a:rPr>
+                <a:t>MAD</a:t>
+              </a:r>
+            </a:p>
+          </p:txBody>
+        </p:sp>
+        <p:sp>
+          <p:nvSpPr>
+            <p:cNvPr id="8" name="Rectangle 7">
+              <a:extLst>
+                <a:ext uri="{FF2B5EF4-FFF2-40B4-BE49-F238E27FC236}">
+                  <a16:creationId xmlns:a16="http://schemas.microsoft.com/office/drawing/2014/main" id="{65A1B43A-5971-5549-8FD4-DBA8354CC96B}"/>
+                </a:ext>
+              </a:extLst>
+            </p:cNvPr>
+            <p:cNvSpPr/>
+            <p:nvPr/>
+          </p:nvSpPr>
+          <p:spPr>
+            <a:xfrm>
+              <a:off x="1913976" y="1957167"/>
+              <a:ext cx="1323930" cy="828012"/>
+            </a:xfrm>
+            <a:prstGeom prst="rect">
+              <a:avLst/>
+            </a:prstGeom>
+          </p:spPr>
+          <p:style>
+            <a:lnRef idx="2">
+              <a:schemeClr val="accent1">
+                <a:shade val="50000"/>
+              </a:schemeClr>
+            </a:lnRef>
+            <a:fillRef idx="1">
+              <a:schemeClr val="accent1"/>
+            </a:fillRef>
+            <a:effectRef idx="0">
+              <a:schemeClr val="accent1"/>
+            </a:effectRef>
+            <a:fontRef idx="minor">
+              <a:schemeClr val="lt1"/>
+            </a:fontRef>
+          </p:style>
+          <p:txBody>
+            <a:bodyPr rtlCol="0" anchor="ctr"/>
+            <a:lstStyle/>
+            <a:p>
+              <a:pPr algn="ctr"/>
+              <a:endParaRPr lang="en-US"/>
+            </a:p>
+          </p:txBody>
+        </p:sp>
+        <p:sp>
+          <p:nvSpPr>
+            <p:cNvPr id="10" name="Rectangle 9">
+              <a:extLst>
+                <a:ext uri="{FF2B5EF4-FFF2-40B4-BE49-F238E27FC236}">
+                  <a16:creationId xmlns:a16="http://schemas.microsoft.com/office/drawing/2014/main" id="{FB4216C4-7864-3B46-A906-347C2A69D339}"/>
+                </a:ext>
+              </a:extLst>
+            </p:cNvPr>
+            <p:cNvSpPr/>
+            <p:nvPr/>
+          </p:nvSpPr>
+          <p:spPr>
+            <a:xfrm>
+              <a:off x="1842644" y="1566379"/>
+              <a:ext cx="3168627" cy="1356115"/>
+            </a:xfrm>
+            <a:prstGeom prst="rect">
+              <a:avLst/>
+            </a:prstGeom>
+            <a:noFill/>
+            <a:ln>
               <a:solidFill>
                 <a:schemeClr val="accent1"/>
               </a:solidFill>
-              <a:effectLst>
-                <a:outerShdw blurRad="38100" dist="25400" dir="5400000" algn="ctr" rotWithShape="0">
-                  <a:srgbClr val="6E747A">
-                    <a:alpha val="43000"/>
-                  </a:srgbClr>
-                </a:outerShdw>
-              </a:effectLst>
-            </a:endParaRPr>
-          </a:p>
-        </p:txBody>
-      </p:sp>
-      <p:sp>
-        <p:nvSpPr>
-          <p:cNvPr id="11" name="Rectangle 10">
-            <a:extLst>
-              <a:ext uri="{FF2B5EF4-FFF2-40B4-BE49-F238E27FC236}">
-                <a16:creationId xmlns:a16="http://schemas.microsoft.com/office/drawing/2014/main" id="{CDBFA2AD-F54C-A24C-8B70-DE2888C601A4}"/>
-              </a:ext>
-            </a:extLst>
-          </p:cNvPr>
-          <p:cNvSpPr/>
-          <p:nvPr/>
-        </p:nvSpPr>
-        <p:spPr>
-          <a:xfrm>
-            <a:off x="1858770" y="3018945"/>
-            <a:ext cx="3168627" cy="1356115"/>
-          </a:xfrm>
-          <a:prstGeom prst="rect">
-            <a:avLst/>
-          </a:prstGeom>
-          <a:noFill/>
-          <a:ln>
-            <a:solidFill>
-              <a:schemeClr val="accent1"/>
-            </a:solidFill>
-            <a:prstDash val="dash"/>
-          </a:ln>
-        </p:spPr>
-        <p:style>
-          <a:lnRef idx="0">
-            <a:schemeClr val="accent1"/>
-          </a:lnRef>
-          <a:fillRef idx="3">
-            <a:schemeClr val="accent1"/>
-          </a:fillRef>
-          <a:effectRef idx="3">
-            <a:schemeClr val="accent1"/>
-          </a:effectRef>
-          <a:fontRef idx="minor">
-            <a:schemeClr val="lt1"/>
-          </a:fontRef>
-        </p:style>
-        <p:txBody>
-          <a:bodyPr rot="0" spcFirstLastPara="0" vertOverflow="overflow" horzOverflow="overflow" vert="horz" wrap="square" lIns="91440" tIns="45720" rIns="91440" bIns="45720" numCol="1" spcCol="0" rtlCol="0" fromWordArt="0" anchor="ctr" anchorCtr="0" forceAA="0" compatLnSpc="1">
-            <a:prstTxWarp prst="textNoShape">
+              <a:prstDash val="dash"/>
+            </a:ln>
+          </p:spPr>
+          <p:style>
+            <a:lnRef idx="0">
+              <a:schemeClr val="accent1"/>
+            </a:lnRef>
+            <a:fillRef idx="3">
+              <a:schemeClr val="accent1"/>
+            </a:fillRef>
+            <a:effectRef idx="3">
+              <a:schemeClr val="accent1"/>
+            </a:effectRef>
+            <a:fontRef idx="minor">
+              <a:schemeClr val="lt1"/>
+            </a:fontRef>
+          </p:style>
+          <p:txBody>
+            <a:bodyPr rot="0" spcFirstLastPara="0" vertOverflow="overflow" horzOverflow="overflow" vert="horz" wrap="square" lIns="91440" tIns="45720" rIns="91440" bIns="45720" numCol="1" spcCol="0" rtlCol="0" fromWordArt="0" anchor="ctr" anchorCtr="0" forceAA="0" compatLnSpc="1">
+              <a:prstTxWarp prst="textNoShape">
+                <a:avLst/>
+              </a:prstTxWarp>
+              <a:noAutofit/>
+            </a:bodyPr>
+            <a:lstStyle/>
+            <a:p>
+              <a:pPr algn="ctr"/>
+              <a:endParaRPr lang="en-US">
+                <a:ln w="0"/>
+                <a:solidFill>
+                  <a:schemeClr val="accent1"/>
+                </a:solidFill>
+                <a:effectLst>
+                  <a:outerShdw blurRad="38100" dist="25400" dir="5400000" algn="ctr" rotWithShape="0">
+                    <a:srgbClr val="6E747A">
+                      <a:alpha val="43000"/>
+                    </a:srgbClr>
+                  </a:outerShdw>
+                </a:effectLst>
+              </a:endParaRPr>
+            </a:p>
+          </p:txBody>
+        </p:sp>
+        <p:sp>
+          <p:nvSpPr>
+            <p:cNvPr id="11" name="Rectangle 10">
+              <a:extLst>
+                <a:ext uri="{FF2B5EF4-FFF2-40B4-BE49-F238E27FC236}">
+                  <a16:creationId xmlns:a16="http://schemas.microsoft.com/office/drawing/2014/main" id="{CDBFA2AD-F54C-A24C-8B70-DE2888C601A4}"/>
+                </a:ext>
+              </a:extLst>
+            </p:cNvPr>
+            <p:cNvSpPr/>
+            <p:nvPr/>
+          </p:nvSpPr>
+          <p:spPr>
+            <a:xfrm>
+              <a:off x="1858770" y="3018945"/>
+              <a:ext cx="3168627" cy="1356115"/>
+            </a:xfrm>
+            <a:prstGeom prst="rect">
               <a:avLst/>
-            </a:prstTxWarp>
-            <a:noAutofit/>
-          </a:bodyPr>
-          <a:lstStyle/>
-          <a:p>
-            <a:pPr algn="ctr"/>
-            <a:endParaRPr lang="fr-FR">
-              <a:ln w="0"/>
+            </a:prstGeom>
+            <a:noFill/>
+            <a:ln>
               <a:solidFill>
                 <a:schemeClr val="accent1"/>
               </a:solidFill>
-              <a:effectLst>
-                <a:outerShdw blurRad="38100" dist="25400" dir="5400000" algn="ctr" rotWithShape="0">
-                  <a:srgbClr val="6E747A">
-                    <a:alpha val="43000"/>
-                  </a:srgbClr>
-                </a:outerShdw>
-              </a:effectLst>
-            </a:endParaRPr>
-          </a:p>
-        </p:txBody>
-      </p:sp>
-      <p:sp>
-        <p:nvSpPr>
-          <p:cNvPr id="13" name="ZoneTexte 12">
-            <a:extLst>
-              <a:ext uri="{FF2B5EF4-FFF2-40B4-BE49-F238E27FC236}">
-                <a16:creationId xmlns:a16="http://schemas.microsoft.com/office/drawing/2014/main" id="{2CAF4A89-DEAC-1542-9969-644E3A438094}"/>
-              </a:ext>
-            </a:extLst>
-          </p:cNvPr>
-          <p:cNvSpPr txBox="1"/>
-          <p:nvPr/>
-        </p:nvSpPr>
-        <p:spPr>
-          <a:xfrm>
-            <a:off x="1913976" y="2053618"/>
-            <a:ext cx="758541" cy="646331"/>
-          </a:xfrm>
-          <a:prstGeom prst="rect">
-            <a:avLst/>
-          </a:prstGeom>
-          <a:noFill/>
-        </p:spPr>
-        <p:txBody>
-          <a:bodyPr wrap="none" rtlCol="0">
-            <a:spAutoFit/>
-          </a:bodyPr>
-          <a:lstStyle/>
-          <a:p>
-            <a:pPr algn="ctr"/>
-            <a:r>
-              <a:rPr lang="fr-FR" dirty="0" err="1">
-                <a:solidFill>
-                  <a:schemeClr val="bg1"/>
-                </a:solidFill>
-              </a:rPr>
-              <a:t>LuaJIT</a:t>
-            </a:r>
-            <a:endParaRPr lang="fr-FR" dirty="0">
-              <a:solidFill>
-                <a:schemeClr val="bg1"/>
-              </a:solidFill>
-            </a:endParaRPr>
-          </a:p>
-          <a:p>
-            <a:pPr algn="ctr"/>
-            <a:r>
-              <a:rPr lang="fr-FR" dirty="0">
-                <a:solidFill>
-                  <a:schemeClr val="bg1"/>
-                </a:solidFill>
-              </a:rPr>
-              <a:t>(fork)</a:t>
-            </a:r>
-          </a:p>
-        </p:txBody>
-      </p:sp>
-      <p:sp>
-        <p:nvSpPr>
-          <p:cNvPr id="14" name="Rectangle 13">
-            <a:extLst>
-              <a:ext uri="{FF2B5EF4-FFF2-40B4-BE49-F238E27FC236}">
-                <a16:creationId xmlns:a16="http://schemas.microsoft.com/office/drawing/2014/main" id="{C354B451-514C-4243-B656-F6513B37CCC0}"/>
-              </a:ext>
-            </a:extLst>
-          </p:cNvPr>
-          <p:cNvSpPr/>
-          <p:nvPr/>
-        </p:nvSpPr>
-        <p:spPr>
-          <a:xfrm>
-            <a:off x="3443084" y="1961228"/>
-            <a:ext cx="1323930" cy="823951"/>
-          </a:xfrm>
-          <a:prstGeom prst="rect">
-            <a:avLst/>
-          </a:prstGeom>
-        </p:spPr>
-        <p:style>
-          <a:lnRef idx="2">
-            <a:schemeClr val="accent1">
-              <a:shade val="50000"/>
-            </a:schemeClr>
-          </a:lnRef>
-          <a:fillRef idx="1">
-            <a:schemeClr val="accent1"/>
-          </a:fillRef>
-          <a:effectRef idx="0">
-            <a:schemeClr val="accent1"/>
-          </a:effectRef>
-          <a:fontRef idx="minor">
-            <a:schemeClr val="lt1"/>
-          </a:fontRef>
-        </p:style>
-        <p:txBody>
-          <a:bodyPr rtlCol="0" anchor="ctr"/>
-          <a:lstStyle/>
-          <a:p>
-            <a:pPr algn="ctr"/>
-            <a:r>
-              <a:rPr lang="fr-FR" dirty="0" err="1"/>
-              <a:t>Other</a:t>
-            </a:r>
-            <a:endParaRPr lang="fr-FR" dirty="0"/>
-          </a:p>
-          <a:p>
-            <a:pPr algn="ctr"/>
-            <a:r>
-              <a:rPr lang="fr-FR" dirty="0"/>
-              <a:t>C </a:t>
-            </a:r>
-            <a:r>
-              <a:rPr lang="fr-FR" dirty="0" err="1"/>
-              <a:t>libraries</a:t>
-            </a:r>
-            <a:endParaRPr lang="fr-FR" dirty="0"/>
-          </a:p>
-        </p:txBody>
-      </p:sp>
-      <p:sp>
-        <p:nvSpPr>
-          <p:cNvPr id="15" name="Rectangle 14">
-            <a:extLst>
-              <a:ext uri="{FF2B5EF4-FFF2-40B4-BE49-F238E27FC236}">
-                <a16:creationId xmlns:a16="http://schemas.microsoft.com/office/drawing/2014/main" id="{36B4A70D-C25A-624C-9657-17E3485F7680}"/>
-              </a:ext>
-            </a:extLst>
-          </p:cNvPr>
-          <p:cNvSpPr/>
-          <p:nvPr/>
-        </p:nvSpPr>
-        <p:spPr>
-          <a:xfrm>
-            <a:off x="1930102" y="3407146"/>
-            <a:ext cx="1323930" cy="817015"/>
-          </a:xfrm>
-          <a:prstGeom prst="rect">
-            <a:avLst/>
-          </a:prstGeom>
-        </p:spPr>
-        <p:style>
-          <a:lnRef idx="2">
-            <a:schemeClr val="accent1">
-              <a:shade val="50000"/>
-            </a:schemeClr>
-          </a:lnRef>
-          <a:fillRef idx="1">
-            <a:schemeClr val="accent1"/>
-          </a:fillRef>
-          <a:effectRef idx="0">
-            <a:schemeClr val="accent1"/>
-          </a:effectRef>
-          <a:fontRef idx="minor">
-            <a:schemeClr val="lt1"/>
-          </a:fontRef>
-        </p:style>
-        <p:txBody>
-          <a:bodyPr rtlCol="0" anchor="ctr"/>
-          <a:lstStyle/>
-          <a:p>
-            <a:pPr algn="ctr"/>
-            <a:r>
-              <a:rPr lang="fr-FR" dirty="0"/>
-              <a:t>*.</a:t>
-            </a:r>
-            <a:r>
-              <a:rPr lang="fr-FR" dirty="0" err="1"/>
-              <a:t>mad</a:t>
-            </a:r>
-            <a:endParaRPr lang="fr-FR" dirty="0"/>
-          </a:p>
-          <a:p>
-            <a:pPr algn="ctr"/>
-            <a:r>
-              <a:rPr lang="fr-FR" dirty="0"/>
-              <a:t>(</a:t>
-            </a:r>
-            <a:r>
-              <a:rPr lang="fr-FR" dirty="0" err="1"/>
-              <a:t>lua</a:t>
-            </a:r>
-            <a:r>
-              <a:rPr lang="fr-FR" dirty="0"/>
-              <a:t>)</a:t>
-            </a:r>
-          </a:p>
-        </p:txBody>
-      </p:sp>
-      <p:sp>
-        <p:nvSpPr>
-          <p:cNvPr id="16" name="Rectangle 15">
-            <a:extLst>
-              <a:ext uri="{FF2B5EF4-FFF2-40B4-BE49-F238E27FC236}">
-                <a16:creationId xmlns:a16="http://schemas.microsoft.com/office/drawing/2014/main" id="{7B9B5BA2-E34F-5C46-9EE6-B529E9FE814C}"/>
-              </a:ext>
-            </a:extLst>
-          </p:cNvPr>
-          <p:cNvSpPr/>
-          <p:nvPr/>
-        </p:nvSpPr>
-        <p:spPr>
-          <a:xfrm>
-            <a:off x="3459210" y="3404714"/>
-            <a:ext cx="1323930" cy="817015"/>
-          </a:xfrm>
-          <a:prstGeom prst="rect">
-            <a:avLst/>
-          </a:prstGeom>
-        </p:spPr>
-        <p:style>
-          <a:lnRef idx="2">
-            <a:schemeClr val="accent1">
-              <a:shade val="50000"/>
-            </a:schemeClr>
-          </a:lnRef>
-          <a:fillRef idx="1">
-            <a:schemeClr val="accent1"/>
-          </a:fillRef>
-          <a:effectRef idx="0">
-            <a:schemeClr val="accent1"/>
-          </a:effectRef>
-          <a:fontRef idx="minor">
-            <a:schemeClr val="lt1"/>
-          </a:fontRef>
-        </p:style>
-        <p:txBody>
-          <a:bodyPr rtlCol="0" anchor="ctr"/>
-          <a:lstStyle/>
-          <a:p>
-            <a:pPr algn="ctr"/>
-            <a:r>
-              <a:rPr lang="fr-FR" dirty="0"/>
-              <a:t>*.c</a:t>
-            </a:r>
-          </a:p>
-        </p:txBody>
-      </p:sp>
-      <p:sp>
-        <p:nvSpPr>
-          <p:cNvPr id="18" name="ZoneTexte 17">
-            <a:extLst>
-              <a:ext uri="{FF2B5EF4-FFF2-40B4-BE49-F238E27FC236}">
-                <a16:creationId xmlns:a16="http://schemas.microsoft.com/office/drawing/2014/main" id="{41BEDF0A-E944-8A4C-AB6E-A98AE464A928}"/>
-              </a:ext>
-            </a:extLst>
-          </p:cNvPr>
-          <p:cNvSpPr txBox="1"/>
-          <p:nvPr/>
-        </p:nvSpPr>
-        <p:spPr>
-          <a:xfrm>
-            <a:off x="1842644" y="1585248"/>
-            <a:ext cx="981423" cy="369332"/>
-          </a:xfrm>
-          <a:prstGeom prst="rect">
-            <a:avLst/>
-          </a:prstGeom>
-          <a:noFill/>
-        </p:spPr>
-        <p:txBody>
-          <a:bodyPr wrap="none" rtlCol="0">
-            <a:spAutoFit/>
-          </a:bodyPr>
-          <a:lstStyle/>
-          <a:p>
-            <a:r>
-              <a:rPr lang="fr-FR" dirty="0" err="1">
+              <a:prstDash val="dash"/>
+            </a:ln>
+          </p:spPr>
+          <p:style>
+            <a:lnRef idx="0">
+              <a:schemeClr val="accent1"/>
+            </a:lnRef>
+            <a:fillRef idx="3">
+              <a:schemeClr val="accent1"/>
+            </a:fillRef>
+            <a:effectRef idx="3">
+              <a:schemeClr val="accent1"/>
+            </a:effectRef>
+            <a:fontRef idx="minor">
+              <a:schemeClr val="lt1"/>
+            </a:fontRef>
+          </p:style>
+          <p:txBody>
+            <a:bodyPr rot="0" spcFirstLastPara="0" vertOverflow="overflow" horzOverflow="overflow" vert="horz" wrap="square" lIns="91440" tIns="45720" rIns="91440" bIns="45720" numCol="1" spcCol="0" rtlCol="0" fromWordArt="0" anchor="ctr" anchorCtr="0" forceAA="0" compatLnSpc="1">
+              <a:prstTxWarp prst="textNoShape">
+                <a:avLst/>
+              </a:prstTxWarp>
+              <a:noAutofit/>
+            </a:bodyPr>
+            <a:lstStyle/>
+            <a:p>
+              <a:pPr algn="ctr"/>
+              <a:endParaRPr lang="en-US">
+                <a:ln w="0"/>
                 <a:solidFill>
                   <a:schemeClr val="accent1"/>
                 </a:solidFill>
-              </a:rPr>
-              <a:t>Libraries</a:t>
-            </a:r>
-            <a:endParaRPr lang="fr-FR" dirty="0">
+                <a:effectLst>
+                  <a:outerShdw blurRad="38100" dist="25400" dir="5400000" algn="ctr" rotWithShape="0">
+                    <a:srgbClr val="6E747A">
+                      <a:alpha val="43000"/>
+                    </a:srgbClr>
+                  </a:outerShdw>
+                </a:effectLst>
+              </a:endParaRPr>
+            </a:p>
+          </p:txBody>
+        </p:sp>
+        <p:sp>
+          <p:nvSpPr>
+            <p:cNvPr id="13" name="ZoneTexte 12">
+              <a:extLst>
+                <a:ext uri="{FF2B5EF4-FFF2-40B4-BE49-F238E27FC236}">
+                  <a16:creationId xmlns:a16="http://schemas.microsoft.com/office/drawing/2014/main" id="{2CAF4A89-DEAC-1542-9969-644E3A438094}"/>
+                </a:ext>
+              </a:extLst>
+            </p:cNvPr>
+            <p:cNvSpPr txBox="1"/>
+            <p:nvPr/>
+          </p:nvSpPr>
+          <p:spPr>
+            <a:xfrm>
+              <a:off x="1913976" y="2053618"/>
+              <a:ext cx="758541" cy="646331"/>
+            </a:xfrm>
+            <a:prstGeom prst="rect">
+              <a:avLst/>
+            </a:prstGeom>
+            <a:noFill/>
+          </p:spPr>
+          <p:txBody>
+            <a:bodyPr wrap="none" rtlCol="0">
+              <a:spAutoFit/>
+            </a:bodyPr>
+            <a:lstStyle/>
+            <a:p>
+              <a:pPr algn="ctr"/>
+              <a:r>
+                <a:rPr lang="en-US">
+                  <a:solidFill>
+                    <a:schemeClr val="bg1"/>
+                  </a:solidFill>
+                </a:rPr>
+                <a:t>LuaJIT</a:t>
+              </a:r>
+            </a:p>
+            <a:p>
+              <a:pPr algn="ctr"/>
+              <a:r>
+                <a:rPr lang="en-US">
+                  <a:solidFill>
+                    <a:schemeClr val="bg1"/>
+                  </a:solidFill>
+                </a:rPr>
+                <a:t>(fork)</a:t>
+              </a:r>
+            </a:p>
+          </p:txBody>
+        </p:sp>
+        <p:sp>
+          <p:nvSpPr>
+            <p:cNvPr id="14" name="Rectangle 13">
+              <a:extLst>
+                <a:ext uri="{FF2B5EF4-FFF2-40B4-BE49-F238E27FC236}">
+                  <a16:creationId xmlns:a16="http://schemas.microsoft.com/office/drawing/2014/main" id="{C354B451-514C-4243-B656-F6513B37CCC0}"/>
+                </a:ext>
+              </a:extLst>
+            </p:cNvPr>
+            <p:cNvSpPr/>
+            <p:nvPr/>
+          </p:nvSpPr>
+          <p:spPr>
+            <a:xfrm>
+              <a:off x="3443084" y="1961228"/>
+              <a:ext cx="1323930" cy="823951"/>
+            </a:xfrm>
+            <a:prstGeom prst="rect">
+              <a:avLst/>
+            </a:prstGeom>
+          </p:spPr>
+          <p:style>
+            <a:lnRef idx="2">
+              <a:schemeClr val="accent1">
+                <a:shade val="50000"/>
+              </a:schemeClr>
+            </a:lnRef>
+            <a:fillRef idx="1">
+              <a:schemeClr val="accent1"/>
+            </a:fillRef>
+            <a:effectRef idx="0">
+              <a:schemeClr val="accent1"/>
+            </a:effectRef>
+            <a:fontRef idx="minor">
+              <a:schemeClr val="lt1"/>
+            </a:fontRef>
+          </p:style>
+          <p:txBody>
+            <a:bodyPr rtlCol="0" anchor="ctr"/>
+            <a:lstStyle/>
+            <a:p>
+              <a:pPr algn="ctr"/>
+              <a:r>
+                <a:rPr lang="en-US"/>
+                <a:t>Other</a:t>
+              </a:r>
+            </a:p>
+            <a:p>
+              <a:pPr algn="ctr"/>
+              <a:r>
+                <a:rPr lang="en-US"/>
+                <a:t>C libraries</a:t>
+              </a:r>
+            </a:p>
+          </p:txBody>
+        </p:sp>
+        <p:sp>
+          <p:nvSpPr>
+            <p:cNvPr id="15" name="Rectangle 14">
+              <a:extLst>
+                <a:ext uri="{FF2B5EF4-FFF2-40B4-BE49-F238E27FC236}">
+                  <a16:creationId xmlns:a16="http://schemas.microsoft.com/office/drawing/2014/main" id="{36B4A70D-C25A-624C-9657-17E3485F7680}"/>
+                </a:ext>
+              </a:extLst>
+            </p:cNvPr>
+            <p:cNvSpPr/>
+            <p:nvPr/>
+          </p:nvSpPr>
+          <p:spPr>
+            <a:xfrm>
+              <a:off x="1930102" y="3407146"/>
+              <a:ext cx="1323930" cy="817015"/>
+            </a:xfrm>
+            <a:prstGeom prst="rect">
+              <a:avLst/>
+            </a:prstGeom>
+          </p:spPr>
+          <p:style>
+            <a:lnRef idx="2">
+              <a:schemeClr val="accent1">
+                <a:shade val="50000"/>
+              </a:schemeClr>
+            </a:lnRef>
+            <a:fillRef idx="1">
+              <a:schemeClr val="accent1"/>
+            </a:fillRef>
+            <a:effectRef idx="0">
+              <a:schemeClr val="accent1"/>
+            </a:effectRef>
+            <a:fontRef idx="minor">
+              <a:schemeClr val="lt1"/>
+            </a:fontRef>
+          </p:style>
+          <p:txBody>
+            <a:bodyPr rtlCol="0" anchor="ctr"/>
+            <a:lstStyle/>
+            <a:p>
+              <a:pPr algn="ctr"/>
+              <a:r>
+                <a:rPr lang="en-US"/>
+                <a:t>*.mad</a:t>
+              </a:r>
+            </a:p>
+            <a:p>
+              <a:pPr algn="ctr"/>
+              <a:r>
+                <a:rPr lang="en-US"/>
+                <a:t>(lua)</a:t>
+              </a:r>
+            </a:p>
+          </p:txBody>
+        </p:sp>
+        <p:sp>
+          <p:nvSpPr>
+            <p:cNvPr id="16" name="Rectangle 15">
+              <a:extLst>
+                <a:ext uri="{FF2B5EF4-FFF2-40B4-BE49-F238E27FC236}">
+                  <a16:creationId xmlns:a16="http://schemas.microsoft.com/office/drawing/2014/main" id="{7B9B5BA2-E34F-5C46-9EE6-B529E9FE814C}"/>
+                </a:ext>
+              </a:extLst>
+            </p:cNvPr>
+            <p:cNvSpPr/>
+            <p:nvPr/>
+          </p:nvSpPr>
+          <p:spPr>
+            <a:xfrm>
+              <a:off x="3459210" y="3404714"/>
+              <a:ext cx="1323930" cy="817015"/>
+            </a:xfrm>
+            <a:prstGeom prst="rect">
+              <a:avLst/>
+            </a:prstGeom>
+          </p:spPr>
+          <p:style>
+            <a:lnRef idx="2">
+              <a:schemeClr val="accent1">
+                <a:shade val="50000"/>
+              </a:schemeClr>
+            </a:lnRef>
+            <a:fillRef idx="1">
+              <a:schemeClr val="accent1"/>
+            </a:fillRef>
+            <a:effectRef idx="0">
+              <a:schemeClr val="accent1"/>
+            </a:effectRef>
+            <a:fontRef idx="minor">
+              <a:schemeClr val="lt1"/>
+            </a:fontRef>
+          </p:style>
+          <p:txBody>
+            <a:bodyPr rtlCol="0" anchor="ctr"/>
+            <a:lstStyle/>
+            <a:p>
+              <a:pPr algn="ctr"/>
+              <a:r>
+                <a:rPr lang="en-US"/>
+                <a:t>*.c</a:t>
+              </a:r>
+            </a:p>
+          </p:txBody>
+        </p:sp>
+        <p:sp>
+          <p:nvSpPr>
+            <p:cNvPr id="18" name="ZoneTexte 17">
+              <a:extLst>
+                <a:ext uri="{FF2B5EF4-FFF2-40B4-BE49-F238E27FC236}">
+                  <a16:creationId xmlns:a16="http://schemas.microsoft.com/office/drawing/2014/main" id="{41BEDF0A-E944-8A4C-AB6E-A98AE464A928}"/>
+                </a:ext>
+              </a:extLst>
+            </p:cNvPr>
+            <p:cNvSpPr txBox="1"/>
+            <p:nvPr/>
+          </p:nvSpPr>
+          <p:spPr>
+            <a:xfrm>
+              <a:off x="1842644" y="1585248"/>
+              <a:ext cx="981423" cy="369332"/>
+            </a:xfrm>
+            <a:prstGeom prst="rect">
+              <a:avLst/>
+            </a:prstGeom>
+            <a:noFill/>
+          </p:spPr>
+          <p:txBody>
+            <a:bodyPr wrap="none" rtlCol="0">
+              <a:spAutoFit/>
+            </a:bodyPr>
+            <a:lstStyle/>
+            <a:p>
+              <a:r>
+                <a:rPr lang="en-US">
+                  <a:solidFill>
+                    <a:schemeClr val="accent1"/>
+                  </a:solidFill>
+                </a:rPr>
+                <a:t>Libraries</a:t>
+              </a:r>
+            </a:p>
+          </p:txBody>
+        </p:sp>
+        <p:sp>
+          <p:nvSpPr>
+            <p:cNvPr id="20" name="ZoneTexte 19">
+              <a:extLst>
+                <a:ext uri="{FF2B5EF4-FFF2-40B4-BE49-F238E27FC236}">
+                  <a16:creationId xmlns:a16="http://schemas.microsoft.com/office/drawing/2014/main" id="{A96222C1-03AF-864F-9E0E-C39B864F4119}"/>
+                </a:ext>
+              </a:extLst>
+            </p:cNvPr>
+            <p:cNvSpPr txBox="1"/>
+            <p:nvPr/>
+          </p:nvSpPr>
+          <p:spPr>
+            <a:xfrm>
+              <a:off x="1846586" y="3035382"/>
+              <a:ext cx="913840" cy="369332"/>
+            </a:xfrm>
+            <a:prstGeom prst="rect">
+              <a:avLst/>
+            </a:prstGeom>
+            <a:noFill/>
+          </p:spPr>
+          <p:txBody>
+            <a:bodyPr wrap="none" rtlCol="0">
+              <a:spAutoFit/>
+            </a:bodyPr>
+            <a:lstStyle/>
+            <a:p>
+              <a:r>
+                <a:rPr lang="en-US">
+                  <a:solidFill>
+                    <a:schemeClr val="accent1"/>
+                  </a:solidFill>
+                </a:rPr>
+                <a:t>Sources</a:t>
+              </a:r>
+            </a:p>
+          </p:txBody>
+        </p:sp>
+        <p:cxnSp>
+          <p:nvCxnSpPr>
+            <p:cNvPr id="22" name="Connecteur droit avec flèche 21">
+              <a:extLst>
+                <a:ext uri="{FF2B5EF4-FFF2-40B4-BE49-F238E27FC236}">
+                  <a16:creationId xmlns:a16="http://schemas.microsoft.com/office/drawing/2014/main" id="{3833AA6A-6BA7-D744-9CA2-C7D424BB86F3}"/>
+                </a:ext>
+              </a:extLst>
+            </p:cNvPr>
+            <p:cNvCxnSpPr>
+              <a:cxnSpLocks/>
+            </p:cNvCxnSpPr>
+            <p:nvPr/>
+          </p:nvCxnSpPr>
+          <p:spPr>
+            <a:xfrm flipV="1">
+              <a:off x="4390116" y="2785179"/>
+              <a:ext cx="2590" cy="619535"/>
+            </a:xfrm>
+            <a:prstGeom prst="straightConnector1">
+              <a:avLst/>
+            </a:prstGeom>
+            <a:ln w="19050">
               <a:solidFill>
-                <a:schemeClr val="accent1"/>
+                <a:srgbClr val="FF0000"/>
               </a:solidFill>
-            </a:endParaRPr>
-          </a:p>
-        </p:txBody>
-      </p:sp>
-      <p:sp>
-        <p:nvSpPr>
-          <p:cNvPr id="20" name="ZoneTexte 19">
-            <a:extLst>
-              <a:ext uri="{FF2B5EF4-FFF2-40B4-BE49-F238E27FC236}">
-                <a16:creationId xmlns:a16="http://schemas.microsoft.com/office/drawing/2014/main" id="{A96222C1-03AF-864F-9E0E-C39B864F4119}"/>
-              </a:ext>
-            </a:extLst>
-          </p:cNvPr>
-          <p:cNvSpPr txBox="1"/>
-          <p:nvPr/>
-        </p:nvSpPr>
-        <p:spPr>
-          <a:xfrm>
-            <a:off x="1846586" y="3035382"/>
-            <a:ext cx="913840" cy="369332"/>
-          </a:xfrm>
-          <a:prstGeom prst="rect">
-            <a:avLst/>
-          </a:prstGeom>
-          <a:noFill/>
-        </p:spPr>
-        <p:txBody>
-          <a:bodyPr wrap="none" rtlCol="0">
-            <a:spAutoFit/>
-          </a:bodyPr>
-          <a:lstStyle/>
-          <a:p>
-            <a:r>
-              <a:rPr lang="fr-FR" dirty="0">
+              <a:tailEnd type="triangle"/>
+            </a:ln>
+          </p:spPr>
+          <p:style>
+            <a:lnRef idx="1">
+              <a:schemeClr val="accent1"/>
+            </a:lnRef>
+            <a:fillRef idx="0">
+              <a:schemeClr val="accent1"/>
+            </a:fillRef>
+            <a:effectRef idx="0">
+              <a:schemeClr val="accent1"/>
+            </a:effectRef>
+            <a:fontRef idx="minor">
+              <a:schemeClr val="tx1"/>
+            </a:fontRef>
+          </p:style>
+        </p:cxnSp>
+        <p:sp>
+          <p:nvSpPr>
+            <p:cNvPr id="12" name="Rectangle 11">
+              <a:extLst>
+                <a:ext uri="{FF2B5EF4-FFF2-40B4-BE49-F238E27FC236}">
+                  <a16:creationId xmlns:a16="http://schemas.microsoft.com/office/drawing/2014/main" id="{83CD761F-DA2A-9C49-80F4-07BD36FEE2BC}"/>
+                </a:ext>
+              </a:extLst>
+            </p:cNvPr>
+            <p:cNvSpPr/>
+            <p:nvPr/>
+          </p:nvSpPr>
+          <p:spPr>
+            <a:xfrm>
+              <a:off x="2700139" y="2391560"/>
+              <a:ext cx="501907" cy="357759"/>
+            </a:xfrm>
+            <a:prstGeom prst="rect">
+              <a:avLst/>
+            </a:prstGeom>
+            <a:solidFill>
+              <a:schemeClr val="accent1">
+                <a:lumMod val="40000"/>
+                <a:lumOff val="60000"/>
+              </a:schemeClr>
+            </a:solidFill>
+            <a:ln>
+              <a:noFill/>
+            </a:ln>
+          </p:spPr>
+          <p:style>
+            <a:lnRef idx="2">
+              <a:schemeClr val="accent1">
+                <a:shade val="50000"/>
+              </a:schemeClr>
+            </a:lnRef>
+            <a:fillRef idx="1">
+              <a:schemeClr val="accent1"/>
+            </a:fillRef>
+            <a:effectRef idx="0">
+              <a:schemeClr val="accent1"/>
+            </a:effectRef>
+            <a:fontRef idx="minor">
+              <a:schemeClr val="lt1"/>
+            </a:fontRef>
+          </p:style>
+          <p:txBody>
+            <a:bodyPr rtlCol="0" anchor="ctr"/>
+            <a:lstStyle/>
+            <a:p>
+              <a:pPr algn="ctr"/>
+              <a:r>
+                <a:rPr lang="en-US">
+                  <a:solidFill>
+                    <a:schemeClr val="bg1"/>
+                  </a:solidFill>
+                </a:rPr>
+                <a:t>FFI</a:t>
+              </a:r>
+            </a:p>
+          </p:txBody>
+        </p:sp>
+        <p:sp>
+          <p:nvSpPr>
+            <p:cNvPr id="42" name="Forme libre 41">
+              <a:extLst>
+                <a:ext uri="{FF2B5EF4-FFF2-40B4-BE49-F238E27FC236}">
+                  <a16:creationId xmlns:a16="http://schemas.microsoft.com/office/drawing/2014/main" id="{9075C2AC-07BC-CB4D-934C-444CEF860A2D}"/>
+                </a:ext>
+              </a:extLst>
+            </p:cNvPr>
+            <p:cNvSpPr/>
+            <p:nvPr/>
+          </p:nvSpPr>
+          <p:spPr>
+            <a:xfrm>
+              <a:off x="2873500" y="2707337"/>
+              <a:ext cx="1250265" cy="708216"/>
+            </a:xfrm>
+            <a:custGeom>
+              <a:avLst/>
+              <a:gdLst>
+                <a:gd name="connsiteX0" fmla="*/ 22100 w 1250265"/>
+                <a:gd name="connsiteY0" fmla="*/ 699251 h 708216"/>
+                <a:gd name="connsiteX1" fmla="*/ 165535 w 1250265"/>
+                <a:gd name="connsiteY1" fmla="*/ 4 h 708216"/>
+                <a:gd name="connsiteX2" fmla="*/ 1250265 w 1250265"/>
+                <a:gd name="connsiteY2" fmla="*/ 708216 h 708216"/>
+              </a:gdLst>
+              <a:ahLst/>
+              <a:cxnLst>
+                <a:cxn ang="0">
+                  <a:pos x="connsiteX0" y="connsiteY0"/>
+                </a:cxn>
+                <a:cxn ang="0">
+                  <a:pos x="connsiteX1" y="connsiteY1"/>
+                </a:cxn>
+                <a:cxn ang="0">
+                  <a:pos x="connsiteX2" y="connsiteY2"/>
+                </a:cxn>
+              </a:cxnLst>
+              <a:rect l="l" t="t" r="r" b="b"/>
+              <a:pathLst>
+                <a:path w="1250265" h="708216">
+                  <a:moveTo>
+                    <a:pt x="22100" y="699251"/>
+                  </a:moveTo>
+                  <a:cubicBezTo>
+                    <a:pt x="-8530" y="348880"/>
+                    <a:pt x="-39159" y="-1490"/>
+                    <a:pt x="165535" y="4"/>
+                  </a:cubicBezTo>
+                  <a:cubicBezTo>
+                    <a:pt x="370229" y="1498"/>
+                    <a:pt x="1067983" y="590181"/>
+                    <a:pt x="1250265" y="708216"/>
+                  </a:cubicBezTo>
+                </a:path>
+              </a:pathLst>
+            </a:custGeom>
+            <a:ln w="19050" cap="flat" cmpd="sng" algn="ctr">
+              <a:solidFill>
+                <a:srgbClr val="FF0000"/>
+              </a:solidFill>
+              <a:prstDash val="solid"/>
+              <a:round/>
+              <a:headEnd type="none" w="med" len="med"/>
+              <a:tailEnd type="arrow" w="med" len="med"/>
+            </a:ln>
+          </p:spPr>
+          <p:style>
+            <a:lnRef idx="0">
+              <a:scrgbClr r="0" g="0" b="0"/>
+            </a:lnRef>
+            <a:fillRef idx="0">
+              <a:scrgbClr r="0" g="0" b="0"/>
+            </a:fillRef>
+            <a:effectRef idx="0">
+              <a:scrgbClr r="0" g="0" b="0"/>
+            </a:effectRef>
+            <a:fontRef idx="minor">
+              <a:schemeClr val="tx1"/>
+            </a:fontRef>
+          </p:style>
+          <p:txBody>
+            <a:bodyPr rtlCol="0" anchor="ctr"/>
+            <a:lstStyle/>
+            <a:p>
+              <a:pPr algn="ctr"/>
+              <a:endParaRPr lang="en-US">
                 <a:solidFill>
-                  <a:schemeClr val="accent1"/>
+                  <a:srgbClr val="C00000"/>
                 </a:solidFill>
-              </a:rPr>
-              <a:t>Sources</a:t>
-            </a:r>
-          </a:p>
-        </p:txBody>
-      </p:sp>
-      <p:cxnSp>
-        <p:nvCxnSpPr>
-          <p:cNvPr id="22" name="Connecteur droit avec flèche 21">
-            <a:extLst>
-              <a:ext uri="{FF2B5EF4-FFF2-40B4-BE49-F238E27FC236}">
-                <a16:creationId xmlns:a16="http://schemas.microsoft.com/office/drawing/2014/main" id="{3833AA6A-6BA7-D744-9CA2-C7D424BB86F3}"/>
-              </a:ext>
-            </a:extLst>
-          </p:cNvPr>
-          <p:cNvCxnSpPr>
-            <a:cxnSpLocks/>
-          </p:cNvCxnSpPr>
-          <p:nvPr/>
-        </p:nvCxnSpPr>
-        <p:spPr>
-          <a:xfrm flipV="1">
-            <a:off x="4390116" y="2785179"/>
-            <a:ext cx="2590" cy="619535"/>
-          </a:xfrm>
-          <a:prstGeom prst="straightConnector1">
-            <a:avLst/>
-          </a:prstGeom>
-          <a:ln w="19050">
-            <a:solidFill>
-              <a:srgbClr val="FF0000"/>
-            </a:solidFill>
-            <a:tailEnd type="triangle"/>
-          </a:ln>
-        </p:spPr>
-        <p:style>
-          <a:lnRef idx="1">
-            <a:schemeClr val="accent1"/>
-          </a:lnRef>
-          <a:fillRef idx="0">
-            <a:schemeClr val="accent1"/>
-          </a:fillRef>
-          <a:effectRef idx="0">
-            <a:schemeClr val="accent1"/>
-          </a:effectRef>
-          <a:fontRef idx="minor">
-            <a:schemeClr val="tx1"/>
-          </a:fontRef>
-        </p:style>
-      </p:cxnSp>
-      <p:sp>
-        <p:nvSpPr>
-          <p:cNvPr id="12" name="Rectangle 11">
-            <a:extLst>
-              <a:ext uri="{FF2B5EF4-FFF2-40B4-BE49-F238E27FC236}">
-                <a16:creationId xmlns:a16="http://schemas.microsoft.com/office/drawing/2014/main" id="{83CD761F-DA2A-9C49-80F4-07BD36FEE2BC}"/>
-              </a:ext>
-            </a:extLst>
-          </p:cNvPr>
-          <p:cNvSpPr/>
-          <p:nvPr/>
-        </p:nvSpPr>
-        <p:spPr>
-          <a:xfrm>
-            <a:off x="2700139" y="2391560"/>
-            <a:ext cx="501907" cy="357759"/>
-          </a:xfrm>
-          <a:prstGeom prst="rect">
-            <a:avLst/>
-          </a:prstGeom>
-          <a:solidFill>
-            <a:schemeClr val="accent1">
-              <a:lumMod val="40000"/>
-              <a:lumOff val="60000"/>
-            </a:schemeClr>
-          </a:solidFill>
-          <a:ln>
-            <a:noFill/>
-          </a:ln>
-        </p:spPr>
-        <p:style>
-          <a:lnRef idx="2">
-            <a:schemeClr val="accent1">
-              <a:shade val="50000"/>
-            </a:schemeClr>
-          </a:lnRef>
-          <a:fillRef idx="1">
-            <a:schemeClr val="accent1"/>
-          </a:fillRef>
-          <a:effectRef idx="0">
-            <a:schemeClr val="accent1"/>
-          </a:effectRef>
-          <a:fontRef idx="minor">
-            <a:schemeClr val="lt1"/>
-          </a:fontRef>
-        </p:style>
-        <p:txBody>
-          <a:bodyPr rtlCol="0" anchor="ctr"/>
-          <a:lstStyle/>
-          <a:p>
-            <a:pPr algn="ctr"/>
-            <a:r>
-              <a:rPr lang="fr-FR" dirty="0">
-                <a:solidFill>
-                  <a:schemeClr val="bg1"/>
-                </a:solidFill>
-              </a:rPr>
-              <a:t>FFI</a:t>
-            </a:r>
-          </a:p>
-        </p:txBody>
-      </p:sp>
-      <p:sp>
-        <p:nvSpPr>
-          <p:cNvPr id="42" name="Forme libre 41">
-            <a:extLst>
-              <a:ext uri="{FF2B5EF4-FFF2-40B4-BE49-F238E27FC236}">
-                <a16:creationId xmlns:a16="http://schemas.microsoft.com/office/drawing/2014/main" id="{9075C2AC-07BC-CB4D-934C-444CEF860A2D}"/>
-              </a:ext>
-            </a:extLst>
-          </p:cNvPr>
-          <p:cNvSpPr/>
-          <p:nvPr/>
-        </p:nvSpPr>
-        <p:spPr>
-          <a:xfrm>
-            <a:off x="2873500" y="2707337"/>
-            <a:ext cx="1250265" cy="708216"/>
-          </a:xfrm>
-          <a:custGeom>
-            <a:avLst/>
-            <a:gdLst>
-              <a:gd name="connsiteX0" fmla="*/ 22100 w 1250265"/>
-              <a:gd name="connsiteY0" fmla="*/ 699251 h 708216"/>
-              <a:gd name="connsiteX1" fmla="*/ 165535 w 1250265"/>
-              <a:gd name="connsiteY1" fmla="*/ 4 h 708216"/>
-              <a:gd name="connsiteX2" fmla="*/ 1250265 w 1250265"/>
-              <a:gd name="connsiteY2" fmla="*/ 708216 h 708216"/>
-            </a:gdLst>
-            <a:ahLst/>
-            <a:cxnLst>
-              <a:cxn ang="0">
-                <a:pos x="connsiteX0" y="connsiteY0"/>
-              </a:cxn>
-              <a:cxn ang="0">
-                <a:pos x="connsiteX1" y="connsiteY1"/>
-              </a:cxn>
-              <a:cxn ang="0">
-                <a:pos x="connsiteX2" y="connsiteY2"/>
-              </a:cxn>
-            </a:cxnLst>
-            <a:rect l="l" t="t" r="r" b="b"/>
-            <a:pathLst>
-              <a:path w="1250265" h="708216">
-                <a:moveTo>
-                  <a:pt x="22100" y="699251"/>
-                </a:moveTo>
-                <a:cubicBezTo>
-                  <a:pt x="-8530" y="348880"/>
-                  <a:pt x="-39159" y="-1490"/>
-                  <a:pt x="165535" y="4"/>
-                </a:cubicBezTo>
-                <a:cubicBezTo>
-                  <a:pt x="370229" y="1498"/>
-                  <a:pt x="1067983" y="590181"/>
-                  <a:pt x="1250265" y="708216"/>
-                </a:cubicBezTo>
-              </a:path>
-            </a:pathLst>
-          </a:custGeom>
-          <a:ln w="19050" cap="flat" cmpd="sng" algn="ctr">
-            <a:solidFill>
-              <a:srgbClr val="FF0000"/>
-            </a:solidFill>
-            <a:prstDash val="solid"/>
-            <a:round/>
-            <a:headEnd type="none" w="med" len="med"/>
-            <a:tailEnd type="arrow" w="med" len="med"/>
-          </a:ln>
-        </p:spPr>
-        <p:style>
-          <a:lnRef idx="0">
-            <a:scrgbClr r="0" g="0" b="0"/>
-          </a:lnRef>
-          <a:fillRef idx="0">
-            <a:scrgbClr r="0" g="0" b="0"/>
-          </a:fillRef>
-          <a:effectRef idx="0">
-            <a:scrgbClr r="0" g="0" b="0"/>
-          </a:effectRef>
-          <a:fontRef idx="minor">
-            <a:schemeClr val="tx1"/>
-          </a:fontRef>
-        </p:style>
-        <p:txBody>
-          <a:bodyPr rtlCol="0" anchor="ctr"/>
-          <a:lstStyle/>
-          <a:p>
-            <a:pPr algn="ctr"/>
-            <a:endParaRPr lang="fr-FR">
+              </a:endParaRPr>
+            </a:p>
+          </p:txBody>
+        </p:sp>
+        <p:sp>
+          <p:nvSpPr>
+            <p:cNvPr id="43" name="Forme libre 42">
+              <a:extLst>
+                <a:ext uri="{FF2B5EF4-FFF2-40B4-BE49-F238E27FC236}">
+                  <a16:creationId xmlns:a16="http://schemas.microsoft.com/office/drawing/2014/main" id="{DA70EC50-A441-984C-A47B-1ED3186572C5}"/>
+                </a:ext>
+              </a:extLst>
+            </p:cNvPr>
+            <p:cNvSpPr/>
+            <p:nvPr/>
+          </p:nvSpPr>
+          <p:spPr>
+            <a:xfrm>
+              <a:off x="2686687" y="2391560"/>
+              <a:ext cx="756397" cy="1015028"/>
+            </a:xfrm>
+            <a:custGeom>
+              <a:avLst/>
+              <a:gdLst>
+                <a:gd name="connsiteX0" fmla="*/ 11687 w 693005"/>
+                <a:gd name="connsiteY0" fmla="*/ 1030941 h 1030941"/>
+                <a:gd name="connsiteX1" fmla="*/ 92370 w 693005"/>
+                <a:gd name="connsiteY1" fmla="*/ 143435 h 1030941"/>
+                <a:gd name="connsiteX2" fmla="*/ 693005 w 693005"/>
+                <a:gd name="connsiteY2" fmla="*/ 0 h 1030941"/>
+              </a:gdLst>
+              <a:ahLst/>
+              <a:cxnLst>
+                <a:cxn ang="0">
+                  <a:pos x="connsiteX0" y="connsiteY0"/>
+                </a:cxn>
+                <a:cxn ang="0">
+                  <a:pos x="connsiteX1" y="connsiteY1"/>
+                </a:cxn>
+                <a:cxn ang="0">
+                  <a:pos x="connsiteX2" y="connsiteY2"/>
+                </a:cxn>
+              </a:cxnLst>
+              <a:rect l="l" t="t" r="r" b="b"/>
+              <a:pathLst>
+                <a:path w="693005" h="1030941">
+                  <a:moveTo>
+                    <a:pt x="11687" y="1030941"/>
+                  </a:moveTo>
+                  <a:cubicBezTo>
+                    <a:pt x="-4748" y="673099"/>
+                    <a:pt x="-21183" y="315258"/>
+                    <a:pt x="92370" y="143435"/>
+                  </a:cubicBezTo>
+                  <a:cubicBezTo>
+                    <a:pt x="205923" y="-28388"/>
+                    <a:pt x="548076" y="23906"/>
+                    <a:pt x="693005" y="0"/>
+                  </a:cubicBezTo>
+                </a:path>
+              </a:pathLst>
+            </a:custGeom>
+            <a:ln w="19050" cap="flat" cmpd="sng" algn="ctr">
               <a:solidFill>
-                <a:srgbClr val="C00000"/>
+                <a:srgbClr val="FF0000"/>
               </a:solidFill>
-            </a:endParaRPr>
-          </a:p>
-        </p:txBody>
-      </p:sp>
-      <p:sp>
-        <p:nvSpPr>
-          <p:cNvPr id="43" name="Forme libre 42">
-            <a:extLst>
-              <a:ext uri="{FF2B5EF4-FFF2-40B4-BE49-F238E27FC236}">
-                <a16:creationId xmlns:a16="http://schemas.microsoft.com/office/drawing/2014/main" id="{DA70EC50-A441-984C-A47B-1ED3186572C5}"/>
-              </a:ext>
-            </a:extLst>
-          </p:cNvPr>
-          <p:cNvSpPr/>
-          <p:nvPr/>
-        </p:nvSpPr>
-        <p:spPr>
-          <a:xfrm>
-            <a:off x="2686687" y="2391560"/>
-            <a:ext cx="756397" cy="1015028"/>
-          </a:xfrm>
-          <a:custGeom>
-            <a:avLst/>
-            <a:gdLst>
-              <a:gd name="connsiteX0" fmla="*/ 11687 w 693005"/>
-              <a:gd name="connsiteY0" fmla="*/ 1030941 h 1030941"/>
-              <a:gd name="connsiteX1" fmla="*/ 92370 w 693005"/>
-              <a:gd name="connsiteY1" fmla="*/ 143435 h 1030941"/>
-              <a:gd name="connsiteX2" fmla="*/ 693005 w 693005"/>
-              <a:gd name="connsiteY2" fmla="*/ 0 h 1030941"/>
-            </a:gdLst>
-            <a:ahLst/>
-            <a:cxnLst>
-              <a:cxn ang="0">
-                <a:pos x="connsiteX0" y="connsiteY0"/>
-              </a:cxn>
-              <a:cxn ang="0">
-                <a:pos x="connsiteX1" y="connsiteY1"/>
-              </a:cxn>
-              <a:cxn ang="0">
-                <a:pos x="connsiteX2" y="connsiteY2"/>
-              </a:cxn>
-            </a:cxnLst>
-            <a:rect l="l" t="t" r="r" b="b"/>
-            <a:pathLst>
-              <a:path w="693005" h="1030941">
-                <a:moveTo>
-                  <a:pt x="11687" y="1030941"/>
-                </a:moveTo>
-                <a:cubicBezTo>
-                  <a:pt x="-4748" y="673099"/>
-                  <a:pt x="-21183" y="315258"/>
-                  <a:pt x="92370" y="143435"/>
-                </a:cubicBezTo>
-                <a:cubicBezTo>
-                  <a:pt x="205923" y="-28388"/>
-                  <a:pt x="548076" y="23906"/>
-                  <a:pt x="693005" y="0"/>
-                </a:cubicBezTo>
-              </a:path>
-            </a:pathLst>
-          </a:custGeom>
-          <a:ln w="19050" cap="flat" cmpd="sng" algn="ctr">
-            <a:solidFill>
-              <a:srgbClr val="FF0000"/>
-            </a:solidFill>
-            <a:prstDash val="solid"/>
-            <a:round/>
-            <a:headEnd type="none" w="med" len="med"/>
-            <a:tailEnd type="arrow" w="med" len="med"/>
-          </a:ln>
-        </p:spPr>
-        <p:style>
-          <a:lnRef idx="0">
-            <a:scrgbClr r="0" g="0" b="0"/>
-          </a:lnRef>
-          <a:fillRef idx="0">
-            <a:scrgbClr r="0" g="0" b="0"/>
-          </a:fillRef>
-          <a:effectRef idx="0">
-            <a:scrgbClr r="0" g="0" b="0"/>
-          </a:effectRef>
-          <a:fontRef idx="minor">
-            <a:schemeClr val="tx1"/>
-          </a:fontRef>
-        </p:style>
-        <p:txBody>
-          <a:bodyPr rtlCol="0" anchor="ctr"/>
-          <a:lstStyle/>
-          <a:p>
-            <a:pPr algn="ctr"/>
-            <a:endParaRPr lang="fr-FR"/>
-          </a:p>
-        </p:txBody>
-      </p:sp>
+              <a:prstDash val="solid"/>
+              <a:round/>
+              <a:headEnd type="none" w="med" len="med"/>
+              <a:tailEnd type="arrow" w="med" len="med"/>
+            </a:ln>
+          </p:spPr>
+          <p:style>
+            <a:lnRef idx="0">
+              <a:scrgbClr r="0" g="0" b="0"/>
+            </a:lnRef>
+            <a:fillRef idx="0">
+              <a:scrgbClr r="0" g="0" b="0"/>
+            </a:fillRef>
+            <a:effectRef idx="0">
+              <a:scrgbClr r="0" g="0" b="0"/>
+            </a:effectRef>
+            <a:fontRef idx="minor">
+              <a:schemeClr val="tx1"/>
+            </a:fontRef>
+          </p:style>
+          <p:txBody>
+            <a:bodyPr rtlCol="0" anchor="ctr"/>
+            <a:lstStyle/>
+            <a:p>
+              <a:pPr algn="ctr"/>
+              <a:endParaRPr lang="en-US"/>
+            </a:p>
+          </p:txBody>
+        </p:sp>
+      </p:grpSp>
       <p:sp>
         <p:nvSpPr>
           <p:cNvPr id="4" name="ZoneTexte 3">
@@ -5790,7 +6505,7 @@
           <a:lstStyle/>
           <a:p>
             <a:r>
-              <a:rPr lang="fr-FR" dirty="0"/>
+              <a:rPr lang="en-US"/>
               <a:t>MAD</a:t>
             </a:r>
           </a:p>
@@ -5916,7 +6631,7 @@
           <a:p>
             <a:pPr algn="ctr"/>
             <a:r>
-              <a:rPr lang="fr-FR" dirty="0"/>
+              <a:rPr lang="en-US" dirty="0"/>
               <a:t>Start</a:t>
             </a:r>
           </a:p>
@@ -5965,7 +6680,7 @@
           <a:p>
             <a:pPr algn="ctr"/>
             <a:r>
-              <a:rPr lang="fr-FR" dirty="0"/>
+              <a:rPr lang="en-US"/>
               <a:t>Record</a:t>
             </a:r>
           </a:p>
@@ -6014,7 +6729,7 @@
           <a:p>
             <a:pPr algn="ctr"/>
             <a:r>
-              <a:rPr lang="fr-FR" dirty="0"/>
+              <a:rPr lang="en-US"/>
               <a:t>End</a:t>
             </a:r>
           </a:p>
@@ -6063,7 +6778,7 @@
           <a:p>
             <a:pPr algn="ctr"/>
             <a:r>
-              <a:rPr lang="fr-FR" dirty="0"/>
+              <a:rPr lang="en-US"/>
               <a:t>ASM</a:t>
             </a:r>
           </a:p>
@@ -6232,10 +6947,9 @@
           <a:p>
             <a:pPr algn="ctr"/>
             <a:r>
-              <a:rPr lang="fr-FR" dirty="0" err="1"/>
+              <a:rPr lang="en-US"/>
               <a:t>Error</a:t>
             </a:r>
-            <a:endParaRPr lang="fr-FR" dirty="0"/>
           </a:p>
         </p:txBody>
       </p:sp>
@@ -6309,12 +7023,8 @@
           <a:lstStyle/>
           <a:p>
             <a:r>
-              <a:rPr lang="fr-FR" dirty="0" err="1"/>
-              <a:t>Recording</a:t>
-            </a:r>
-            <a:r>
-              <a:rPr lang="fr-FR" dirty="0"/>
-              <a:t> state machine </a:t>
+              <a:rPr lang="en-US"/>
+              <a:t>Recording state machine </a:t>
             </a:r>
           </a:p>
         </p:txBody>
@@ -6625,4 +7335,299 @@
     </a:ext>
   </a:extLst>
 </a:theme>
+</file>
+
+<file path=ppt/theme/theme2.xml><?xml version="1.0" encoding="utf-8"?>
+<a:theme xmlns:a="http://schemas.openxmlformats.org/drawingml/2006/main" name="Thème Office">
+  <a:themeElements>
+    <a:clrScheme name="Office">
+      <a:dk1>
+        <a:sysClr val="windowText" lastClr="000000"/>
+      </a:dk1>
+      <a:lt1>
+        <a:sysClr val="window" lastClr="FFFFFF"/>
+      </a:lt1>
+      <a:dk2>
+        <a:srgbClr val="44546A"/>
+      </a:dk2>
+      <a:lt2>
+        <a:srgbClr val="E7E6E6"/>
+      </a:lt2>
+      <a:accent1>
+        <a:srgbClr val="4472C4"/>
+      </a:accent1>
+      <a:accent2>
+        <a:srgbClr val="ED7D31"/>
+      </a:accent2>
+      <a:accent3>
+        <a:srgbClr val="A5A5A5"/>
+      </a:accent3>
+      <a:accent4>
+        <a:srgbClr val="FFC000"/>
+      </a:accent4>
+      <a:accent5>
+        <a:srgbClr val="5B9BD5"/>
+      </a:accent5>
+      <a:accent6>
+        <a:srgbClr val="70AD47"/>
+      </a:accent6>
+      <a:hlink>
+        <a:srgbClr val="0563C1"/>
+      </a:hlink>
+      <a:folHlink>
+        <a:srgbClr val="954F72"/>
+      </a:folHlink>
+    </a:clrScheme>
+    <a:fontScheme name="Office">
+      <a:majorFont>
+        <a:latin typeface="Calibri Light" panose="020F0302020204030204"/>
+        <a:ea typeface=""/>
+        <a:cs typeface=""/>
+        <a:font script="Jpan" typeface="游ゴシック Light"/>
+        <a:font script="Hang" typeface="맑은 고딕"/>
+        <a:font script="Hans" typeface="等线 Light"/>
+        <a:font script="Hant" typeface="新細明體"/>
+        <a:font script="Arab" typeface="Times New Roman"/>
+        <a:font script="Hebr" typeface="Times New Roman"/>
+        <a:font script="Thai" typeface="Angsana New"/>
+        <a:font script="Ethi" typeface="Nyala"/>
+        <a:font script="Beng" typeface="Vrinda"/>
+        <a:font script="Gujr" typeface="Shruti"/>
+        <a:font script="Khmr" typeface="MoolBoran"/>
+        <a:font script="Knda" typeface="Tunga"/>
+        <a:font script="Guru" typeface="Raavi"/>
+        <a:font script="Cans" typeface="Euphemia"/>
+        <a:font script="Cher" typeface="Plantagenet Cherokee"/>
+        <a:font script="Yiii" typeface="Microsoft Yi Baiti"/>
+        <a:font script="Tibt" typeface="Microsoft Himalaya"/>
+        <a:font script="Thaa" typeface="MV Boli"/>
+        <a:font script="Deva" typeface="Mangal"/>
+        <a:font script="Telu" typeface="Gautami"/>
+        <a:font script="Taml" typeface="Latha"/>
+        <a:font script="Syrc" typeface="Estrangelo Edessa"/>
+        <a:font script="Orya" typeface="Kalinga"/>
+        <a:font script="Mlym" typeface="Kartika"/>
+        <a:font script="Laoo" typeface="DokChampa"/>
+        <a:font script="Sinh" typeface="Iskoola Pota"/>
+        <a:font script="Mong" typeface="Mongolian Baiti"/>
+        <a:font script="Viet" typeface="Times New Roman"/>
+        <a:font script="Uigh" typeface="Microsoft Uighur"/>
+        <a:font script="Geor" typeface="Sylfaen"/>
+        <a:font script="Armn" typeface="Arial"/>
+        <a:font script="Bugi" typeface="Leelawadee UI"/>
+        <a:font script="Bopo" typeface="Microsoft JhengHei"/>
+        <a:font script="Java" typeface="Javanese Text"/>
+        <a:font script="Lisu" typeface="Segoe UI"/>
+        <a:font script="Mymr" typeface="Myanmar Text"/>
+        <a:font script="Nkoo" typeface="Ebrima"/>
+        <a:font script="Olck" typeface="Nirmala UI"/>
+        <a:font script="Osma" typeface="Ebrima"/>
+        <a:font script="Phag" typeface="Phagspa"/>
+        <a:font script="Syrn" typeface="Estrangelo Edessa"/>
+        <a:font script="Syrj" typeface="Estrangelo Edessa"/>
+        <a:font script="Syre" typeface="Estrangelo Edessa"/>
+        <a:font script="Sora" typeface="Nirmala UI"/>
+        <a:font script="Tale" typeface="Microsoft Tai Le"/>
+        <a:font script="Talu" typeface="Microsoft New Tai Lue"/>
+        <a:font script="Tfng" typeface="Ebrima"/>
+      </a:majorFont>
+      <a:minorFont>
+        <a:latin typeface="Calibri" panose="020F0502020204030204"/>
+        <a:ea typeface=""/>
+        <a:cs typeface=""/>
+        <a:font script="Jpan" typeface="游ゴシック"/>
+        <a:font script="Hang" typeface="맑은 고딕"/>
+        <a:font script="Hans" typeface="等线"/>
+        <a:font script="Hant" typeface="新細明體"/>
+        <a:font script="Arab" typeface="Arial"/>
+        <a:font script="Hebr" typeface="Arial"/>
+        <a:font script="Thai" typeface="Cordia New"/>
+        <a:font script="Ethi" typeface="Nyala"/>
+        <a:font script="Beng" typeface="Vrinda"/>
+        <a:font script="Gujr" typeface="Shruti"/>
+        <a:font script="Khmr" typeface="DaunPenh"/>
+        <a:font script="Knda" typeface="Tunga"/>
+        <a:font script="Guru" typeface="Raavi"/>
+        <a:font script="Cans" typeface="Euphemia"/>
+        <a:font script="Cher" typeface="Plantagenet Cherokee"/>
+        <a:font script="Yiii" typeface="Microsoft Yi Baiti"/>
+        <a:font script="Tibt" typeface="Microsoft Himalaya"/>
+        <a:font script="Thaa" typeface="MV Boli"/>
+        <a:font script="Deva" typeface="Mangal"/>
+        <a:font script="Telu" typeface="Gautami"/>
+        <a:font script="Taml" typeface="Latha"/>
+        <a:font script="Syrc" typeface="Estrangelo Edessa"/>
+        <a:font script="Orya" typeface="Kalinga"/>
+        <a:font script="Mlym" typeface="Kartika"/>
+        <a:font script="Laoo" typeface="DokChampa"/>
+        <a:font script="Sinh" typeface="Iskoola Pota"/>
+        <a:font script="Mong" typeface="Mongolian Baiti"/>
+        <a:font script="Viet" typeface="Arial"/>
+        <a:font script="Uigh" typeface="Microsoft Uighur"/>
+        <a:font script="Geor" typeface="Sylfaen"/>
+        <a:font script="Armn" typeface="Arial"/>
+        <a:font script="Bugi" typeface="Leelawadee UI"/>
+        <a:font script="Bopo" typeface="Microsoft JhengHei"/>
+        <a:font script="Java" typeface="Javanese Text"/>
+        <a:font script="Lisu" typeface="Segoe UI"/>
+        <a:font script="Mymr" typeface="Myanmar Text"/>
+        <a:font script="Nkoo" typeface="Ebrima"/>
+        <a:font script="Olck" typeface="Nirmala UI"/>
+        <a:font script="Osma" typeface="Ebrima"/>
+        <a:font script="Phag" typeface="Phagspa"/>
+        <a:font script="Syrn" typeface="Estrangelo Edessa"/>
+        <a:font script="Syrj" typeface="Estrangelo Edessa"/>
+        <a:font script="Syre" typeface="Estrangelo Edessa"/>
+        <a:font script="Sora" typeface="Nirmala UI"/>
+        <a:font script="Tale" typeface="Microsoft Tai Le"/>
+        <a:font script="Talu" typeface="Microsoft New Tai Lue"/>
+        <a:font script="Tfng" typeface="Ebrima"/>
+      </a:minorFont>
+    </a:fontScheme>
+    <a:fmtScheme name="Office">
+      <a:fillStyleLst>
+        <a:solidFill>
+          <a:schemeClr val="phClr"/>
+        </a:solidFill>
+        <a:gradFill rotWithShape="1">
+          <a:gsLst>
+            <a:gs pos="0">
+              <a:schemeClr val="phClr">
+                <a:lumMod val="110000"/>
+                <a:satMod val="105000"/>
+                <a:tint val="67000"/>
+              </a:schemeClr>
+            </a:gs>
+            <a:gs pos="50000">
+              <a:schemeClr val="phClr">
+                <a:lumMod val="105000"/>
+                <a:satMod val="103000"/>
+                <a:tint val="73000"/>
+              </a:schemeClr>
+            </a:gs>
+            <a:gs pos="100000">
+              <a:schemeClr val="phClr">
+                <a:lumMod val="105000"/>
+                <a:satMod val="109000"/>
+                <a:tint val="81000"/>
+              </a:schemeClr>
+            </a:gs>
+          </a:gsLst>
+          <a:lin ang="5400000" scaled="0"/>
+        </a:gradFill>
+        <a:gradFill rotWithShape="1">
+          <a:gsLst>
+            <a:gs pos="0">
+              <a:schemeClr val="phClr">
+                <a:satMod val="103000"/>
+                <a:lumMod val="102000"/>
+                <a:tint val="94000"/>
+              </a:schemeClr>
+            </a:gs>
+            <a:gs pos="50000">
+              <a:schemeClr val="phClr">
+                <a:satMod val="110000"/>
+                <a:lumMod val="100000"/>
+                <a:shade val="100000"/>
+              </a:schemeClr>
+            </a:gs>
+            <a:gs pos="100000">
+              <a:schemeClr val="phClr">
+                <a:lumMod val="99000"/>
+                <a:satMod val="120000"/>
+                <a:shade val="78000"/>
+              </a:schemeClr>
+            </a:gs>
+          </a:gsLst>
+          <a:lin ang="5400000" scaled="0"/>
+        </a:gradFill>
+      </a:fillStyleLst>
+      <a:lnStyleLst>
+        <a:ln w="6350" cap="flat" cmpd="sng" algn="ctr">
+          <a:solidFill>
+            <a:schemeClr val="phClr"/>
+          </a:solidFill>
+          <a:prstDash val="solid"/>
+          <a:miter lim="800000"/>
+        </a:ln>
+        <a:ln w="12700" cap="flat" cmpd="sng" algn="ctr">
+          <a:solidFill>
+            <a:schemeClr val="phClr"/>
+          </a:solidFill>
+          <a:prstDash val="solid"/>
+          <a:miter lim="800000"/>
+        </a:ln>
+        <a:ln w="19050" cap="flat" cmpd="sng" algn="ctr">
+          <a:solidFill>
+            <a:schemeClr val="phClr"/>
+          </a:solidFill>
+          <a:prstDash val="solid"/>
+          <a:miter lim="800000"/>
+        </a:ln>
+      </a:lnStyleLst>
+      <a:effectStyleLst>
+        <a:effectStyle>
+          <a:effectLst/>
+        </a:effectStyle>
+        <a:effectStyle>
+          <a:effectLst/>
+        </a:effectStyle>
+        <a:effectStyle>
+          <a:effectLst>
+            <a:outerShdw blurRad="57150" dist="19050" dir="5400000" algn="ctr" rotWithShape="0">
+              <a:srgbClr val="000000">
+                <a:alpha val="63000"/>
+              </a:srgbClr>
+            </a:outerShdw>
+          </a:effectLst>
+        </a:effectStyle>
+      </a:effectStyleLst>
+      <a:bgFillStyleLst>
+        <a:solidFill>
+          <a:schemeClr val="phClr"/>
+        </a:solidFill>
+        <a:solidFill>
+          <a:schemeClr val="phClr">
+            <a:tint val="95000"/>
+            <a:satMod val="170000"/>
+          </a:schemeClr>
+        </a:solidFill>
+        <a:gradFill rotWithShape="1">
+          <a:gsLst>
+            <a:gs pos="0">
+              <a:schemeClr val="phClr">
+                <a:tint val="93000"/>
+                <a:satMod val="150000"/>
+                <a:shade val="98000"/>
+                <a:lumMod val="102000"/>
+              </a:schemeClr>
+            </a:gs>
+            <a:gs pos="50000">
+              <a:schemeClr val="phClr">
+                <a:tint val="98000"/>
+                <a:satMod val="130000"/>
+                <a:shade val="90000"/>
+                <a:lumMod val="103000"/>
+              </a:schemeClr>
+            </a:gs>
+            <a:gs pos="100000">
+              <a:schemeClr val="phClr">
+                <a:shade val="63000"/>
+                <a:satMod val="120000"/>
+              </a:schemeClr>
+            </a:gs>
+          </a:gsLst>
+          <a:lin ang="5400000" scaled="0"/>
+        </a:gradFill>
+      </a:bgFillStyleLst>
+    </a:fmtScheme>
+  </a:themeElements>
+  <a:objectDefaults/>
+  <a:extraClrSchemeLst/>
+  <a:extLst>
+    <a:ext uri="{05A4C25C-085E-4340-85A3-A5531E510DB2}">
+      <thm15:themeFamily xmlns:thm15="http://schemas.microsoft.com/office/thememl/2012/main" name="Office Theme" id="{62F939B6-93AF-4DB8-9C6B-D6C7DFDC589F}" vid="{4A3C46E8-61CC-4603-A589-7422A47A8E4A}"/>
+    </a:ext>
+  </a:extLst>
+</a:theme>
 </file>
--- a/schecmatic.pptx
+++ b/schecmatic.pptx
@@ -6541,459 +6541,480 @@
           <a:chExt cx="0" cy="0"/>
         </a:xfrm>
       </p:grpSpPr>
-      <p:cxnSp>
-        <p:nvCxnSpPr>
-          <p:cNvPr id="23" name="Connecteur en arc 22">
+      <p:grpSp>
+        <p:nvGrpSpPr>
+          <p:cNvPr id="2" name="Groupe 1">
             <a:extLst>
               <a:ext uri="{FF2B5EF4-FFF2-40B4-BE49-F238E27FC236}">
-                <a16:creationId xmlns:a16="http://schemas.microsoft.com/office/drawing/2014/main" id="{D03BDBC4-7106-2C42-86F6-2AC861A6E758}"/>
+                <a16:creationId xmlns:a16="http://schemas.microsoft.com/office/drawing/2014/main" id="{B29AF1BA-F9C8-E848-970A-A3D78FD69E1F}"/>
               </a:ext>
             </a:extLst>
           </p:cNvPr>
-          <p:cNvCxnSpPr>
-            <a:stCxn id="5" idx="7"/>
-            <a:endCxn id="5" idx="5"/>
-          </p:cNvCxnSpPr>
+          <p:cNvGrpSpPr/>
           <p:nvPr/>
-        </p:nvCxnSpPr>
-        <p:spPr>
-          <a:xfrm rot="16200000" flipH="1">
-            <a:off x="4551804" y="2630129"/>
-            <a:ext cx="472768" cy="12700"/>
+        </p:nvGrpSpPr>
+        <p:grpSpPr>
+          <a:xfrm>
+            <a:off x="428229" y="1720644"/>
+            <a:ext cx="2718099" cy="3441290"/>
+            <a:chOff x="428229" y="1720644"/>
+            <a:chExt cx="2718099" cy="3441290"/>
           </a:xfrm>
-          <a:prstGeom prst="curvedConnector5">
-            <a:avLst>
-              <a:gd name="adj1" fmla="val -1382"/>
-              <a:gd name="adj2" fmla="val 4168024"/>
-              <a:gd name="adj3" fmla="val 104145"/>
-            </a:avLst>
-          </a:prstGeom>
-          <a:ln>
-            <a:headEnd type="none"/>
-            <a:tailEnd type="triangle"/>
-          </a:ln>
-        </p:spPr>
-        <p:style>
-          <a:lnRef idx="1">
-            <a:schemeClr val="accent1"/>
-          </a:lnRef>
-          <a:fillRef idx="0">
-            <a:schemeClr val="accent1"/>
-          </a:fillRef>
-          <a:effectRef idx="0">
-            <a:schemeClr val="accent1"/>
-          </a:effectRef>
-          <a:fontRef idx="minor">
-            <a:schemeClr val="tx1"/>
-          </a:fontRef>
-        </p:style>
-      </p:cxnSp>
-      <p:sp>
-        <p:nvSpPr>
-          <p:cNvPr id="4" name="Ellipse 3">
-            <a:extLst>
-              <a:ext uri="{FF2B5EF4-FFF2-40B4-BE49-F238E27FC236}">
-                <a16:creationId xmlns:a16="http://schemas.microsoft.com/office/drawing/2014/main" id="{D88D544D-6637-1348-B1AA-ABEC9F413F82}"/>
-              </a:ext>
-            </a:extLst>
-          </p:cNvPr>
-          <p:cNvSpPr/>
-          <p:nvPr/>
-        </p:nvSpPr>
-        <p:spPr>
-          <a:xfrm>
-            <a:off x="3749971" y="1371600"/>
-            <a:ext cx="1209368" cy="668594"/>
-          </a:xfrm>
-          <a:prstGeom prst="ellipse">
-            <a:avLst/>
-          </a:prstGeom>
-        </p:spPr>
-        <p:style>
-          <a:lnRef idx="2">
-            <a:schemeClr val="accent1">
-              <a:shade val="50000"/>
-            </a:schemeClr>
-          </a:lnRef>
-          <a:fillRef idx="1">
-            <a:schemeClr val="accent1"/>
-          </a:fillRef>
-          <a:effectRef idx="0">
-            <a:schemeClr val="accent1"/>
-          </a:effectRef>
-          <a:fontRef idx="minor">
-            <a:schemeClr val="lt1"/>
-          </a:fontRef>
-        </p:style>
-        <p:txBody>
-          <a:bodyPr rtlCol="0" anchor="ctr"/>
-          <a:lstStyle/>
-          <a:p>
-            <a:pPr algn="ctr"/>
-            <a:r>
-              <a:rPr lang="en-US" dirty="0"/>
-              <a:t>Start</a:t>
-            </a:r>
-          </a:p>
-        </p:txBody>
-      </p:sp>
-      <p:sp>
-        <p:nvSpPr>
-          <p:cNvPr id="5" name="Ellipse 4">
-            <a:extLst>
-              <a:ext uri="{FF2B5EF4-FFF2-40B4-BE49-F238E27FC236}">
-                <a16:creationId xmlns:a16="http://schemas.microsoft.com/office/drawing/2014/main" id="{1F7F2FCA-0EA3-094D-9EAB-26FA0F20B1B1}"/>
-              </a:ext>
-            </a:extLst>
-          </p:cNvPr>
-          <p:cNvSpPr/>
-          <p:nvPr/>
-        </p:nvSpPr>
-        <p:spPr>
-          <a:xfrm>
-            <a:off x="3755928" y="2295832"/>
-            <a:ext cx="1209368" cy="668594"/>
-          </a:xfrm>
-          <a:prstGeom prst="ellipse">
-            <a:avLst/>
-          </a:prstGeom>
-        </p:spPr>
-        <p:style>
-          <a:lnRef idx="2">
-            <a:schemeClr val="accent1">
-              <a:shade val="50000"/>
-            </a:schemeClr>
-          </a:lnRef>
-          <a:fillRef idx="1">
-            <a:schemeClr val="accent1"/>
-          </a:fillRef>
-          <a:effectRef idx="0">
-            <a:schemeClr val="accent1"/>
-          </a:effectRef>
-          <a:fontRef idx="minor">
-            <a:schemeClr val="lt1"/>
-          </a:fontRef>
-        </p:style>
-        <p:txBody>
-          <a:bodyPr rtlCol="0" anchor="ctr"/>
-          <a:lstStyle/>
-          <a:p>
-            <a:pPr algn="ctr"/>
-            <a:r>
-              <a:rPr lang="en-US"/>
-              <a:t>Record</a:t>
-            </a:r>
-          </a:p>
-        </p:txBody>
-      </p:sp>
-      <p:sp>
-        <p:nvSpPr>
-          <p:cNvPr id="7" name="Ellipse 6">
-            <a:extLst>
-              <a:ext uri="{FF2B5EF4-FFF2-40B4-BE49-F238E27FC236}">
-                <a16:creationId xmlns:a16="http://schemas.microsoft.com/office/drawing/2014/main" id="{BCB19B98-03D4-BF42-A214-F33EC1F899A1}"/>
-              </a:ext>
-            </a:extLst>
-          </p:cNvPr>
-          <p:cNvSpPr/>
-          <p:nvPr/>
-        </p:nvSpPr>
-        <p:spPr>
-          <a:xfrm>
-            <a:off x="3755928" y="3220064"/>
-            <a:ext cx="1209368" cy="668594"/>
-          </a:xfrm>
-          <a:prstGeom prst="ellipse">
-            <a:avLst/>
-          </a:prstGeom>
-        </p:spPr>
-        <p:style>
-          <a:lnRef idx="2">
-            <a:schemeClr val="accent1">
-              <a:shade val="50000"/>
-            </a:schemeClr>
-          </a:lnRef>
-          <a:fillRef idx="1">
-            <a:schemeClr val="accent1"/>
-          </a:fillRef>
-          <a:effectRef idx="0">
-            <a:schemeClr val="accent1"/>
-          </a:effectRef>
-          <a:fontRef idx="minor">
-            <a:schemeClr val="lt1"/>
-          </a:fontRef>
-        </p:style>
-        <p:txBody>
-          <a:bodyPr rtlCol="0" anchor="ctr"/>
-          <a:lstStyle/>
-          <a:p>
-            <a:pPr algn="ctr"/>
-            <a:r>
-              <a:rPr lang="en-US"/>
-              <a:t>End</a:t>
-            </a:r>
-          </a:p>
-        </p:txBody>
-      </p:sp>
-      <p:sp>
-        <p:nvSpPr>
-          <p:cNvPr id="9" name="Ellipse 8">
-            <a:extLst>
-              <a:ext uri="{FF2B5EF4-FFF2-40B4-BE49-F238E27FC236}">
-                <a16:creationId xmlns:a16="http://schemas.microsoft.com/office/drawing/2014/main" id="{E1B2A074-01AE-7B4A-A41E-28AA0E83E296}"/>
-              </a:ext>
-            </a:extLst>
-          </p:cNvPr>
-          <p:cNvSpPr/>
-          <p:nvPr/>
-        </p:nvSpPr>
-        <p:spPr>
-          <a:xfrm>
-            <a:off x="3749971" y="4144296"/>
-            <a:ext cx="1209368" cy="668594"/>
-          </a:xfrm>
-          <a:prstGeom prst="ellipse">
-            <a:avLst/>
-          </a:prstGeom>
-        </p:spPr>
-        <p:style>
-          <a:lnRef idx="2">
-            <a:schemeClr val="accent1">
-              <a:shade val="50000"/>
-            </a:schemeClr>
-          </a:lnRef>
-          <a:fillRef idx="1">
-            <a:schemeClr val="accent1"/>
-          </a:fillRef>
-          <a:effectRef idx="0">
-            <a:schemeClr val="accent1"/>
-          </a:effectRef>
-          <a:fontRef idx="minor">
-            <a:schemeClr val="lt1"/>
-          </a:fontRef>
-        </p:style>
-        <p:txBody>
-          <a:bodyPr rtlCol="0" anchor="ctr"/>
-          <a:lstStyle/>
-          <a:p>
-            <a:pPr algn="ctr"/>
-            <a:r>
-              <a:rPr lang="en-US"/>
-              <a:t>ASM</a:t>
-            </a:r>
-          </a:p>
-        </p:txBody>
-      </p:sp>
-      <p:cxnSp>
-        <p:nvCxnSpPr>
-          <p:cNvPr id="19" name="Connecteur droit avec flèche 18">
-            <a:extLst>
-              <a:ext uri="{FF2B5EF4-FFF2-40B4-BE49-F238E27FC236}">
-                <a16:creationId xmlns:a16="http://schemas.microsoft.com/office/drawing/2014/main" id="{257768BA-CB40-9348-A3AB-C7D870AF9519}"/>
-              </a:ext>
-            </a:extLst>
-          </p:cNvPr>
-          <p:cNvCxnSpPr>
-            <a:stCxn id="4" idx="4"/>
-            <a:endCxn id="5" idx="0"/>
-          </p:cNvCxnSpPr>
-          <p:nvPr/>
-        </p:nvCxnSpPr>
-        <p:spPr>
-          <a:xfrm>
-            <a:off x="4354655" y="2040194"/>
-            <a:ext cx="5957" cy="255638"/>
-          </a:xfrm>
-          <a:prstGeom prst="straightConnector1">
-            <a:avLst/>
-          </a:prstGeom>
-          <a:ln>
-            <a:tailEnd type="triangle"/>
-          </a:ln>
-        </p:spPr>
-        <p:style>
-          <a:lnRef idx="1">
-            <a:schemeClr val="accent1"/>
-          </a:lnRef>
-          <a:fillRef idx="0">
-            <a:schemeClr val="accent1"/>
-          </a:fillRef>
-          <a:effectRef idx="0">
-            <a:schemeClr val="accent1"/>
-          </a:effectRef>
-          <a:fontRef idx="minor">
-            <a:schemeClr val="tx1"/>
-          </a:fontRef>
-        </p:style>
-      </p:cxnSp>
-      <p:cxnSp>
-        <p:nvCxnSpPr>
-          <p:cNvPr id="20" name="Connecteur droit avec flèche 19">
-            <a:extLst>
-              <a:ext uri="{FF2B5EF4-FFF2-40B4-BE49-F238E27FC236}">
-                <a16:creationId xmlns:a16="http://schemas.microsoft.com/office/drawing/2014/main" id="{904D416F-7390-C448-9450-CD759EA8B080}"/>
-              </a:ext>
-            </a:extLst>
-          </p:cNvPr>
-          <p:cNvCxnSpPr/>
-          <p:nvPr/>
-        </p:nvCxnSpPr>
-        <p:spPr>
-          <a:xfrm>
-            <a:off x="4354655" y="2964426"/>
-            <a:ext cx="5957" cy="255638"/>
-          </a:xfrm>
-          <a:prstGeom prst="straightConnector1">
-            <a:avLst/>
-          </a:prstGeom>
-          <a:ln>
-            <a:tailEnd type="triangle"/>
-          </a:ln>
-        </p:spPr>
-        <p:style>
-          <a:lnRef idx="1">
-            <a:schemeClr val="accent1"/>
-          </a:lnRef>
-          <a:fillRef idx="0">
-            <a:schemeClr val="accent1"/>
-          </a:fillRef>
-          <a:effectRef idx="0">
-            <a:schemeClr val="accent1"/>
-          </a:effectRef>
-          <a:fontRef idx="minor">
-            <a:schemeClr val="tx1"/>
-          </a:fontRef>
-        </p:style>
-      </p:cxnSp>
-      <p:cxnSp>
-        <p:nvCxnSpPr>
-          <p:cNvPr id="21" name="Connecteur droit avec flèche 20">
-            <a:extLst>
-              <a:ext uri="{FF2B5EF4-FFF2-40B4-BE49-F238E27FC236}">
-                <a16:creationId xmlns:a16="http://schemas.microsoft.com/office/drawing/2014/main" id="{14D681E4-2F4A-7844-B1B2-8C38892745B8}"/>
-              </a:ext>
-            </a:extLst>
-          </p:cNvPr>
-          <p:cNvCxnSpPr/>
-          <p:nvPr/>
-        </p:nvCxnSpPr>
-        <p:spPr>
-          <a:xfrm>
-            <a:off x="4345978" y="3888658"/>
-            <a:ext cx="5957" cy="255638"/>
-          </a:xfrm>
-          <a:prstGeom prst="straightConnector1">
-            <a:avLst/>
-          </a:prstGeom>
-          <a:ln>
-            <a:tailEnd type="triangle"/>
-          </a:ln>
-        </p:spPr>
-        <p:style>
-          <a:lnRef idx="1">
-            <a:schemeClr val="accent1"/>
-          </a:lnRef>
-          <a:fillRef idx="0">
-            <a:schemeClr val="accent1"/>
-          </a:fillRef>
-          <a:effectRef idx="0">
-            <a:schemeClr val="accent1"/>
-          </a:effectRef>
-          <a:fontRef idx="minor">
-            <a:schemeClr val="tx1"/>
-          </a:fontRef>
-        </p:style>
-      </p:cxnSp>
-      <p:sp>
-        <p:nvSpPr>
-          <p:cNvPr id="11" name="Ellipse 10">
-            <a:extLst>
-              <a:ext uri="{FF2B5EF4-FFF2-40B4-BE49-F238E27FC236}">
-                <a16:creationId xmlns:a16="http://schemas.microsoft.com/office/drawing/2014/main" id="{7AAA4299-FDFD-3F46-9A6D-3C34836F840A}"/>
-              </a:ext>
-            </a:extLst>
-          </p:cNvPr>
-          <p:cNvSpPr/>
-          <p:nvPr/>
-        </p:nvSpPr>
-        <p:spPr>
-          <a:xfrm>
-            <a:off x="2247197" y="2302832"/>
-            <a:ext cx="1209368" cy="668594"/>
-          </a:xfrm>
-          <a:prstGeom prst="ellipse">
-            <a:avLst/>
-          </a:prstGeom>
-        </p:spPr>
-        <p:style>
-          <a:lnRef idx="2">
-            <a:schemeClr val="accent1">
-              <a:shade val="50000"/>
-            </a:schemeClr>
-          </a:lnRef>
-          <a:fillRef idx="1">
-            <a:schemeClr val="accent1"/>
-          </a:fillRef>
-          <a:effectRef idx="0">
-            <a:schemeClr val="accent1"/>
-          </a:effectRef>
-          <a:fontRef idx="minor">
-            <a:schemeClr val="lt1"/>
-          </a:fontRef>
-        </p:style>
-        <p:txBody>
-          <a:bodyPr rtlCol="0" anchor="ctr"/>
-          <a:lstStyle/>
-          <a:p>
-            <a:pPr algn="ctr"/>
-            <a:r>
-              <a:rPr lang="en-US"/>
-              <a:t>Error</a:t>
-            </a:r>
-          </a:p>
-        </p:txBody>
-      </p:sp>
-      <p:cxnSp>
-        <p:nvCxnSpPr>
-          <p:cNvPr id="29" name="Connecteur droit avec flèche 28">
-            <a:extLst>
-              <a:ext uri="{FF2B5EF4-FFF2-40B4-BE49-F238E27FC236}">
-                <a16:creationId xmlns:a16="http://schemas.microsoft.com/office/drawing/2014/main" id="{14273B54-023B-034A-8958-95DEB680EC2F}"/>
-              </a:ext>
-            </a:extLst>
-          </p:cNvPr>
-          <p:cNvCxnSpPr>
-            <a:stCxn id="5" idx="2"/>
-          </p:cNvCxnSpPr>
-          <p:nvPr/>
-        </p:nvCxnSpPr>
-        <p:spPr>
-          <a:xfrm flipH="1">
-            <a:off x="3456565" y="2630129"/>
-            <a:ext cx="299363" cy="6350"/>
-          </a:xfrm>
-          <a:prstGeom prst="straightConnector1">
-            <a:avLst/>
-          </a:prstGeom>
-          <a:ln>
-            <a:tailEnd type="triangle"/>
-          </a:ln>
-        </p:spPr>
-        <p:style>
-          <a:lnRef idx="1">
-            <a:schemeClr val="accent1"/>
-          </a:lnRef>
-          <a:fillRef idx="0">
-            <a:schemeClr val="accent1"/>
-          </a:fillRef>
-          <a:effectRef idx="0">
-            <a:schemeClr val="accent1"/>
-          </a:effectRef>
-          <a:fontRef idx="minor">
-            <a:schemeClr val="tx1"/>
-          </a:fontRef>
-        </p:style>
-      </p:cxnSp>
+        </p:grpSpPr>
+        <p:cxnSp>
+          <p:nvCxnSpPr>
+            <p:cNvPr id="23" name="Connecteur en arc 22">
+              <a:extLst>
+                <a:ext uri="{FF2B5EF4-FFF2-40B4-BE49-F238E27FC236}">
+                  <a16:creationId xmlns:a16="http://schemas.microsoft.com/office/drawing/2014/main" id="{D03BDBC4-7106-2C42-86F6-2AC861A6E758}"/>
+                </a:ext>
+              </a:extLst>
+            </p:cNvPr>
+            <p:cNvCxnSpPr>
+              <a:stCxn id="5" idx="7"/>
+              <a:endCxn id="5" idx="5"/>
+            </p:cNvCxnSpPr>
+            <p:nvPr/>
+          </p:nvCxnSpPr>
+          <p:spPr>
+            <a:xfrm rot="16200000" flipH="1">
+              <a:off x="2732836" y="2979173"/>
+              <a:ext cx="472768" cy="12700"/>
+            </a:xfrm>
+            <a:prstGeom prst="curvedConnector5">
+              <a:avLst>
+                <a:gd name="adj1" fmla="val -1382"/>
+                <a:gd name="adj2" fmla="val 4168024"/>
+                <a:gd name="adj3" fmla="val 104145"/>
+              </a:avLst>
+            </a:prstGeom>
+            <a:ln>
+              <a:headEnd type="none"/>
+              <a:tailEnd type="triangle"/>
+            </a:ln>
+          </p:spPr>
+          <p:style>
+            <a:lnRef idx="1">
+              <a:schemeClr val="accent1"/>
+            </a:lnRef>
+            <a:fillRef idx="0">
+              <a:schemeClr val="accent1"/>
+            </a:fillRef>
+            <a:effectRef idx="0">
+              <a:schemeClr val="accent1"/>
+            </a:effectRef>
+            <a:fontRef idx="minor">
+              <a:schemeClr val="tx1"/>
+            </a:fontRef>
+          </p:style>
+        </p:cxnSp>
+        <p:sp>
+          <p:nvSpPr>
+            <p:cNvPr id="4" name="Ellipse 3">
+              <a:extLst>
+                <a:ext uri="{FF2B5EF4-FFF2-40B4-BE49-F238E27FC236}">
+                  <a16:creationId xmlns:a16="http://schemas.microsoft.com/office/drawing/2014/main" id="{D88D544D-6637-1348-B1AA-ABEC9F413F82}"/>
+                </a:ext>
+              </a:extLst>
+            </p:cNvPr>
+            <p:cNvSpPr/>
+            <p:nvPr/>
+          </p:nvSpPr>
+          <p:spPr>
+            <a:xfrm>
+              <a:off x="1931003" y="1720644"/>
+              <a:ext cx="1209368" cy="668594"/>
+            </a:xfrm>
+            <a:prstGeom prst="ellipse">
+              <a:avLst/>
+            </a:prstGeom>
+          </p:spPr>
+          <p:style>
+            <a:lnRef idx="2">
+              <a:schemeClr val="accent1">
+                <a:shade val="50000"/>
+              </a:schemeClr>
+            </a:lnRef>
+            <a:fillRef idx="1">
+              <a:schemeClr val="accent1"/>
+            </a:fillRef>
+            <a:effectRef idx="0">
+              <a:schemeClr val="accent1"/>
+            </a:effectRef>
+            <a:fontRef idx="minor">
+              <a:schemeClr val="lt1"/>
+            </a:fontRef>
+          </p:style>
+          <p:txBody>
+            <a:bodyPr rtlCol="0" anchor="ctr"/>
+            <a:lstStyle/>
+            <a:p>
+              <a:pPr algn="ctr"/>
+              <a:r>
+                <a:rPr lang="en-US" dirty="0"/>
+                <a:t>Start</a:t>
+              </a:r>
+            </a:p>
+          </p:txBody>
+        </p:sp>
+        <p:sp>
+          <p:nvSpPr>
+            <p:cNvPr id="5" name="Ellipse 4">
+              <a:extLst>
+                <a:ext uri="{FF2B5EF4-FFF2-40B4-BE49-F238E27FC236}">
+                  <a16:creationId xmlns:a16="http://schemas.microsoft.com/office/drawing/2014/main" id="{1F7F2FCA-0EA3-094D-9EAB-26FA0F20B1B1}"/>
+                </a:ext>
+              </a:extLst>
+            </p:cNvPr>
+            <p:cNvSpPr/>
+            <p:nvPr/>
+          </p:nvSpPr>
+          <p:spPr>
+            <a:xfrm>
+              <a:off x="1936960" y="2644876"/>
+              <a:ext cx="1209368" cy="668594"/>
+            </a:xfrm>
+            <a:prstGeom prst="ellipse">
+              <a:avLst/>
+            </a:prstGeom>
+          </p:spPr>
+          <p:style>
+            <a:lnRef idx="2">
+              <a:schemeClr val="accent1">
+                <a:shade val="50000"/>
+              </a:schemeClr>
+            </a:lnRef>
+            <a:fillRef idx="1">
+              <a:schemeClr val="accent1"/>
+            </a:fillRef>
+            <a:effectRef idx="0">
+              <a:schemeClr val="accent1"/>
+            </a:effectRef>
+            <a:fontRef idx="minor">
+              <a:schemeClr val="lt1"/>
+            </a:fontRef>
+          </p:style>
+          <p:txBody>
+            <a:bodyPr rtlCol="0" anchor="ctr"/>
+            <a:lstStyle/>
+            <a:p>
+              <a:pPr algn="ctr"/>
+              <a:r>
+                <a:rPr lang="en-US"/>
+                <a:t>Record</a:t>
+              </a:r>
+            </a:p>
+          </p:txBody>
+        </p:sp>
+        <p:sp>
+          <p:nvSpPr>
+            <p:cNvPr id="7" name="Ellipse 6">
+              <a:extLst>
+                <a:ext uri="{FF2B5EF4-FFF2-40B4-BE49-F238E27FC236}">
+                  <a16:creationId xmlns:a16="http://schemas.microsoft.com/office/drawing/2014/main" id="{BCB19B98-03D4-BF42-A214-F33EC1F899A1}"/>
+                </a:ext>
+              </a:extLst>
+            </p:cNvPr>
+            <p:cNvSpPr/>
+            <p:nvPr/>
+          </p:nvSpPr>
+          <p:spPr>
+            <a:xfrm>
+              <a:off x="1936960" y="3569108"/>
+              <a:ext cx="1209368" cy="668594"/>
+            </a:xfrm>
+            <a:prstGeom prst="ellipse">
+              <a:avLst/>
+            </a:prstGeom>
+          </p:spPr>
+          <p:style>
+            <a:lnRef idx="2">
+              <a:schemeClr val="accent1">
+                <a:shade val="50000"/>
+              </a:schemeClr>
+            </a:lnRef>
+            <a:fillRef idx="1">
+              <a:schemeClr val="accent1"/>
+            </a:fillRef>
+            <a:effectRef idx="0">
+              <a:schemeClr val="accent1"/>
+            </a:effectRef>
+            <a:fontRef idx="minor">
+              <a:schemeClr val="lt1"/>
+            </a:fontRef>
+          </p:style>
+          <p:txBody>
+            <a:bodyPr rtlCol="0" anchor="ctr"/>
+            <a:lstStyle/>
+            <a:p>
+              <a:pPr algn="ctr"/>
+              <a:r>
+                <a:rPr lang="en-US"/>
+                <a:t>End</a:t>
+              </a:r>
+            </a:p>
+          </p:txBody>
+        </p:sp>
+        <p:sp>
+          <p:nvSpPr>
+            <p:cNvPr id="9" name="Ellipse 8">
+              <a:extLst>
+                <a:ext uri="{FF2B5EF4-FFF2-40B4-BE49-F238E27FC236}">
+                  <a16:creationId xmlns:a16="http://schemas.microsoft.com/office/drawing/2014/main" id="{E1B2A074-01AE-7B4A-A41E-28AA0E83E296}"/>
+                </a:ext>
+              </a:extLst>
+            </p:cNvPr>
+            <p:cNvSpPr/>
+            <p:nvPr/>
+          </p:nvSpPr>
+          <p:spPr>
+            <a:xfrm>
+              <a:off x="1931003" y="4493340"/>
+              <a:ext cx="1209368" cy="668594"/>
+            </a:xfrm>
+            <a:prstGeom prst="ellipse">
+              <a:avLst/>
+            </a:prstGeom>
+          </p:spPr>
+          <p:style>
+            <a:lnRef idx="2">
+              <a:schemeClr val="accent1">
+                <a:shade val="50000"/>
+              </a:schemeClr>
+            </a:lnRef>
+            <a:fillRef idx="1">
+              <a:schemeClr val="accent1"/>
+            </a:fillRef>
+            <a:effectRef idx="0">
+              <a:schemeClr val="accent1"/>
+            </a:effectRef>
+            <a:fontRef idx="minor">
+              <a:schemeClr val="lt1"/>
+            </a:fontRef>
+          </p:style>
+          <p:txBody>
+            <a:bodyPr rtlCol="0" anchor="ctr"/>
+            <a:lstStyle/>
+            <a:p>
+              <a:pPr algn="ctr"/>
+              <a:r>
+                <a:rPr lang="en-US"/>
+                <a:t>ASM</a:t>
+              </a:r>
+            </a:p>
+          </p:txBody>
+        </p:sp>
+        <p:cxnSp>
+          <p:nvCxnSpPr>
+            <p:cNvPr id="19" name="Connecteur droit avec flèche 18">
+              <a:extLst>
+                <a:ext uri="{FF2B5EF4-FFF2-40B4-BE49-F238E27FC236}">
+                  <a16:creationId xmlns:a16="http://schemas.microsoft.com/office/drawing/2014/main" id="{257768BA-CB40-9348-A3AB-C7D870AF9519}"/>
+                </a:ext>
+              </a:extLst>
+            </p:cNvPr>
+            <p:cNvCxnSpPr>
+              <a:stCxn id="4" idx="4"/>
+              <a:endCxn id="5" idx="0"/>
+            </p:cNvCxnSpPr>
+            <p:nvPr/>
+          </p:nvCxnSpPr>
+          <p:spPr>
+            <a:xfrm>
+              <a:off x="2535687" y="2389238"/>
+              <a:ext cx="5957" cy="255638"/>
+            </a:xfrm>
+            <a:prstGeom prst="straightConnector1">
+              <a:avLst/>
+            </a:prstGeom>
+            <a:ln>
+              <a:tailEnd type="triangle"/>
+            </a:ln>
+          </p:spPr>
+          <p:style>
+            <a:lnRef idx="1">
+              <a:schemeClr val="accent1"/>
+            </a:lnRef>
+            <a:fillRef idx="0">
+              <a:schemeClr val="accent1"/>
+            </a:fillRef>
+            <a:effectRef idx="0">
+              <a:schemeClr val="accent1"/>
+            </a:effectRef>
+            <a:fontRef idx="minor">
+              <a:schemeClr val="tx1"/>
+            </a:fontRef>
+          </p:style>
+        </p:cxnSp>
+        <p:cxnSp>
+          <p:nvCxnSpPr>
+            <p:cNvPr id="20" name="Connecteur droit avec flèche 19">
+              <a:extLst>
+                <a:ext uri="{FF2B5EF4-FFF2-40B4-BE49-F238E27FC236}">
+                  <a16:creationId xmlns:a16="http://schemas.microsoft.com/office/drawing/2014/main" id="{904D416F-7390-C448-9450-CD759EA8B080}"/>
+                </a:ext>
+              </a:extLst>
+            </p:cNvPr>
+            <p:cNvCxnSpPr/>
+            <p:nvPr/>
+          </p:nvCxnSpPr>
+          <p:spPr>
+            <a:xfrm>
+              <a:off x="2535687" y="3313470"/>
+              <a:ext cx="5957" cy="255638"/>
+            </a:xfrm>
+            <a:prstGeom prst="straightConnector1">
+              <a:avLst/>
+            </a:prstGeom>
+            <a:ln>
+              <a:tailEnd type="triangle"/>
+            </a:ln>
+          </p:spPr>
+          <p:style>
+            <a:lnRef idx="1">
+              <a:schemeClr val="accent1"/>
+            </a:lnRef>
+            <a:fillRef idx="0">
+              <a:schemeClr val="accent1"/>
+            </a:fillRef>
+            <a:effectRef idx="0">
+              <a:schemeClr val="accent1"/>
+            </a:effectRef>
+            <a:fontRef idx="minor">
+              <a:schemeClr val="tx1"/>
+            </a:fontRef>
+          </p:style>
+        </p:cxnSp>
+        <p:cxnSp>
+          <p:nvCxnSpPr>
+            <p:cNvPr id="21" name="Connecteur droit avec flèche 20">
+              <a:extLst>
+                <a:ext uri="{FF2B5EF4-FFF2-40B4-BE49-F238E27FC236}">
+                  <a16:creationId xmlns:a16="http://schemas.microsoft.com/office/drawing/2014/main" id="{14D681E4-2F4A-7844-B1B2-8C38892745B8}"/>
+                </a:ext>
+              </a:extLst>
+            </p:cNvPr>
+            <p:cNvCxnSpPr/>
+            <p:nvPr/>
+          </p:nvCxnSpPr>
+          <p:spPr>
+            <a:xfrm>
+              <a:off x="2527010" y="4237702"/>
+              <a:ext cx="5957" cy="255638"/>
+            </a:xfrm>
+            <a:prstGeom prst="straightConnector1">
+              <a:avLst/>
+            </a:prstGeom>
+            <a:ln>
+              <a:tailEnd type="triangle"/>
+            </a:ln>
+          </p:spPr>
+          <p:style>
+            <a:lnRef idx="1">
+              <a:schemeClr val="accent1"/>
+            </a:lnRef>
+            <a:fillRef idx="0">
+              <a:schemeClr val="accent1"/>
+            </a:fillRef>
+            <a:effectRef idx="0">
+              <a:schemeClr val="accent1"/>
+            </a:effectRef>
+            <a:fontRef idx="minor">
+              <a:schemeClr val="tx1"/>
+            </a:fontRef>
+          </p:style>
+        </p:cxnSp>
+        <p:sp>
+          <p:nvSpPr>
+            <p:cNvPr id="11" name="Ellipse 10">
+              <a:extLst>
+                <a:ext uri="{FF2B5EF4-FFF2-40B4-BE49-F238E27FC236}">
+                  <a16:creationId xmlns:a16="http://schemas.microsoft.com/office/drawing/2014/main" id="{7AAA4299-FDFD-3F46-9A6D-3C34836F840A}"/>
+                </a:ext>
+              </a:extLst>
+            </p:cNvPr>
+            <p:cNvSpPr/>
+            <p:nvPr/>
+          </p:nvSpPr>
+          <p:spPr>
+            <a:xfrm>
+              <a:off x="428229" y="2651876"/>
+              <a:ext cx="1209368" cy="668594"/>
+            </a:xfrm>
+            <a:prstGeom prst="ellipse">
+              <a:avLst/>
+            </a:prstGeom>
+          </p:spPr>
+          <p:style>
+            <a:lnRef idx="2">
+              <a:schemeClr val="accent1">
+                <a:shade val="50000"/>
+              </a:schemeClr>
+            </a:lnRef>
+            <a:fillRef idx="1">
+              <a:schemeClr val="accent1"/>
+            </a:fillRef>
+            <a:effectRef idx="0">
+              <a:schemeClr val="accent1"/>
+            </a:effectRef>
+            <a:fontRef idx="minor">
+              <a:schemeClr val="lt1"/>
+            </a:fontRef>
+          </p:style>
+          <p:txBody>
+            <a:bodyPr rtlCol="0" anchor="ctr"/>
+            <a:lstStyle/>
+            <a:p>
+              <a:pPr algn="ctr"/>
+              <a:r>
+                <a:rPr lang="en-US"/>
+                <a:t>Error</a:t>
+              </a:r>
+            </a:p>
+          </p:txBody>
+        </p:sp>
+        <p:cxnSp>
+          <p:nvCxnSpPr>
+            <p:cNvPr id="29" name="Connecteur droit avec flèche 28">
+              <a:extLst>
+                <a:ext uri="{FF2B5EF4-FFF2-40B4-BE49-F238E27FC236}">
+                  <a16:creationId xmlns:a16="http://schemas.microsoft.com/office/drawing/2014/main" id="{14273B54-023B-034A-8958-95DEB680EC2F}"/>
+                </a:ext>
+              </a:extLst>
+            </p:cNvPr>
+            <p:cNvCxnSpPr>
+              <a:stCxn id="5" idx="2"/>
+            </p:cNvCxnSpPr>
+            <p:nvPr/>
+          </p:nvCxnSpPr>
+          <p:spPr>
+            <a:xfrm flipH="1">
+              <a:off x="1637597" y="2979173"/>
+              <a:ext cx="299363" cy="6350"/>
+            </a:xfrm>
+            <a:prstGeom prst="straightConnector1">
+              <a:avLst/>
+            </a:prstGeom>
+            <a:ln>
+              <a:tailEnd type="triangle"/>
+            </a:ln>
+          </p:spPr>
+          <p:style>
+            <a:lnRef idx="1">
+              <a:schemeClr val="accent1"/>
+            </a:lnRef>
+            <a:fillRef idx="0">
+              <a:schemeClr val="accent1"/>
+            </a:fillRef>
+            <a:effectRef idx="0">
+              <a:schemeClr val="accent1"/>
+            </a:effectRef>
+            <a:fontRef idx="minor">
+              <a:schemeClr val="tx1"/>
+            </a:fontRef>
+          </p:style>
+        </p:cxnSp>
+      </p:grpSp>
       <p:sp>
         <p:nvSpPr>
           <p:cNvPr id="30" name="ZoneTexte 29">
@@ -7029,6 +7050,490 @@
           </a:p>
         </p:txBody>
       </p:sp>
+      <p:grpSp>
+        <p:nvGrpSpPr>
+          <p:cNvPr id="53" name="Groupe 52">
+            <a:extLst>
+              <a:ext uri="{FF2B5EF4-FFF2-40B4-BE49-F238E27FC236}">
+                <a16:creationId xmlns:a16="http://schemas.microsoft.com/office/drawing/2014/main" id="{13ED060A-748B-7246-8826-F41B13B95C10}"/>
+              </a:ext>
+            </a:extLst>
+          </p:cNvPr>
+          <p:cNvGrpSpPr/>
+          <p:nvPr/>
+        </p:nvGrpSpPr>
+        <p:grpSpPr>
+          <a:xfrm>
+            <a:off x="4777442" y="4594632"/>
+            <a:ext cx="5189208" cy="1303878"/>
+            <a:chOff x="4777442" y="4594632"/>
+            <a:chExt cx="5189208" cy="1303878"/>
+          </a:xfrm>
+        </p:grpSpPr>
+        <p:cxnSp>
+          <p:nvCxnSpPr>
+            <p:cNvPr id="13" name="Connecteur en arc 12">
+              <a:extLst>
+                <a:ext uri="{FF2B5EF4-FFF2-40B4-BE49-F238E27FC236}">
+                  <a16:creationId xmlns:a16="http://schemas.microsoft.com/office/drawing/2014/main" id="{D7026FB1-9D9E-A54A-B5E6-A51F52A29260}"/>
+                </a:ext>
+              </a:extLst>
+            </p:cNvPr>
+            <p:cNvCxnSpPr>
+              <a:cxnSpLocks/>
+              <a:stCxn id="15" idx="1"/>
+              <a:endCxn id="15" idx="7"/>
+            </p:cNvCxnSpPr>
+            <p:nvPr/>
+          </p:nvCxnSpPr>
+          <p:spPr>
+            <a:xfrm rot="5400000" flipH="1" flipV="1">
+              <a:off x="6709150" y="4248420"/>
+              <a:ext cx="12700" cy="840042"/>
+            </a:xfrm>
+            <a:prstGeom prst="curvedConnector3">
+              <a:avLst>
+                <a:gd name="adj1" fmla="val 2381173"/>
+              </a:avLst>
+            </a:prstGeom>
+            <a:ln>
+              <a:headEnd type="none"/>
+              <a:tailEnd type="triangle"/>
+            </a:ln>
+          </p:spPr>
+          <p:style>
+            <a:lnRef idx="1">
+              <a:schemeClr val="accent1"/>
+            </a:lnRef>
+            <a:fillRef idx="0">
+              <a:schemeClr val="accent1"/>
+            </a:fillRef>
+            <a:effectRef idx="0">
+              <a:schemeClr val="accent1"/>
+            </a:effectRef>
+            <a:fontRef idx="minor">
+              <a:schemeClr val="tx1"/>
+            </a:fontRef>
+          </p:style>
+        </p:cxnSp>
+        <p:sp>
+          <p:nvSpPr>
+            <p:cNvPr id="14" name="Ellipse 13">
+              <a:extLst>
+                <a:ext uri="{FF2B5EF4-FFF2-40B4-BE49-F238E27FC236}">
+                  <a16:creationId xmlns:a16="http://schemas.microsoft.com/office/drawing/2014/main" id="{AE7A0F3E-133C-6F4E-99AF-E8C7E551213A}"/>
+                </a:ext>
+              </a:extLst>
+            </p:cNvPr>
+            <p:cNvSpPr/>
+            <p:nvPr/>
+          </p:nvSpPr>
+          <p:spPr>
+            <a:xfrm>
+              <a:off x="4777442" y="4594632"/>
+              <a:ext cx="1188000" cy="504000"/>
+            </a:xfrm>
+            <a:prstGeom prst="ellipse">
+              <a:avLst/>
+            </a:prstGeom>
+          </p:spPr>
+          <p:style>
+            <a:lnRef idx="2">
+              <a:schemeClr val="accent1">
+                <a:shade val="50000"/>
+              </a:schemeClr>
+            </a:lnRef>
+            <a:fillRef idx="1">
+              <a:schemeClr val="accent1"/>
+            </a:fillRef>
+            <a:effectRef idx="0">
+              <a:schemeClr val="accent1"/>
+            </a:effectRef>
+            <a:fontRef idx="minor">
+              <a:schemeClr val="lt1"/>
+            </a:fontRef>
+          </p:style>
+          <p:txBody>
+            <a:bodyPr rtlCol="0" anchor="ctr"/>
+            <a:lstStyle/>
+            <a:p>
+              <a:pPr algn="ctr"/>
+              <a:r>
+                <a:rPr lang="en-US" dirty="0"/>
+                <a:t>Start</a:t>
+              </a:r>
+            </a:p>
+          </p:txBody>
+        </p:sp>
+        <p:sp>
+          <p:nvSpPr>
+            <p:cNvPr id="15" name="Ellipse 14">
+              <a:extLst>
+                <a:ext uri="{FF2B5EF4-FFF2-40B4-BE49-F238E27FC236}">
+                  <a16:creationId xmlns:a16="http://schemas.microsoft.com/office/drawing/2014/main" id="{BCD7940B-C521-7F4E-81CE-7918E6BBA835}"/>
+                </a:ext>
+              </a:extLst>
+            </p:cNvPr>
+            <p:cNvSpPr/>
+            <p:nvPr/>
+          </p:nvSpPr>
+          <p:spPr>
+            <a:xfrm>
+              <a:off x="6115150" y="4594632"/>
+              <a:ext cx="1188000" cy="504000"/>
+            </a:xfrm>
+            <a:prstGeom prst="ellipse">
+              <a:avLst/>
+            </a:prstGeom>
+          </p:spPr>
+          <p:style>
+            <a:lnRef idx="2">
+              <a:schemeClr val="accent1">
+                <a:shade val="50000"/>
+              </a:schemeClr>
+            </a:lnRef>
+            <a:fillRef idx="1">
+              <a:schemeClr val="accent1"/>
+            </a:fillRef>
+            <a:effectRef idx="0">
+              <a:schemeClr val="accent1"/>
+            </a:effectRef>
+            <a:fontRef idx="minor">
+              <a:schemeClr val="lt1"/>
+            </a:fontRef>
+          </p:style>
+          <p:txBody>
+            <a:bodyPr rtlCol="0" anchor="ctr"/>
+            <a:lstStyle/>
+            <a:p>
+              <a:pPr algn="ctr"/>
+              <a:r>
+                <a:rPr lang="en-US"/>
+                <a:t>Record</a:t>
+              </a:r>
+            </a:p>
+          </p:txBody>
+        </p:sp>
+        <p:sp>
+          <p:nvSpPr>
+            <p:cNvPr id="16" name="Ellipse 15">
+              <a:extLst>
+                <a:ext uri="{FF2B5EF4-FFF2-40B4-BE49-F238E27FC236}">
+                  <a16:creationId xmlns:a16="http://schemas.microsoft.com/office/drawing/2014/main" id="{8AD2A525-D8EE-AF4D-8A75-648391A39B08}"/>
+                </a:ext>
+              </a:extLst>
+            </p:cNvPr>
+            <p:cNvSpPr/>
+            <p:nvPr/>
+          </p:nvSpPr>
+          <p:spPr>
+            <a:xfrm>
+              <a:off x="7446900" y="4594632"/>
+              <a:ext cx="1188000" cy="504000"/>
+            </a:xfrm>
+            <a:prstGeom prst="ellipse">
+              <a:avLst/>
+            </a:prstGeom>
+          </p:spPr>
+          <p:style>
+            <a:lnRef idx="2">
+              <a:schemeClr val="accent1">
+                <a:shade val="50000"/>
+              </a:schemeClr>
+            </a:lnRef>
+            <a:fillRef idx="1">
+              <a:schemeClr val="accent1"/>
+            </a:fillRef>
+            <a:effectRef idx="0">
+              <a:schemeClr val="accent1"/>
+            </a:effectRef>
+            <a:fontRef idx="minor">
+              <a:schemeClr val="lt1"/>
+            </a:fontRef>
+          </p:style>
+          <p:txBody>
+            <a:bodyPr rtlCol="0" anchor="ctr"/>
+            <a:lstStyle/>
+            <a:p>
+              <a:pPr algn="ctr"/>
+              <a:r>
+                <a:rPr lang="en-US" dirty="0"/>
+                <a:t>End</a:t>
+              </a:r>
+            </a:p>
+          </p:txBody>
+        </p:sp>
+        <p:sp>
+          <p:nvSpPr>
+            <p:cNvPr id="17" name="Ellipse 16">
+              <a:extLst>
+                <a:ext uri="{FF2B5EF4-FFF2-40B4-BE49-F238E27FC236}">
+                  <a16:creationId xmlns:a16="http://schemas.microsoft.com/office/drawing/2014/main" id="{35A7A2FE-5AC8-DF42-88CE-D8C1C92CD3C0}"/>
+                </a:ext>
+              </a:extLst>
+            </p:cNvPr>
+            <p:cNvSpPr/>
+            <p:nvPr/>
+          </p:nvSpPr>
+          <p:spPr>
+            <a:xfrm>
+              <a:off x="8778650" y="4594632"/>
+              <a:ext cx="1188000" cy="504000"/>
+            </a:xfrm>
+            <a:prstGeom prst="ellipse">
+              <a:avLst/>
+            </a:prstGeom>
+          </p:spPr>
+          <p:style>
+            <a:lnRef idx="2">
+              <a:schemeClr val="accent1">
+                <a:shade val="50000"/>
+              </a:schemeClr>
+            </a:lnRef>
+            <a:fillRef idx="1">
+              <a:schemeClr val="accent1"/>
+            </a:fillRef>
+            <a:effectRef idx="0">
+              <a:schemeClr val="accent1"/>
+            </a:effectRef>
+            <a:fontRef idx="minor">
+              <a:schemeClr val="lt1"/>
+            </a:fontRef>
+          </p:style>
+          <p:txBody>
+            <a:bodyPr rtlCol="0" anchor="ctr"/>
+            <a:lstStyle/>
+            <a:p>
+              <a:pPr algn="ctr"/>
+              <a:r>
+                <a:rPr lang="en-US" dirty="0"/>
+                <a:t>ASM</a:t>
+              </a:r>
+            </a:p>
+          </p:txBody>
+        </p:sp>
+        <p:cxnSp>
+          <p:nvCxnSpPr>
+            <p:cNvPr id="22" name="Connecteur droit avec flèche 21">
+              <a:extLst>
+                <a:ext uri="{FF2B5EF4-FFF2-40B4-BE49-F238E27FC236}">
+                  <a16:creationId xmlns:a16="http://schemas.microsoft.com/office/drawing/2014/main" id="{F77AD689-98DE-3449-975F-53D701764C62}"/>
+                </a:ext>
+              </a:extLst>
+            </p:cNvPr>
+            <p:cNvCxnSpPr>
+              <a:cxnSpLocks/>
+              <a:stCxn id="14" idx="6"/>
+              <a:endCxn id="15" idx="2"/>
+            </p:cNvCxnSpPr>
+            <p:nvPr/>
+          </p:nvCxnSpPr>
+          <p:spPr>
+            <a:xfrm>
+              <a:off x="5965442" y="4846632"/>
+              <a:ext cx="149708" cy="0"/>
+            </a:xfrm>
+            <a:prstGeom prst="straightConnector1">
+              <a:avLst/>
+            </a:prstGeom>
+            <a:ln>
+              <a:tailEnd type="triangle"/>
+            </a:ln>
+          </p:spPr>
+          <p:style>
+            <a:lnRef idx="1">
+              <a:schemeClr val="accent1"/>
+            </a:lnRef>
+            <a:fillRef idx="0">
+              <a:schemeClr val="accent1"/>
+            </a:fillRef>
+            <a:effectRef idx="0">
+              <a:schemeClr val="accent1"/>
+            </a:effectRef>
+            <a:fontRef idx="minor">
+              <a:schemeClr val="tx1"/>
+            </a:fontRef>
+          </p:style>
+        </p:cxnSp>
+        <p:sp>
+          <p:nvSpPr>
+            <p:cNvPr id="25" name="Ellipse 24">
+              <a:extLst>
+                <a:ext uri="{FF2B5EF4-FFF2-40B4-BE49-F238E27FC236}">
+                  <a16:creationId xmlns:a16="http://schemas.microsoft.com/office/drawing/2014/main" id="{1C6AB544-B95B-8746-8FAF-D5D4747DD763}"/>
+                </a:ext>
+              </a:extLst>
+            </p:cNvPr>
+            <p:cNvSpPr/>
+            <p:nvPr/>
+          </p:nvSpPr>
+          <p:spPr>
+            <a:xfrm>
+              <a:off x="6115150" y="5394510"/>
+              <a:ext cx="1188000" cy="504000"/>
+            </a:xfrm>
+            <a:prstGeom prst="ellipse">
+              <a:avLst/>
+            </a:prstGeom>
+          </p:spPr>
+          <p:style>
+            <a:lnRef idx="2">
+              <a:schemeClr val="accent1">
+                <a:shade val="50000"/>
+              </a:schemeClr>
+            </a:lnRef>
+            <a:fillRef idx="1">
+              <a:schemeClr val="accent1"/>
+            </a:fillRef>
+            <a:effectRef idx="0">
+              <a:schemeClr val="accent1"/>
+            </a:effectRef>
+            <a:fontRef idx="minor">
+              <a:schemeClr val="lt1"/>
+            </a:fontRef>
+          </p:style>
+          <p:txBody>
+            <a:bodyPr rtlCol="0" anchor="ctr"/>
+            <a:lstStyle/>
+            <a:p>
+              <a:pPr algn="ctr"/>
+              <a:r>
+                <a:rPr lang="en-US" dirty="0"/>
+                <a:t>Error</a:t>
+              </a:r>
+            </a:p>
+          </p:txBody>
+        </p:sp>
+        <p:cxnSp>
+          <p:nvCxnSpPr>
+            <p:cNvPr id="38" name="Connecteur droit avec flèche 37">
+              <a:extLst>
+                <a:ext uri="{FF2B5EF4-FFF2-40B4-BE49-F238E27FC236}">
+                  <a16:creationId xmlns:a16="http://schemas.microsoft.com/office/drawing/2014/main" id="{ADA4D82E-9C99-0044-9448-764B191B9235}"/>
+                </a:ext>
+              </a:extLst>
+            </p:cNvPr>
+            <p:cNvCxnSpPr>
+              <a:cxnSpLocks/>
+              <a:stCxn id="15" idx="6"/>
+              <a:endCxn id="16" idx="2"/>
+            </p:cNvCxnSpPr>
+            <p:nvPr/>
+          </p:nvCxnSpPr>
+          <p:spPr>
+            <a:xfrm>
+              <a:off x="7303150" y="4846632"/>
+              <a:ext cx="143750" cy="0"/>
+            </a:xfrm>
+            <a:prstGeom prst="straightConnector1">
+              <a:avLst/>
+            </a:prstGeom>
+            <a:ln>
+              <a:tailEnd type="triangle"/>
+            </a:ln>
+          </p:spPr>
+          <p:style>
+            <a:lnRef idx="1">
+              <a:schemeClr val="accent1"/>
+            </a:lnRef>
+            <a:fillRef idx="0">
+              <a:schemeClr val="accent1"/>
+            </a:fillRef>
+            <a:effectRef idx="0">
+              <a:schemeClr val="accent1"/>
+            </a:effectRef>
+            <a:fontRef idx="minor">
+              <a:schemeClr val="tx1"/>
+            </a:fontRef>
+          </p:style>
+        </p:cxnSp>
+        <p:cxnSp>
+          <p:nvCxnSpPr>
+            <p:cNvPr id="41" name="Connecteur droit avec flèche 40">
+              <a:extLst>
+                <a:ext uri="{FF2B5EF4-FFF2-40B4-BE49-F238E27FC236}">
+                  <a16:creationId xmlns:a16="http://schemas.microsoft.com/office/drawing/2014/main" id="{1C1EB551-5887-584B-A12B-9E91F5296F6A}"/>
+                </a:ext>
+              </a:extLst>
+            </p:cNvPr>
+            <p:cNvCxnSpPr>
+              <a:cxnSpLocks/>
+              <a:stCxn id="16" idx="6"/>
+              <a:endCxn id="17" idx="2"/>
+            </p:cNvCxnSpPr>
+            <p:nvPr/>
+          </p:nvCxnSpPr>
+          <p:spPr>
+            <a:xfrm>
+              <a:off x="8634900" y="4846632"/>
+              <a:ext cx="143750" cy="0"/>
+            </a:xfrm>
+            <a:prstGeom prst="straightConnector1">
+              <a:avLst/>
+            </a:prstGeom>
+            <a:ln>
+              <a:tailEnd type="triangle"/>
+            </a:ln>
+          </p:spPr>
+          <p:style>
+            <a:lnRef idx="1">
+              <a:schemeClr val="accent1"/>
+            </a:lnRef>
+            <a:fillRef idx="0">
+              <a:schemeClr val="accent1"/>
+            </a:fillRef>
+            <a:effectRef idx="0">
+              <a:schemeClr val="accent1"/>
+            </a:effectRef>
+            <a:fontRef idx="minor">
+              <a:schemeClr val="tx1"/>
+            </a:fontRef>
+          </p:style>
+        </p:cxnSp>
+        <p:cxnSp>
+          <p:nvCxnSpPr>
+            <p:cNvPr id="44" name="Connecteur droit avec flèche 43">
+              <a:extLst>
+                <a:ext uri="{FF2B5EF4-FFF2-40B4-BE49-F238E27FC236}">
+                  <a16:creationId xmlns:a16="http://schemas.microsoft.com/office/drawing/2014/main" id="{EDFCE06B-26BE-0C4E-8686-C4F37DAD9452}"/>
+                </a:ext>
+              </a:extLst>
+            </p:cNvPr>
+            <p:cNvCxnSpPr>
+              <a:cxnSpLocks/>
+              <a:stCxn id="15" idx="4"/>
+              <a:endCxn id="25" idx="0"/>
+            </p:cNvCxnSpPr>
+            <p:nvPr/>
+          </p:nvCxnSpPr>
+          <p:spPr>
+            <a:xfrm>
+              <a:off x="6709150" y="5098632"/>
+              <a:ext cx="0" cy="295878"/>
+            </a:xfrm>
+            <a:prstGeom prst="straightConnector1">
+              <a:avLst/>
+            </a:prstGeom>
+            <a:ln>
+              <a:tailEnd type="triangle"/>
+            </a:ln>
+          </p:spPr>
+          <p:style>
+            <a:lnRef idx="1">
+              <a:schemeClr val="accent1"/>
+            </a:lnRef>
+            <a:fillRef idx="0">
+              <a:schemeClr val="accent1"/>
+            </a:fillRef>
+            <a:effectRef idx="0">
+              <a:schemeClr val="accent1"/>
+            </a:effectRef>
+            <a:fontRef idx="minor">
+              <a:schemeClr val="tx1"/>
+            </a:fontRef>
+          </p:style>
+        </p:cxnSp>
+      </p:grpSp>
     </p:spTree>
     <p:extLst>
       <p:ext uri="{BB962C8B-B14F-4D97-AF65-F5344CB8AC3E}">
